--- a/AI개념도식.pptx
+++ b/AI개념도식.pptx
@@ -260,7 +260,7 @@
           <a:p>
             <a:fld id="{9851BF5B-4527-44A9-BCF1-43D07D935C6A}" type="datetimeFigureOut">
               <a:rPr lang="ko-KR" altLang="en-US" smtClean="0"/>
-              <a:t>2021-05-22</a:t>
+              <a:t>2021-06-06</a:t>
             </a:fld>
             <a:endParaRPr lang="ko-KR" altLang="en-US"/>
           </a:p>
@@ -458,7 +458,7 @@
           <a:p>
             <a:fld id="{9851BF5B-4527-44A9-BCF1-43D07D935C6A}" type="datetimeFigureOut">
               <a:rPr lang="ko-KR" altLang="en-US" smtClean="0"/>
-              <a:t>2021-05-22</a:t>
+              <a:t>2021-06-06</a:t>
             </a:fld>
             <a:endParaRPr lang="ko-KR" altLang="en-US"/>
           </a:p>
@@ -666,7 +666,7 @@
           <a:p>
             <a:fld id="{9851BF5B-4527-44A9-BCF1-43D07D935C6A}" type="datetimeFigureOut">
               <a:rPr lang="ko-KR" altLang="en-US" smtClean="0"/>
-              <a:t>2021-05-22</a:t>
+              <a:t>2021-06-06</a:t>
             </a:fld>
             <a:endParaRPr lang="ko-KR" altLang="en-US"/>
           </a:p>
@@ -864,7 +864,7 @@
           <a:p>
             <a:fld id="{9851BF5B-4527-44A9-BCF1-43D07D935C6A}" type="datetimeFigureOut">
               <a:rPr lang="ko-KR" altLang="en-US" smtClean="0"/>
-              <a:t>2021-05-22</a:t>
+              <a:t>2021-06-06</a:t>
             </a:fld>
             <a:endParaRPr lang="ko-KR" altLang="en-US"/>
           </a:p>
@@ -1139,7 +1139,7 @@
           <a:p>
             <a:fld id="{9851BF5B-4527-44A9-BCF1-43D07D935C6A}" type="datetimeFigureOut">
               <a:rPr lang="ko-KR" altLang="en-US" smtClean="0"/>
-              <a:t>2021-05-22</a:t>
+              <a:t>2021-06-06</a:t>
             </a:fld>
             <a:endParaRPr lang="ko-KR" altLang="en-US"/>
           </a:p>
@@ -1404,7 +1404,7 @@
           <a:p>
             <a:fld id="{9851BF5B-4527-44A9-BCF1-43D07D935C6A}" type="datetimeFigureOut">
               <a:rPr lang="ko-KR" altLang="en-US" smtClean="0"/>
-              <a:t>2021-05-22</a:t>
+              <a:t>2021-06-06</a:t>
             </a:fld>
             <a:endParaRPr lang="ko-KR" altLang="en-US"/>
           </a:p>
@@ -1816,7 +1816,7 @@
           <a:p>
             <a:fld id="{9851BF5B-4527-44A9-BCF1-43D07D935C6A}" type="datetimeFigureOut">
               <a:rPr lang="ko-KR" altLang="en-US" smtClean="0"/>
-              <a:t>2021-05-22</a:t>
+              <a:t>2021-06-06</a:t>
             </a:fld>
             <a:endParaRPr lang="ko-KR" altLang="en-US"/>
           </a:p>
@@ -1957,7 +1957,7 @@
           <a:p>
             <a:fld id="{9851BF5B-4527-44A9-BCF1-43D07D935C6A}" type="datetimeFigureOut">
               <a:rPr lang="ko-KR" altLang="en-US" smtClean="0"/>
-              <a:t>2021-05-22</a:t>
+              <a:t>2021-06-06</a:t>
             </a:fld>
             <a:endParaRPr lang="ko-KR" altLang="en-US"/>
           </a:p>
@@ -2070,7 +2070,7 @@
           <a:p>
             <a:fld id="{9851BF5B-4527-44A9-BCF1-43D07D935C6A}" type="datetimeFigureOut">
               <a:rPr lang="ko-KR" altLang="en-US" smtClean="0"/>
-              <a:t>2021-05-22</a:t>
+              <a:t>2021-06-06</a:t>
             </a:fld>
             <a:endParaRPr lang="ko-KR" altLang="en-US"/>
           </a:p>
@@ -2381,7 +2381,7 @@
           <a:p>
             <a:fld id="{9851BF5B-4527-44A9-BCF1-43D07D935C6A}" type="datetimeFigureOut">
               <a:rPr lang="ko-KR" altLang="en-US" smtClean="0"/>
-              <a:t>2021-05-22</a:t>
+              <a:t>2021-06-06</a:t>
             </a:fld>
             <a:endParaRPr lang="ko-KR" altLang="en-US"/>
           </a:p>
@@ -2669,7 +2669,7 @@
           <a:p>
             <a:fld id="{9851BF5B-4527-44A9-BCF1-43D07D935C6A}" type="datetimeFigureOut">
               <a:rPr lang="ko-KR" altLang="en-US" smtClean="0"/>
-              <a:t>2021-05-22</a:t>
+              <a:t>2021-06-06</a:t>
             </a:fld>
             <a:endParaRPr lang="ko-KR" altLang="en-US"/>
           </a:p>
@@ -2910,7 +2910,7 @@
           <a:p>
             <a:fld id="{9851BF5B-4527-44A9-BCF1-43D07D935C6A}" type="datetimeFigureOut">
               <a:rPr lang="ko-KR" altLang="en-US" smtClean="0"/>
-              <a:t>2021-05-22</a:t>
+              <a:t>2021-06-06</a:t>
             </a:fld>
             <a:endParaRPr lang="ko-KR" altLang="en-US"/>
           </a:p>
@@ -3851,8 +3851,8 @@
           </a:p>
         </p:txBody>
       </p:sp>
-      <mc:AlternateContent xmlns:mc="http://schemas.openxmlformats.org/markup-compatibility/2006" xmlns:a14="http://schemas.microsoft.com/office/drawing/2010/main">
-        <mc:Choice Requires="a14">
+      <mc:AlternateContent xmlns:mc="http://schemas.openxmlformats.org/markup-compatibility/2006">
+        <mc:Choice xmlns:a14="http://schemas.microsoft.com/office/drawing/2010/main" Requires="a14">
           <p:sp>
             <p:nvSpPr>
               <p:cNvPr id="22" name="TextBox 21">
@@ -3902,9 +3902,12 @@
                         <m:e>
                           <m:r>
                             <a:rPr lang="en-US" altLang="ko-KR" b="0" i="1" smtClean="0">
+                              <a:solidFill>
+                                <a:schemeClr val="tx1"/>
+                              </a:solidFill>
                               <a:latin typeface="Cambria Math" panose="02040503050406030204" pitchFamily="18" charset="0"/>
                             </a:rPr>
-                            <m:t>𝑋</m:t>
+                            <m:t>𝑥</m:t>
                           </m:r>
                         </m:e>
                         <m:sub>
@@ -3924,7 +3927,7 @@
             </p:txBody>
           </p:sp>
         </mc:Choice>
-        <mc:Fallback xmlns="">
+        <mc:Fallback>
           <p:sp>
             <p:nvSpPr>
               <p:cNvPr id="22" name="TextBox 21">
@@ -3969,8 +3972,8 @@
           </p:sp>
         </mc:Fallback>
       </mc:AlternateContent>
-      <mc:AlternateContent xmlns:mc="http://schemas.openxmlformats.org/markup-compatibility/2006" xmlns:a14="http://schemas.microsoft.com/office/drawing/2010/main">
-        <mc:Choice Requires="a14">
+      <mc:AlternateContent xmlns:mc="http://schemas.openxmlformats.org/markup-compatibility/2006">
+        <mc:Choice xmlns:a14="http://schemas.microsoft.com/office/drawing/2010/main" Requires="a14">
           <p:sp>
             <p:nvSpPr>
               <p:cNvPr id="24" name="TextBox 23">
@@ -4020,9 +4023,12 @@
                         <m:e>
                           <m:r>
                             <a:rPr lang="en-US" altLang="ko-KR" b="0" i="1" smtClean="0">
+                              <a:solidFill>
+                                <a:schemeClr val="tx1"/>
+                              </a:solidFill>
                               <a:latin typeface="Cambria Math" panose="02040503050406030204" pitchFamily="18" charset="0"/>
                             </a:rPr>
-                            <m:t>𝑋</m:t>
+                            <m:t>𝑥</m:t>
                           </m:r>
                         </m:e>
                         <m:sub>
@@ -4042,7 +4048,7 @@
             </p:txBody>
           </p:sp>
         </mc:Choice>
-        <mc:Fallback xmlns="">
+        <mc:Fallback>
           <p:sp>
             <p:nvSpPr>
               <p:cNvPr id="24" name="TextBox 23">
@@ -4066,7 +4072,7 @@
                 <a:avLst/>
               </a:prstGeom>
               <a:blipFill>
-                <a:blip r:embed="rId5"/>
+                <a:blip r:embed="rId4"/>
                 <a:stretch>
                   <a:fillRect b="-20000"/>
                 </a:stretch>
@@ -5698,8 +5704,8 @@
           </p:sp>
         </mc:Fallback>
       </mc:AlternateContent>
-      <mc:AlternateContent xmlns:mc="http://schemas.openxmlformats.org/markup-compatibility/2006" xmlns:a14="http://schemas.microsoft.com/office/drawing/2010/main">
-        <mc:Choice Requires="a14">
+      <mc:AlternateContent xmlns:mc="http://schemas.openxmlformats.org/markup-compatibility/2006">
+        <mc:Choice xmlns:a14="http://schemas.microsoft.com/office/drawing/2010/main" Requires="a14">
           <p:sp>
             <p:nvSpPr>
               <p:cNvPr id="63" name="TextBox 62">
@@ -5714,7 +5720,7 @@
             </p:nvSpPr>
             <p:spPr>
               <a:xfrm>
-                <a:off x="5222939" y="2184089"/>
+                <a:off x="5213922" y="2171352"/>
                 <a:ext cx="517962" cy="296556"/>
               </a:xfrm>
               <a:prstGeom prst="rect">
@@ -5791,7 +5797,7 @@
             </p:txBody>
           </p:sp>
         </mc:Choice>
-        <mc:Fallback xmlns="">
+        <mc:Fallback>
           <p:sp>
             <p:nvSpPr>
               <p:cNvPr id="63" name="TextBox 62">
@@ -5808,7 +5814,7 @@
             </p:nvSpPr>
             <p:spPr>
               <a:xfrm>
-                <a:off x="5222939" y="2184089"/>
+                <a:off x="5213922" y="2171352"/>
                 <a:ext cx="517962" cy="296556"/>
               </a:xfrm>
               <a:prstGeom prst="rect">
@@ -5817,7 +5823,7 @@
               <a:blipFill>
                 <a:blip r:embed="rId15"/>
                 <a:stretch>
-                  <a:fillRect l="-8235" b="-10204"/>
+                  <a:fillRect l="-7059" b="-10204"/>
                 </a:stretch>
               </a:blipFill>
             </p:spPr>
@@ -6115,8 +6121,8 @@
           </p:sp>
         </mc:Fallback>
       </mc:AlternateContent>
-      <mc:AlternateContent xmlns:mc="http://schemas.openxmlformats.org/markup-compatibility/2006" xmlns:a14="http://schemas.microsoft.com/office/drawing/2010/main">
-        <mc:Choice Requires="a14">
+      <mc:AlternateContent xmlns:mc="http://schemas.openxmlformats.org/markup-compatibility/2006">
+        <mc:Choice xmlns:a14="http://schemas.microsoft.com/office/drawing/2010/main" Requires="a14">
           <p:sp>
             <p:nvSpPr>
               <p:cNvPr id="69" name="TextBox 68">
@@ -6191,7 +6197,7 @@
             </p:txBody>
           </p:sp>
         </mc:Choice>
-        <mc:Fallback xmlns="">
+        <mc:Fallback>
           <p:sp>
             <p:nvSpPr>
               <p:cNvPr id="69" name="TextBox 68">
@@ -7162,8 +7168,8 @@
           </a:p>
         </p:txBody>
       </p:sp>
-      <mc:AlternateContent xmlns:mc="http://schemas.openxmlformats.org/markup-compatibility/2006" xmlns:a14="http://schemas.microsoft.com/office/drawing/2010/main">
-        <mc:Choice Requires="a14">
+      <mc:AlternateContent xmlns:mc="http://schemas.openxmlformats.org/markup-compatibility/2006">
+        <mc:Choice xmlns:a14="http://schemas.microsoft.com/office/drawing/2010/main" Requires="a14">
           <p:sp>
             <p:nvSpPr>
               <p:cNvPr id="87" name="TextBox 86">
@@ -7178,7 +7184,7 @@
             </p:nvSpPr>
             <p:spPr>
               <a:xfrm>
-                <a:off x="8262274" y="2164981"/>
+                <a:off x="8281377" y="2172968"/>
                 <a:ext cx="297180" cy="276999"/>
               </a:xfrm>
               <a:prstGeom prst="rect">
@@ -7253,7 +7259,7 @@
             </p:txBody>
           </p:sp>
         </mc:Choice>
-        <mc:Fallback xmlns="">
+        <mc:Fallback>
           <p:sp>
             <p:nvSpPr>
               <p:cNvPr id="87" name="TextBox 86">
@@ -7270,14 +7276,14 @@
             </p:nvSpPr>
             <p:spPr>
               <a:xfrm>
-                <a:off x="8262274" y="2164981"/>
+                <a:off x="8281377" y="2172968"/>
                 <a:ext cx="297180" cy="276999"/>
               </a:xfrm>
               <a:prstGeom prst="rect">
                 <a:avLst/>
               </a:prstGeom>
               <a:blipFill>
-                <a:blip r:embed="rId25"/>
+                <a:blip r:embed="rId24"/>
                 <a:stretch>
                   <a:fillRect l="-26531" r="-46939" b="-17391"/>
                 </a:stretch>
@@ -9469,8 +9475,8 @@
           </p:sp>
         </mc:Fallback>
       </mc:AlternateContent>
-      <mc:AlternateContent xmlns:mc="http://schemas.openxmlformats.org/markup-compatibility/2006" xmlns:a14="http://schemas.microsoft.com/office/drawing/2010/main">
-        <mc:Choice Requires="a14">
+      <mc:AlternateContent xmlns:mc="http://schemas.openxmlformats.org/markup-compatibility/2006">
+        <mc:Choice xmlns:a14="http://schemas.microsoft.com/office/drawing/2010/main" Requires="a14">
           <p:sp>
             <p:nvSpPr>
               <p:cNvPr id="109" name="TextBox 108">
@@ -9485,7 +9491,7 @@
             </p:nvSpPr>
             <p:spPr>
               <a:xfrm flipH="1">
-                <a:off x="2384690" y="5515421"/>
+                <a:off x="2844038" y="5459281"/>
                 <a:ext cx="956643" cy="284052"/>
               </a:xfrm>
               <a:prstGeom prst="rect">
@@ -9539,7 +9545,7 @@
             </p:txBody>
           </p:sp>
         </mc:Choice>
-        <mc:Fallback xmlns="">
+        <mc:Fallback>
           <p:sp>
             <p:nvSpPr>
               <p:cNvPr id="109" name="TextBox 108">
@@ -9556,7 +9562,7 @@
             </p:nvSpPr>
             <p:spPr>
               <a:xfrm flipH="1">
-                <a:off x="2384690" y="5515421"/>
+                <a:off x="2844038" y="5459281"/>
                 <a:ext cx="956643" cy="284052"/>
               </a:xfrm>
               <a:prstGeom prst="rect">
@@ -9565,7 +9571,7 @@
               <a:blipFill>
                 <a:blip r:embed="rId39"/>
                 <a:stretch>
-                  <a:fillRect t="-6522" b="-28261"/>
+                  <a:fillRect t="-8696" b="-28261"/>
                 </a:stretch>
               </a:blipFill>
             </p:spPr>
@@ -9584,8 +9590,8 @@
           </p:sp>
         </mc:Fallback>
       </mc:AlternateContent>
-      <mc:AlternateContent xmlns:mc="http://schemas.openxmlformats.org/markup-compatibility/2006" xmlns:a14="http://schemas.microsoft.com/office/drawing/2010/main">
-        <mc:Choice Requires="a14">
+      <mc:AlternateContent xmlns:mc="http://schemas.openxmlformats.org/markup-compatibility/2006">
+        <mc:Choice xmlns:a14="http://schemas.microsoft.com/office/drawing/2010/main" Requires="a14">
           <p:sp>
             <p:nvSpPr>
               <p:cNvPr id="110" name="TextBox 109">
@@ -9600,8 +9606,8 @@
             </p:nvSpPr>
             <p:spPr>
               <a:xfrm>
-                <a:off x="6331096" y="5533984"/>
-                <a:ext cx="297180" cy="284052"/>
+                <a:off x="6368163" y="5466374"/>
+                <a:ext cx="674964" cy="284052"/>
               </a:xfrm>
               <a:prstGeom prst="rect">
                 <a:avLst/>
@@ -9647,7 +9653,7 @@
             </p:txBody>
           </p:sp>
         </mc:Choice>
-        <mc:Fallback xmlns="">
+        <mc:Fallback>
           <p:sp>
             <p:nvSpPr>
               <p:cNvPr id="110" name="TextBox 109">
@@ -9664,8 +9670,8 @@
             </p:nvSpPr>
             <p:spPr>
               <a:xfrm>
-                <a:off x="6331096" y="5533984"/>
-                <a:ext cx="297180" cy="284052"/>
+                <a:off x="6368163" y="5466374"/>
+                <a:ext cx="674964" cy="284052"/>
               </a:xfrm>
               <a:prstGeom prst="rect">
                 <a:avLst/>
@@ -9673,7 +9679,7 @@
               <a:blipFill>
                 <a:blip r:embed="rId40"/>
                 <a:stretch>
-                  <a:fillRect l="-37500" t="-6522" r="-172917" b="-28261"/>
+                  <a:fillRect l="-16364" t="-8696" r="-19091" b="-28261"/>
                 </a:stretch>
               </a:blipFill>
             </p:spPr>
@@ -9706,8 +9712,8 @@
         </p:nvSpPr>
         <p:spPr>
           <a:xfrm rot="16200000">
-            <a:off x="2759775" y="3277222"/>
-            <a:ext cx="406985" cy="3710593"/>
+            <a:off x="3118868" y="3647115"/>
+            <a:ext cx="406985" cy="3040193"/>
           </a:xfrm>
           <a:prstGeom prst="leftBrace">
             <a:avLst/>
@@ -9750,8 +9756,8 @@
         </p:nvSpPr>
         <p:spPr>
           <a:xfrm rot="16200000">
-            <a:off x="6459365" y="3310179"/>
-            <a:ext cx="406985" cy="3651644"/>
+            <a:off x="6431596" y="3373846"/>
+            <a:ext cx="406985" cy="3585263"/>
           </a:xfrm>
           <a:prstGeom prst="leftBrace">
             <a:avLst/>
@@ -9816,6 +9822,198 @@
           </a:p>
         </p:txBody>
       </p:sp>
+      <p:sp>
+        <p:nvSpPr>
+          <p:cNvPr id="81" name="왼쪽 중괄호 80">
+            <a:extLst>
+              <a:ext uri="{FF2B5EF4-FFF2-40B4-BE49-F238E27FC236}">
+                <a16:creationId xmlns:a16="http://schemas.microsoft.com/office/drawing/2014/main" id="{A905B805-06A9-42AC-BAC1-CFA44D4CE49C}"/>
+              </a:ext>
+            </a:extLst>
+          </p:cNvPr>
+          <p:cNvSpPr/>
+          <p:nvPr/>
+        </p:nvSpPr>
+        <p:spPr>
+          <a:xfrm rot="16200000">
+            <a:off x="1211429" y="4777664"/>
+            <a:ext cx="406985" cy="774681"/>
+          </a:xfrm>
+          <a:prstGeom prst="leftBrace">
+            <a:avLst/>
+          </a:prstGeom>
+        </p:spPr>
+        <p:style>
+          <a:lnRef idx="1">
+            <a:schemeClr val="accent1"/>
+          </a:lnRef>
+          <a:fillRef idx="0">
+            <a:schemeClr val="accent1"/>
+          </a:fillRef>
+          <a:effectRef idx="0">
+            <a:schemeClr val="accent1"/>
+          </a:effectRef>
+          <a:fontRef idx="minor">
+            <a:schemeClr val="tx1"/>
+          </a:fontRef>
+        </p:style>
+        <p:txBody>
+          <a:bodyPr rtlCol="0" anchor="ctr"/>
+          <a:lstStyle/>
+          <a:p>
+            <a:pPr algn="ctr"/>
+            <a:endParaRPr lang="ko-KR" altLang="en-US"/>
+          </a:p>
+        </p:txBody>
+      </p:sp>
+      <p:sp>
+        <p:nvSpPr>
+          <p:cNvPr id="83" name="TextBox 82">
+            <a:extLst>
+              <a:ext uri="{FF2B5EF4-FFF2-40B4-BE49-F238E27FC236}">
+                <a16:creationId xmlns:a16="http://schemas.microsoft.com/office/drawing/2014/main" id="{9AB2CA44-3FBC-49BE-B70A-4A6603D3C838}"/>
+              </a:ext>
+            </a:extLst>
+          </p:cNvPr>
+          <p:cNvSpPr txBox="1"/>
+          <p:nvPr/>
+        </p:nvSpPr>
+        <p:spPr>
+          <a:xfrm>
+            <a:off x="1004059" y="2231505"/>
+            <a:ext cx="371186" cy="276998"/>
+          </a:xfrm>
+          <a:prstGeom prst="rect">
+            <a:avLst/>
+          </a:prstGeom>
+          <a:noFill/>
+        </p:spPr>
+        <p:txBody>
+          <a:bodyPr wrap="square" lIns="0" tIns="0" rIns="0" bIns="0" rtlCol="0">
+            <a:spAutoFit/>
+          </a:bodyPr>
+          <a:lstStyle/>
+          <a:p>
+            <a:r>
+              <a:rPr lang="en-US" altLang="ko-KR" dirty="0"/>
+              <a:t>X</a:t>
+            </a:r>
+            <a:endParaRPr lang="ko-KR" altLang="en-US" dirty="0"/>
+          </a:p>
+        </p:txBody>
+      </p:sp>
+      <mc:AlternateContent xmlns:mc="http://schemas.openxmlformats.org/markup-compatibility/2006">
+        <mc:Choice xmlns:a14="http://schemas.microsoft.com/office/drawing/2010/main" Requires="a14">
+          <p:sp>
+            <p:nvSpPr>
+              <p:cNvPr id="85" name="TextBox 84">
+                <a:extLst>
+                  <a:ext uri="{FF2B5EF4-FFF2-40B4-BE49-F238E27FC236}">
+                    <a16:creationId xmlns:a16="http://schemas.microsoft.com/office/drawing/2014/main" id="{4E718B97-A9C6-419A-ADAA-F9535D3115AD}"/>
+                  </a:ext>
+                </a:extLst>
+              </p:cNvPr>
+              <p:cNvSpPr txBox="1"/>
+              <p:nvPr/>
+            </p:nvSpPr>
+            <p:spPr>
+              <a:xfrm flipH="1">
+                <a:off x="936599" y="5467260"/>
+                <a:ext cx="956643" cy="284052"/>
+              </a:xfrm>
+              <a:prstGeom prst="rect">
+                <a:avLst/>
+              </a:prstGeom>
+              <a:noFill/>
+            </p:spPr>
+            <p:txBody>
+              <a:bodyPr wrap="square" lIns="0" tIns="0" rIns="0" bIns="0" rtlCol="0">
+                <a:spAutoFit/>
+              </a:bodyPr>
+              <a:lstStyle/>
+              <a:p>
+                <a:pPr algn="ctr"/>
+                <a:r>
+                  <a:rPr lang="ko-KR" altLang="en-US" dirty="0">
+                    <a:solidFill>
+                      <a:schemeClr val="tx1"/>
+                    </a:solidFill>
+                  </a:rPr>
+                  <a:t>입</a:t>
+                </a:r>
+                <a14:m>
+                  <m:oMath xmlns:m="http://schemas.openxmlformats.org/officeDocument/2006/math">
+                    <m:r>
+                      <a:rPr lang="ko-KR" altLang="en-US" i="1">
+                        <a:latin typeface="Cambria Math" panose="02040503050406030204" pitchFamily="18" charset="0"/>
+                      </a:rPr>
+                      <m:t>력</m:t>
+                    </m:r>
+                    <m:r>
+                      <a:rPr lang="ko-KR" altLang="en-US" i="1">
+                        <a:solidFill>
+                          <a:schemeClr val="tx1"/>
+                        </a:solidFill>
+                        <a:latin typeface="Cambria Math" panose="02040503050406030204" pitchFamily="18" charset="0"/>
+                      </a:rPr>
+                      <m:t>층</m:t>
+                    </m:r>
+                  </m:oMath>
+                </a14:m>
+                <a:endParaRPr lang="ko-KR" altLang="en-US" dirty="0">
+                  <a:solidFill>
+                    <a:schemeClr val="tx1"/>
+                  </a:solidFill>
+                </a:endParaRPr>
+              </a:p>
+            </p:txBody>
+          </p:sp>
+        </mc:Choice>
+        <mc:Fallback>
+          <p:sp>
+            <p:nvSpPr>
+              <p:cNvPr id="85" name="TextBox 84">
+                <a:extLst>
+                  <a:ext uri="{FF2B5EF4-FFF2-40B4-BE49-F238E27FC236}">
+                    <a16:creationId xmlns:a16="http://schemas.microsoft.com/office/drawing/2014/main" id="{4E718B97-A9C6-419A-ADAA-F9535D3115AD}"/>
+                  </a:ext>
+                </a:extLst>
+              </p:cNvPr>
+              <p:cNvSpPr txBox="1">
+                <a:spLocks noRot="1" noChangeAspect="1" noMove="1" noResize="1" noEditPoints="1" noAdjustHandles="1" noChangeArrowheads="1" noChangeShapeType="1" noTextEdit="1"/>
+              </p:cNvSpPr>
+              <p:nvPr/>
+            </p:nvSpPr>
+            <p:spPr>
+              <a:xfrm flipH="1">
+                <a:off x="936599" y="5467260"/>
+                <a:ext cx="956643" cy="284052"/>
+              </a:xfrm>
+              <a:prstGeom prst="rect">
+                <a:avLst/>
+              </a:prstGeom>
+              <a:blipFill>
+                <a:blip r:embed="rId41"/>
+                <a:stretch>
+                  <a:fillRect l="-1274" t="-26087" b="-50000"/>
+                </a:stretch>
+              </a:blipFill>
+            </p:spPr>
+            <p:txBody>
+              <a:bodyPr/>
+              <a:lstStyle/>
+              <a:p>
+                <a:r>
+                  <a:rPr lang="ko-KR" altLang="en-US">
+                    <a:noFill/>
+                  </a:rPr>
+                  <a:t> </a:t>
+                </a:r>
+              </a:p>
+            </p:txBody>
+          </p:sp>
+        </mc:Fallback>
+      </mc:AlternateContent>
     </p:spTree>
     <p:extLst>
       <p:ext uri="{BB962C8B-B14F-4D97-AF65-F5344CB8AC3E}">

--- a/AI개념도식.pptx
+++ b/AI개념도식.pptx
@@ -260,7 +260,7 @@
           <a:p>
             <a:fld id="{9851BF5B-4527-44A9-BCF1-43D07D935C6A}" type="datetimeFigureOut">
               <a:rPr lang="ko-KR" altLang="en-US" smtClean="0"/>
-              <a:t>2021-06-06</a:t>
+              <a:t>2021-06-08</a:t>
             </a:fld>
             <a:endParaRPr lang="ko-KR" altLang="en-US"/>
           </a:p>
@@ -458,7 +458,7 @@
           <a:p>
             <a:fld id="{9851BF5B-4527-44A9-BCF1-43D07D935C6A}" type="datetimeFigureOut">
               <a:rPr lang="ko-KR" altLang="en-US" smtClean="0"/>
-              <a:t>2021-06-06</a:t>
+              <a:t>2021-06-08</a:t>
             </a:fld>
             <a:endParaRPr lang="ko-KR" altLang="en-US"/>
           </a:p>
@@ -666,7 +666,7 @@
           <a:p>
             <a:fld id="{9851BF5B-4527-44A9-BCF1-43D07D935C6A}" type="datetimeFigureOut">
               <a:rPr lang="ko-KR" altLang="en-US" smtClean="0"/>
-              <a:t>2021-06-06</a:t>
+              <a:t>2021-06-08</a:t>
             </a:fld>
             <a:endParaRPr lang="ko-KR" altLang="en-US"/>
           </a:p>
@@ -864,7 +864,7 @@
           <a:p>
             <a:fld id="{9851BF5B-4527-44A9-BCF1-43D07D935C6A}" type="datetimeFigureOut">
               <a:rPr lang="ko-KR" altLang="en-US" smtClean="0"/>
-              <a:t>2021-06-06</a:t>
+              <a:t>2021-06-08</a:t>
             </a:fld>
             <a:endParaRPr lang="ko-KR" altLang="en-US"/>
           </a:p>
@@ -1139,7 +1139,7 @@
           <a:p>
             <a:fld id="{9851BF5B-4527-44A9-BCF1-43D07D935C6A}" type="datetimeFigureOut">
               <a:rPr lang="ko-KR" altLang="en-US" smtClean="0"/>
-              <a:t>2021-06-06</a:t>
+              <a:t>2021-06-08</a:t>
             </a:fld>
             <a:endParaRPr lang="ko-KR" altLang="en-US"/>
           </a:p>
@@ -1404,7 +1404,7 @@
           <a:p>
             <a:fld id="{9851BF5B-4527-44A9-BCF1-43D07D935C6A}" type="datetimeFigureOut">
               <a:rPr lang="ko-KR" altLang="en-US" smtClean="0"/>
-              <a:t>2021-06-06</a:t>
+              <a:t>2021-06-08</a:t>
             </a:fld>
             <a:endParaRPr lang="ko-KR" altLang="en-US"/>
           </a:p>
@@ -1816,7 +1816,7 @@
           <a:p>
             <a:fld id="{9851BF5B-4527-44A9-BCF1-43D07D935C6A}" type="datetimeFigureOut">
               <a:rPr lang="ko-KR" altLang="en-US" smtClean="0"/>
-              <a:t>2021-06-06</a:t>
+              <a:t>2021-06-08</a:t>
             </a:fld>
             <a:endParaRPr lang="ko-KR" altLang="en-US"/>
           </a:p>
@@ -1957,7 +1957,7 @@
           <a:p>
             <a:fld id="{9851BF5B-4527-44A9-BCF1-43D07D935C6A}" type="datetimeFigureOut">
               <a:rPr lang="ko-KR" altLang="en-US" smtClean="0"/>
-              <a:t>2021-06-06</a:t>
+              <a:t>2021-06-08</a:t>
             </a:fld>
             <a:endParaRPr lang="ko-KR" altLang="en-US"/>
           </a:p>
@@ -2070,7 +2070,7 @@
           <a:p>
             <a:fld id="{9851BF5B-4527-44A9-BCF1-43D07D935C6A}" type="datetimeFigureOut">
               <a:rPr lang="ko-KR" altLang="en-US" smtClean="0"/>
-              <a:t>2021-06-06</a:t>
+              <a:t>2021-06-08</a:t>
             </a:fld>
             <a:endParaRPr lang="ko-KR" altLang="en-US"/>
           </a:p>
@@ -2381,7 +2381,7 @@
           <a:p>
             <a:fld id="{9851BF5B-4527-44A9-BCF1-43D07D935C6A}" type="datetimeFigureOut">
               <a:rPr lang="ko-KR" altLang="en-US" smtClean="0"/>
-              <a:t>2021-06-06</a:t>
+              <a:t>2021-06-08</a:t>
             </a:fld>
             <a:endParaRPr lang="ko-KR" altLang="en-US"/>
           </a:p>
@@ -2669,7 +2669,7 @@
           <a:p>
             <a:fld id="{9851BF5B-4527-44A9-BCF1-43D07D935C6A}" type="datetimeFigureOut">
               <a:rPr lang="ko-KR" altLang="en-US" smtClean="0"/>
-              <a:t>2021-06-06</a:t>
+              <a:t>2021-06-08</a:t>
             </a:fld>
             <a:endParaRPr lang="ko-KR" altLang="en-US"/>
           </a:p>
@@ -2910,7 +2910,7 @@
           <a:p>
             <a:fld id="{9851BF5B-4527-44A9-BCF1-43D07D935C6A}" type="datetimeFigureOut">
               <a:rPr lang="ko-KR" altLang="en-US" smtClean="0"/>
-              <a:t>2021-06-06</a:t>
+              <a:t>2021-06-08</a:t>
             </a:fld>
             <a:endParaRPr lang="ko-KR" altLang="en-US"/>
           </a:p>
@@ -3343,37 +3343,2361 @@
             <p:ph type="title"/>
           </p:nvPr>
         </p:nvSpPr>
-        <p:spPr/>
+        <p:spPr>
+          <a:xfrm>
+            <a:off x="838200" y="365125"/>
+            <a:ext cx="5387109" cy="419966"/>
+          </a:xfrm>
+        </p:spPr>
         <p:txBody>
-          <a:bodyPr/>
+          <a:bodyPr>
+            <a:noAutofit/>
+          </a:bodyPr>
           <a:lstStyle/>
           <a:p>
-            <a:endParaRPr lang="ko-KR" altLang="en-US"/>
+            <a:r>
+              <a:rPr lang="ko-KR" altLang="en-US" sz="2000" dirty="0"/>
+              <a:t>성능지표    </a:t>
+            </a:r>
+          </a:p>
+        </p:txBody>
+      </p:sp>
+      <p:graphicFrame>
+        <p:nvGraphicFramePr>
+          <p:cNvPr id="4" name="표 4">
+            <a:extLst>
+              <a:ext uri="{FF2B5EF4-FFF2-40B4-BE49-F238E27FC236}">
+                <a16:creationId xmlns:a16="http://schemas.microsoft.com/office/drawing/2014/main" id="{E4518EFE-3236-4C3C-B6E2-A4BAA4514EC7}"/>
+              </a:ext>
+            </a:extLst>
+          </p:cNvPr>
+          <p:cNvGraphicFramePr>
+            <a:graphicFrameLocks noGrp="1"/>
+          </p:cNvGraphicFramePr>
+          <p:nvPr>
+            <p:extLst>
+              <p:ext uri="{D42A27DB-BD31-4B8C-83A1-F6EECF244321}">
+                <p14:modId xmlns:p14="http://schemas.microsoft.com/office/powerpoint/2010/main" val="302569458"/>
+              </p:ext>
+            </p:extLst>
+          </p:nvPr>
+        </p:nvGraphicFramePr>
+        <p:xfrm>
+          <a:off x="1588655" y="2020801"/>
+          <a:ext cx="8128000" cy="1939290"/>
+        </p:xfrm>
+        <a:graphic>
+          <a:graphicData uri="http://schemas.openxmlformats.org/drawingml/2006/table">
+            <a:tbl>
+              <a:tblPr firstRow="1" bandRow="1">
+                <a:tableStyleId>{5C22544A-7EE6-4342-B048-85BDC9FD1C3A}</a:tableStyleId>
+              </a:tblPr>
+              <a:tblGrid>
+                <a:gridCol w="2032000">
+                  <a:extLst>
+                    <a:ext uri="{9D8B030D-6E8A-4147-A177-3AD203B41FA5}">
+                      <a16:colId xmlns:a16="http://schemas.microsoft.com/office/drawing/2014/main" val="2704165821"/>
+                    </a:ext>
+                  </a:extLst>
+                </a:gridCol>
+                <a:gridCol w="2032000">
+                  <a:extLst>
+                    <a:ext uri="{9D8B030D-6E8A-4147-A177-3AD203B41FA5}">
+                      <a16:colId xmlns:a16="http://schemas.microsoft.com/office/drawing/2014/main" val="3506547199"/>
+                    </a:ext>
+                  </a:extLst>
+                </a:gridCol>
+                <a:gridCol w="2032000">
+                  <a:extLst>
+                    <a:ext uri="{9D8B030D-6E8A-4147-A177-3AD203B41FA5}">
+                      <a16:colId xmlns:a16="http://schemas.microsoft.com/office/drawing/2014/main" val="1372549931"/>
+                    </a:ext>
+                  </a:extLst>
+                </a:gridCol>
+                <a:gridCol w="2032000">
+                  <a:extLst>
+                    <a:ext uri="{9D8B030D-6E8A-4147-A177-3AD203B41FA5}">
+                      <a16:colId xmlns:a16="http://schemas.microsoft.com/office/drawing/2014/main" val="3791966565"/>
+                    </a:ext>
+                  </a:extLst>
+                </a:gridCol>
+              </a:tblGrid>
+              <a:tr h="494607">
+                <a:tc>
+                  <a:txBody>
+                    <a:bodyPr/>
+                    <a:lstStyle/>
+                    <a:p>
+                      <a:pPr latinLnBrk="1"/>
+                      <a:endParaRPr lang="ko-KR" altLang="en-US" dirty="0"/>
+                    </a:p>
+                  </a:txBody>
+                  <a:tcPr>
+                    <a:lnL w="12700" cap="flat" cmpd="sng" algn="ctr">
+                      <a:solidFill>
+                        <a:schemeClr val="tx1"/>
+                      </a:solidFill>
+                      <a:prstDash val="solid"/>
+                      <a:round/>
+                      <a:headEnd type="none" w="med" len="med"/>
+                      <a:tailEnd type="none" w="med" len="med"/>
+                    </a:lnL>
+                    <a:lnR w="12700" cap="flat" cmpd="sng" algn="ctr">
+                      <a:solidFill>
+                        <a:schemeClr val="tx1"/>
+                      </a:solidFill>
+                      <a:prstDash val="solid"/>
+                      <a:round/>
+                      <a:headEnd type="none" w="med" len="med"/>
+                      <a:tailEnd type="none" w="med" len="med"/>
+                    </a:lnR>
+                    <a:lnT w="12700" cap="flat" cmpd="sng" algn="ctr">
+                      <a:solidFill>
+                        <a:schemeClr val="tx1"/>
+                      </a:solidFill>
+                      <a:prstDash val="solid"/>
+                      <a:round/>
+                      <a:headEnd type="none" w="med" len="med"/>
+                      <a:tailEnd type="none" w="med" len="med"/>
+                    </a:lnT>
+                    <a:lnB w="12700" cap="flat" cmpd="sng" algn="ctr">
+                      <a:solidFill>
+                        <a:schemeClr val="tx1"/>
+                      </a:solidFill>
+                      <a:prstDash val="solid"/>
+                      <a:round/>
+                      <a:headEnd type="none" w="med" len="med"/>
+                      <a:tailEnd type="none" w="med" len="med"/>
+                    </a:lnB>
+                    <a:lnTlToBr w="12700" cmpd="sng">
+                      <a:noFill/>
+                      <a:prstDash val="solid"/>
+                    </a:lnTlToBr>
+                    <a:lnBlToTr w="12700" cmpd="sng">
+                      <a:noFill/>
+                      <a:prstDash val="solid"/>
+                    </a:lnBlToTr>
+                    <a:solidFill>
+                      <a:schemeClr val="bg1"/>
+                    </a:solidFill>
+                  </a:tcPr>
+                </a:tc>
+                <a:tc gridSpan="3">
+                  <a:txBody>
+                    <a:bodyPr/>
+                    <a:lstStyle/>
+                    <a:p>
+                      <a:pPr algn="ctr" latinLnBrk="1">
+                        <a:lnSpc>
+                          <a:spcPct val="150000"/>
+                        </a:lnSpc>
+                      </a:pPr>
+                      <a:r>
+                        <a:rPr lang="ko-KR" altLang="en-US" b="0" dirty="0">
+                          <a:solidFill>
+                            <a:schemeClr val="tx1"/>
+                          </a:solidFill>
+                        </a:rPr>
+                        <a:t>실제</a:t>
+                      </a:r>
+                    </a:p>
+                  </a:txBody>
+                  <a:tcPr>
+                    <a:lnL w="12700" cap="flat" cmpd="sng" algn="ctr">
+                      <a:solidFill>
+                        <a:schemeClr val="tx1"/>
+                      </a:solidFill>
+                      <a:prstDash val="solid"/>
+                      <a:round/>
+                      <a:headEnd type="none" w="med" len="med"/>
+                      <a:tailEnd type="none" w="med" len="med"/>
+                    </a:lnL>
+                    <a:lnR w="12700" cap="flat" cmpd="sng" algn="ctr">
+                      <a:solidFill>
+                        <a:schemeClr val="tx1"/>
+                      </a:solidFill>
+                      <a:prstDash val="solid"/>
+                      <a:round/>
+                      <a:headEnd type="none" w="med" len="med"/>
+                      <a:tailEnd type="none" w="med" len="med"/>
+                    </a:lnR>
+                    <a:lnT w="12700" cap="flat" cmpd="sng" algn="ctr">
+                      <a:solidFill>
+                        <a:schemeClr val="tx1"/>
+                      </a:solidFill>
+                      <a:prstDash val="solid"/>
+                      <a:round/>
+                      <a:headEnd type="none" w="med" len="med"/>
+                      <a:tailEnd type="none" w="med" len="med"/>
+                    </a:lnT>
+                    <a:lnB w="12700" cap="flat" cmpd="sng" algn="ctr">
+                      <a:solidFill>
+                        <a:schemeClr val="tx1"/>
+                      </a:solidFill>
+                      <a:prstDash val="solid"/>
+                      <a:round/>
+                      <a:headEnd type="none" w="med" len="med"/>
+                      <a:tailEnd type="none" w="med" len="med"/>
+                    </a:lnB>
+                    <a:lnTlToBr w="12700" cmpd="sng">
+                      <a:noFill/>
+                      <a:prstDash val="solid"/>
+                    </a:lnTlToBr>
+                    <a:lnBlToTr w="12700" cmpd="sng">
+                      <a:noFill/>
+                      <a:prstDash val="solid"/>
+                    </a:lnBlToTr>
+                    <a:solidFill>
+                      <a:schemeClr val="bg1"/>
+                    </a:solidFill>
+                  </a:tcPr>
+                </a:tc>
+                <a:tc hMerge="1">
+                  <a:txBody>
+                    <a:bodyPr/>
+                    <a:lstStyle/>
+                    <a:p>
+                      <a:pPr latinLnBrk="1"/>
+                      <a:endParaRPr lang="ko-KR" altLang="en-US" dirty="0"/>
+                    </a:p>
+                  </a:txBody>
+                  <a:tcPr>
+                    <a:lnL w="12700" cap="flat" cmpd="sng" algn="ctr">
+                      <a:solidFill>
+                        <a:schemeClr val="tx1"/>
+                      </a:solidFill>
+                      <a:prstDash val="solid"/>
+                      <a:round/>
+                      <a:headEnd type="none" w="med" len="med"/>
+                      <a:tailEnd type="none" w="med" len="med"/>
+                    </a:lnL>
+                    <a:lnR w="12700" cap="flat" cmpd="sng" algn="ctr">
+                      <a:solidFill>
+                        <a:schemeClr val="tx1"/>
+                      </a:solidFill>
+                      <a:prstDash val="solid"/>
+                      <a:round/>
+                      <a:headEnd type="none" w="med" len="med"/>
+                      <a:tailEnd type="none" w="med" len="med"/>
+                    </a:lnR>
+                    <a:lnT w="12700" cap="flat" cmpd="sng" algn="ctr">
+                      <a:solidFill>
+                        <a:schemeClr val="tx1"/>
+                      </a:solidFill>
+                      <a:prstDash val="solid"/>
+                      <a:round/>
+                      <a:headEnd type="none" w="med" len="med"/>
+                      <a:tailEnd type="none" w="med" len="med"/>
+                    </a:lnT>
+                    <a:lnB w="12700" cap="flat" cmpd="sng" algn="ctr">
+                      <a:solidFill>
+                        <a:schemeClr val="tx1"/>
+                      </a:solidFill>
+                      <a:prstDash val="solid"/>
+                      <a:round/>
+                      <a:headEnd type="none" w="med" len="med"/>
+                      <a:tailEnd type="none" w="med" len="med"/>
+                    </a:lnB>
+                    <a:lnTlToBr w="12700" cmpd="sng">
+                      <a:noFill/>
+                      <a:prstDash val="solid"/>
+                    </a:lnTlToBr>
+                    <a:lnBlToTr w="12700" cmpd="sng">
+                      <a:noFill/>
+                      <a:prstDash val="solid"/>
+                    </a:lnBlToTr>
+                    <a:solidFill>
+                      <a:schemeClr val="bg1"/>
+                    </a:solidFill>
+                  </a:tcPr>
+                </a:tc>
+                <a:tc hMerge="1">
+                  <a:txBody>
+                    <a:bodyPr/>
+                    <a:lstStyle/>
+                    <a:p>
+                      <a:pPr latinLnBrk="1"/>
+                      <a:endParaRPr lang="ko-KR" altLang="en-US" dirty="0"/>
+                    </a:p>
+                  </a:txBody>
+                  <a:tcPr>
+                    <a:lnL w="12700" cap="flat" cmpd="sng" algn="ctr">
+                      <a:solidFill>
+                        <a:schemeClr val="tx1"/>
+                      </a:solidFill>
+                      <a:prstDash val="solid"/>
+                      <a:round/>
+                      <a:headEnd type="none" w="med" len="med"/>
+                      <a:tailEnd type="none" w="med" len="med"/>
+                    </a:lnL>
+                    <a:lnR w="12700" cap="flat" cmpd="sng" algn="ctr">
+                      <a:solidFill>
+                        <a:schemeClr val="tx1"/>
+                      </a:solidFill>
+                      <a:prstDash val="solid"/>
+                      <a:round/>
+                      <a:headEnd type="none" w="med" len="med"/>
+                      <a:tailEnd type="none" w="med" len="med"/>
+                    </a:lnR>
+                    <a:lnT w="12700" cap="flat" cmpd="sng" algn="ctr">
+                      <a:solidFill>
+                        <a:schemeClr val="tx1"/>
+                      </a:solidFill>
+                      <a:prstDash val="solid"/>
+                      <a:round/>
+                      <a:headEnd type="none" w="med" len="med"/>
+                      <a:tailEnd type="none" w="med" len="med"/>
+                    </a:lnT>
+                    <a:lnB w="12700" cap="flat" cmpd="sng" algn="ctr">
+                      <a:solidFill>
+                        <a:schemeClr val="tx1"/>
+                      </a:solidFill>
+                      <a:prstDash val="solid"/>
+                      <a:round/>
+                      <a:headEnd type="none" w="med" len="med"/>
+                      <a:tailEnd type="none" w="med" len="med"/>
+                    </a:lnB>
+                    <a:lnTlToBr w="12700" cmpd="sng">
+                      <a:noFill/>
+                      <a:prstDash val="solid"/>
+                    </a:lnTlToBr>
+                    <a:lnBlToTr w="12700" cmpd="sng">
+                      <a:noFill/>
+                      <a:prstDash val="solid"/>
+                    </a:lnBlToTr>
+                    <a:solidFill>
+                      <a:schemeClr val="bg1"/>
+                    </a:solidFill>
+                  </a:tcPr>
+                </a:tc>
+                <a:extLst>
+                  <a:ext uri="{0D108BD9-81ED-4DB2-BD59-A6C34878D82A}">
+                    <a16:rowId xmlns:a16="http://schemas.microsoft.com/office/drawing/2014/main" val="774118287"/>
+                  </a:ext>
+                </a:extLst>
+              </a:tr>
+              <a:tr h="481561">
+                <a:tc rowSpan="3">
+                  <a:txBody>
+                    <a:bodyPr/>
+                    <a:lstStyle/>
+                    <a:p>
+                      <a:pPr algn="ctr" latinLnBrk="1"/>
+                      <a:endParaRPr lang="en-US" altLang="ko-KR" dirty="0"/>
+                    </a:p>
+                    <a:p>
+                      <a:pPr algn="ctr" latinLnBrk="1"/>
+                      <a:endParaRPr lang="en-US" altLang="ko-KR" dirty="0"/>
+                    </a:p>
+                    <a:p>
+                      <a:pPr algn="ctr" latinLnBrk="1"/>
+                      <a:r>
+                        <a:rPr lang="ko-KR" altLang="en-US" dirty="0"/>
+                        <a:t>예측</a:t>
+                      </a:r>
+                    </a:p>
+                  </a:txBody>
+                  <a:tcPr>
+                    <a:lnL w="12700" cap="flat" cmpd="sng" algn="ctr">
+                      <a:solidFill>
+                        <a:schemeClr val="tx1"/>
+                      </a:solidFill>
+                      <a:prstDash val="solid"/>
+                      <a:round/>
+                      <a:headEnd type="none" w="med" len="med"/>
+                      <a:tailEnd type="none" w="med" len="med"/>
+                    </a:lnL>
+                    <a:lnR w="12700" cap="flat" cmpd="sng" algn="ctr">
+                      <a:solidFill>
+                        <a:schemeClr val="tx1"/>
+                      </a:solidFill>
+                      <a:prstDash val="solid"/>
+                      <a:round/>
+                      <a:headEnd type="none" w="med" len="med"/>
+                      <a:tailEnd type="none" w="med" len="med"/>
+                    </a:lnR>
+                    <a:lnT w="12700" cap="flat" cmpd="sng" algn="ctr">
+                      <a:solidFill>
+                        <a:schemeClr val="tx1"/>
+                      </a:solidFill>
+                      <a:prstDash val="solid"/>
+                      <a:round/>
+                      <a:headEnd type="none" w="med" len="med"/>
+                      <a:tailEnd type="none" w="med" len="med"/>
+                    </a:lnT>
+                    <a:lnB w="12700" cap="flat" cmpd="sng" algn="ctr">
+                      <a:solidFill>
+                        <a:schemeClr val="tx1"/>
+                      </a:solidFill>
+                      <a:prstDash val="solid"/>
+                      <a:round/>
+                      <a:headEnd type="none" w="med" len="med"/>
+                      <a:tailEnd type="none" w="med" len="med"/>
+                    </a:lnB>
+                    <a:lnTlToBr w="12700" cmpd="sng">
+                      <a:noFill/>
+                      <a:prstDash val="solid"/>
+                    </a:lnTlToBr>
+                    <a:lnBlToTr w="12700" cmpd="sng">
+                      <a:noFill/>
+                      <a:prstDash val="solid"/>
+                    </a:lnBlToTr>
+                    <a:solidFill>
+                      <a:schemeClr val="bg1"/>
+                    </a:solidFill>
+                  </a:tcPr>
+                </a:tc>
+                <a:tc>
+                  <a:txBody>
+                    <a:bodyPr/>
+                    <a:lstStyle/>
+                    <a:p>
+                      <a:pPr algn="ctr" latinLnBrk="1"/>
+                      <a:endParaRPr lang="ko-KR" altLang="en-US" dirty="0"/>
+                    </a:p>
+                  </a:txBody>
+                  <a:tcPr>
+                    <a:lnL w="12700" cap="flat" cmpd="sng" algn="ctr">
+                      <a:solidFill>
+                        <a:schemeClr val="tx1"/>
+                      </a:solidFill>
+                      <a:prstDash val="solid"/>
+                      <a:round/>
+                      <a:headEnd type="none" w="med" len="med"/>
+                      <a:tailEnd type="none" w="med" len="med"/>
+                    </a:lnL>
+                    <a:lnR w="12700" cap="flat" cmpd="sng" algn="ctr">
+                      <a:solidFill>
+                        <a:schemeClr val="tx1"/>
+                      </a:solidFill>
+                      <a:prstDash val="solid"/>
+                      <a:round/>
+                      <a:headEnd type="none" w="med" len="med"/>
+                      <a:tailEnd type="none" w="med" len="med"/>
+                    </a:lnR>
+                    <a:lnT w="12700" cap="flat" cmpd="sng" algn="ctr">
+                      <a:solidFill>
+                        <a:schemeClr val="tx1"/>
+                      </a:solidFill>
+                      <a:prstDash val="solid"/>
+                      <a:round/>
+                      <a:headEnd type="none" w="med" len="med"/>
+                      <a:tailEnd type="none" w="med" len="med"/>
+                    </a:lnT>
+                    <a:lnB w="12700" cap="flat" cmpd="sng" algn="ctr">
+                      <a:solidFill>
+                        <a:schemeClr val="tx1"/>
+                      </a:solidFill>
+                      <a:prstDash val="solid"/>
+                      <a:round/>
+                      <a:headEnd type="none" w="med" len="med"/>
+                      <a:tailEnd type="none" w="med" len="med"/>
+                    </a:lnB>
+                    <a:lnTlToBr w="12700" cmpd="sng">
+                      <a:noFill/>
+                      <a:prstDash val="solid"/>
+                    </a:lnTlToBr>
+                    <a:lnBlToTr w="12700" cmpd="sng">
+                      <a:noFill/>
+                      <a:prstDash val="solid"/>
+                    </a:lnBlToTr>
+                    <a:solidFill>
+                      <a:schemeClr val="bg1"/>
+                    </a:solidFill>
+                  </a:tcPr>
+                </a:tc>
+                <a:tc>
+                  <a:txBody>
+                    <a:bodyPr/>
+                    <a:lstStyle/>
+                    <a:p>
+                      <a:pPr algn="ctr" latinLnBrk="1"/>
+                      <a:r>
+                        <a:rPr lang="en-US" altLang="ko-KR" dirty="0"/>
+                        <a:t>Positive</a:t>
+                      </a:r>
+                      <a:endParaRPr lang="ko-KR" altLang="en-US" dirty="0"/>
+                    </a:p>
+                  </a:txBody>
+                  <a:tcPr>
+                    <a:lnL w="12700" cap="flat" cmpd="sng" algn="ctr">
+                      <a:solidFill>
+                        <a:schemeClr val="tx1"/>
+                      </a:solidFill>
+                      <a:prstDash val="solid"/>
+                      <a:round/>
+                      <a:headEnd type="none" w="med" len="med"/>
+                      <a:tailEnd type="none" w="med" len="med"/>
+                    </a:lnL>
+                    <a:lnR w="12700" cap="flat" cmpd="sng" algn="ctr">
+                      <a:solidFill>
+                        <a:schemeClr val="tx1"/>
+                      </a:solidFill>
+                      <a:prstDash val="solid"/>
+                      <a:round/>
+                      <a:headEnd type="none" w="med" len="med"/>
+                      <a:tailEnd type="none" w="med" len="med"/>
+                    </a:lnR>
+                    <a:lnT w="12700" cap="flat" cmpd="sng" algn="ctr">
+                      <a:solidFill>
+                        <a:schemeClr val="tx1"/>
+                      </a:solidFill>
+                      <a:prstDash val="solid"/>
+                      <a:round/>
+                      <a:headEnd type="none" w="med" len="med"/>
+                      <a:tailEnd type="none" w="med" len="med"/>
+                    </a:lnT>
+                    <a:lnB w="12700" cap="flat" cmpd="sng" algn="ctr">
+                      <a:solidFill>
+                        <a:schemeClr val="tx1"/>
+                      </a:solidFill>
+                      <a:prstDash val="solid"/>
+                      <a:round/>
+                      <a:headEnd type="none" w="med" len="med"/>
+                      <a:tailEnd type="none" w="med" len="med"/>
+                    </a:lnB>
+                    <a:lnTlToBr w="12700" cmpd="sng">
+                      <a:noFill/>
+                      <a:prstDash val="solid"/>
+                    </a:lnTlToBr>
+                    <a:lnBlToTr w="12700" cmpd="sng">
+                      <a:noFill/>
+                      <a:prstDash val="solid"/>
+                    </a:lnBlToTr>
+                    <a:solidFill>
+                      <a:schemeClr val="bg1"/>
+                    </a:solidFill>
+                  </a:tcPr>
+                </a:tc>
+                <a:tc>
+                  <a:txBody>
+                    <a:bodyPr/>
+                    <a:lstStyle/>
+                    <a:p>
+                      <a:pPr algn="ctr" latinLnBrk="1"/>
+                      <a:r>
+                        <a:rPr lang="en-US" altLang="ko-KR" dirty="0"/>
+                        <a:t>Negative</a:t>
+                      </a:r>
+                      <a:endParaRPr lang="ko-KR" altLang="en-US" dirty="0"/>
+                    </a:p>
+                  </a:txBody>
+                  <a:tcPr>
+                    <a:lnL w="12700" cap="flat" cmpd="sng" algn="ctr">
+                      <a:solidFill>
+                        <a:schemeClr val="tx1"/>
+                      </a:solidFill>
+                      <a:prstDash val="solid"/>
+                      <a:round/>
+                      <a:headEnd type="none" w="med" len="med"/>
+                      <a:tailEnd type="none" w="med" len="med"/>
+                    </a:lnL>
+                    <a:lnR w="12700" cap="flat" cmpd="sng" algn="ctr">
+                      <a:solidFill>
+                        <a:schemeClr val="tx1"/>
+                      </a:solidFill>
+                      <a:prstDash val="solid"/>
+                      <a:round/>
+                      <a:headEnd type="none" w="med" len="med"/>
+                      <a:tailEnd type="none" w="med" len="med"/>
+                    </a:lnR>
+                    <a:lnT w="12700" cap="flat" cmpd="sng" algn="ctr">
+                      <a:solidFill>
+                        <a:schemeClr val="tx1"/>
+                      </a:solidFill>
+                      <a:prstDash val="solid"/>
+                      <a:round/>
+                      <a:headEnd type="none" w="med" len="med"/>
+                      <a:tailEnd type="none" w="med" len="med"/>
+                    </a:lnT>
+                    <a:lnB w="12700" cap="flat" cmpd="sng" algn="ctr">
+                      <a:solidFill>
+                        <a:schemeClr val="tx1"/>
+                      </a:solidFill>
+                      <a:prstDash val="solid"/>
+                      <a:round/>
+                      <a:headEnd type="none" w="med" len="med"/>
+                      <a:tailEnd type="none" w="med" len="med"/>
+                    </a:lnB>
+                    <a:lnTlToBr w="12700" cmpd="sng">
+                      <a:noFill/>
+                      <a:prstDash val="solid"/>
+                    </a:lnTlToBr>
+                    <a:lnBlToTr w="12700" cmpd="sng">
+                      <a:noFill/>
+                      <a:prstDash val="solid"/>
+                    </a:lnBlToTr>
+                    <a:solidFill>
+                      <a:schemeClr val="bg1"/>
+                    </a:solidFill>
+                  </a:tcPr>
+                </a:tc>
+                <a:extLst>
+                  <a:ext uri="{0D108BD9-81ED-4DB2-BD59-A6C34878D82A}">
+                    <a16:rowId xmlns:a16="http://schemas.microsoft.com/office/drawing/2014/main" val="1211633601"/>
+                  </a:ext>
+                </a:extLst>
+              </a:tr>
+              <a:tr h="481561">
+                <a:tc vMerge="1">
+                  <a:txBody>
+                    <a:bodyPr/>
+                    <a:lstStyle/>
+                    <a:p>
+                      <a:pPr latinLnBrk="1"/>
+                      <a:endParaRPr lang="ko-KR" altLang="en-US" dirty="0"/>
+                    </a:p>
+                  </a:txBody>
+                  <a:tcPr>
+                    <a:lnL w="12700" cap="flat" cmpd="sng" algn="ctr">
+                      <a:solidFill>
+                        <a:schemeClr val="tx1"/>
+                      </a:solidFill>
+                      <a:prstDash val="solid"/>
+                      <a:round/>
+                      <a:headEnd type="none" w="med" len="med"/>
+                      <a:tailEnd type="none" w="med" len="med"/>
+                    </a:lnL>
+                    <a:lnR w="12700" cap="flat" cmpd="sng" algn="ctr">
+                      <a:solidFill>
+                        <a:schemeClr val="tx1"/>
+                      </a:solidFill>
+                      <a:prstDash val="solid"/>
+                      <a:round/>
+                      <a:headEnd type="none" w="med" len="med"/>
+                      <a:tailEnd type="none" w="med" len="med"/>
+                    </a:lnR>
+                    <a:lnT w="12700" cap="flat" cmpd="sng" algn="ctr">
+                      <a:solidFill>
+                        <a:schemeClr val="tx1"/>
+                      </a:solidFill>
+                      <a:prstDash val="solid"/>
+                      <a:round/>
+                      <a:headEnd type="none" w="med" len="med"/>
+                      <a:tailEnd type="none" w="med" len="med"/>
+                    </a:lnT>
+                    <a:lnB w="12700" cap="flat" cmpd="sng" algn="ctr">
+                      <a:solidFill>
+                        <a:schemeClr val="tx1"/>
+                      </a:solidFill>
+                      <a:prstDash val="solid"/>
+                      <a:round/>
+                      <a:headEnd type="none" w="med" len="med"/>
+                      <a:tailEnd type="none" w="med" len="med"/>
+                    </a:lnB>
+                    <a:lnTlToBr w="12700" cmpd="sng">
+                      <a:noFill/>
+                      <a:prstDash val="solid"/>
+                    </a:lnTlToBr>
+                    <a:lnBlToTr w="12700" cmpd="sng">
+                      <a:noFill/>
+                      <a:prstDash val="solid"/>
+                    </a:lnBlToTr>
+                    <a:solidFill>
+                      <a:schemeClr val="bg1"/>
+                    </a:solidFill>
+                  </a:tcPr>
+                </a:tc>
+                <a:tc>
+                  <a:txBody>
+                    <a:bodyPr/>
+                    <a:lstStyle/>
+                    <a:p>
+                      <a:pPr algn="ctr" latinLnBrk="1"/>
+                      <a:r>
+                        <a:rPr lang="en-US" altLang="ko-KR" dirty="0"/>
+                        <a:t>Positive</a:t>
+                      </a:r>
+                      <a:endParaRPr lang="ko-KR" altLang="en-US" dirty="0"/>
+                    </a:p>
+                  </a:txBody>
+                  <a:tcPr>
+                    <a:lnL w="12700" cap="flat" cmpd="sng" algn="ctr">
+                      <a:solidFill>
+                        <a:schemeClr val="tx1"/>
+                      </a:solidFill>
+                      <a:prstDash val="solid"/>
+                      <a:round/>
+                      <a:headEnd type="none" w="med" len="med"/>
+                      <a:tailEnd type="none" w="med" len="med"/>
+                    </a:lnL>
+                    <a:lnR w="12700" cap="flat" cmpd="sng" algn="ctr">
+                      <a:solidFill>
+                        <a:schemeClr val="tx1"/>
+                      </a:solidFill>
+                      <a:prstDash val="solid"/>
+                      <a:round/>
+                      <a:headEnd type="none" w="med" len="med"/>
+                      <a:tailEnd type="none" w="med" len="med"/>
+                    </a:lnR>
+                    <a:lnT w="12700" cap="flat" cmpd="sng" algn="ctr">
+                      <a:solidFill>
+                        <a:schemeClr val="tx1"/>
+                      </a:solidFill>
+                      <a:prstDash val="solid"/>
+                      <a:round/>
+                      <a:headEnd type="none" w="med" len="med"/>
+                      <a:tailEnd type="none" w="med" len="med"/>
+                    </a:lnT>
+                    <a:lnB w="12700" cap="flat" cmpd="sng" algn="ctr">
+                      <a:solidFill>
+                        <a:schemeClr val="tx1"/>
+                      </a:solidFill>
+                      <a:prstDash val="solid"/>
+                      <a:round/>
+                      <a:headEnd type="none" w="med" len="med"/>
+                      <a:tailEnd type="none" w="med" len="med"/>
+                    </a:lnB>
+                    <a:lnTlToBr w="12700" cmpd="sng">
+                      <a:noFill/>
+                      <a:prstDash val="solid"/>
+                    </a:lnTlToBr>
+                    <a:lnBlToTr w="12700" cmpd="sng">
+                      <a:noFill/>
+                      <a:prstDash val="solid"/>
+                    </a:lnBlToTr>
+                    <a:solidFill>
+                      <a:schemeClr val="bg1"/>
+                    </a:solidFill>
+                  </a:tcPr>
+                </a:tc>
+                <a:tc>
+                  <a:txBody>
+                    <a:bodyPr/>
+                    <a:lstStyle/>
+                    <a:p>
+                      <a:pPr algn="ctr" latinLnBrk="1"/>
+                      <a:r>
+                        <a:rPr lang="en-US" altLang="ko-KR" dirty="0"/>
+                        <a:t>TP</a:t>
+                      </a:r>
+                      <a:endParaRPr lang="ko-KR" altLang="en-US" dirty="0"/>
+                    </a:p>
+                  </a:txBody>
+                  <a:tcPr>
+                    <a:lnL w="12700" cap="flat" cmpd="sng" algn="ctr">
+                      <a:solidFill>
+                        <a:schemeClr val="tx1"/>
+                      </a:solidFill>
+                      <a:prstDash val="solid"/>
+                      <a:round/>
+                      <a:headEnd type="none" w="med" len="med"/>
+                      <a:tailEnd type="none" w="med" len="med"/>
+                    </a:lnL>
+                    <a:lnR w="12700" cap="flat" cmpd="sng" algn="ctr">
+                      <a:solidFill>
+                        <a:schemeClr val="tx1"/>
+                      </a:solidFill>
+                      <a:prstDash val="solid"/>
+                      <a:round/>
+                      <a:headEnd type="none" w="med" len="med"/>
+                      <a:tailEnd type="none" w="med" len="med"/>
+                    </a:lnR>
+                    <a:lnT w="12700" cap="flat" cmpd="sng" algn="ctr">
+                      <a:solidFill>
+                        <a:schemeClr val="tx1"/>
+                      </a:solidFill>
+                      <a:prstDash val="solid"/>
+                      <a:round/>
+                      <a:headEnd type="none" w="med" len="med"/>
+                      <a:tailEnd type="none" w="med" len="med"/>
+                    </a:lnT>
+                    <a:lnB w="12700" cap="flat" cmpd="sng" algn="ctr">
+                      <a:solidFill>
+                        <a:schemeClr val="tx1"/>
+                      </a:solidFill>
+                      <a:prstDash val="solid"/>
+                      <a:round/>
+                      <a:headEnd type="none" w="med" len="med"/>
+                      <a:tailEnd type="none" w="med" len="med"/>
+                    </a:lnB>
+                    <a:lnTlToBr w="12700" cmpd="sng">
+                      <a:noFill/>
+                      <a:prstDash val="solid"/>
+                    </a:lnTlToBr>
+                    <a:lnBlToTr w="12700" cmpd="sng">
+                      <a:noFill/>
+                      <a:prstDash val="solid"/>
+                    </a:lnBlToTr>
+                    <a:solidFill>
+                      <a:schemeClr val="bg1"/>
+                    </a:solidFill>
+                  </a:tcPr>
+                </a:tc>
+                <a:tc>
+                  <a:txBody>
+                    <a:bodyPr/>
+                    <a:lstStyle/>
+                    <a:p>
+                      <a:pPr algn="ctr" latinLnBrk="1"/>
+                      <a:r>
+                        <a:rPr lang="en-US" altLang="ko-KR" dirty="0"/>
+                        <a:t>FP(</a:t>
+                      </a:r>
+                      <a:r>
+                        <a:rPr lang="ko-KR" altLang="en-US" dirty="0"/>
+                        <a:t>제 </a:t>
+                      </a:r>
+                      <a:r>
+                        <a:rPr lang="en-US" altLang="ko-KR" dirty="0"/>
+                        <a:t>1</a:t>
+                      </a:r>
+                      <a:r>
+                        <a:rPr lang="ko-KR" altLang="en-US" dirty="0"/>
+                        <a:t>종 오류</a:t>
+                      </a:r>
+                      <a:r>
+                        <a:rPr lang="en-US" altLang="ko-KR" dirty="0"/>
+                        <a:t>)</a:t>
+                      </a:r>
+                      <a:endParaRPr lang="ko-KR" altLang="en-US" dirty="0"/>
+                    </a:p>
+                  </a:txBody>
+                  <a:tcPr>
+                    <a:lnL w="12700" cap="flat" cmpd="sng" algn="ctr">
+                      <a:solidFill>
+                        <a:schemeClr val="tx1"/>
+                      </a:solidFill>
+                      <a:prstDash val="solid"/>
+                      <a:round/>
+                      <a:headEnd type="none" w="med" len="med"/>
+                      <a:tailEnd type="none" w="med" len="med"/>
+                    </a:lnL>
+                    <a:lnR w="12700" cap="flat" cmpd="sng" algn="ctr">
+                      <a:solidFill>
+                        <a:schemeClr val="tx1"/>
+                      </a:solidFill>
+                      <a:prstDash val="solid"/>
+                      <a:round/>
+                      <a:headEnd type="none" w="med" len="med"/>
+                      <a:tailEnd type="none" w="med" len="med"/>
+                    </a:lnR>
+                    <a:lnT w="12700" cap="flat" cmpd="sng" algn="ctr">
+                      <a:solidFill>
+                        <a:schemeClr val="tx1"/>
+                      </a:solidFill>
+                      <a:prstDash val="solid"/>
+                      <a:round/>
+                      <a:headEnd type="none" w="med" len="med"/>
+                      <a:tailEnd type="none" w="med" len="med"/>
+                    </a:lnT>
+                    <a:lnB w="12700" cap="flat" cmpd="sng" algn="ctr">
+                      <a:solidFill>
+                        <a:schemeClr val="tx1"/>
+                      </a:solidFill>
+                      <a:prstDash val="solid"/>
+                      <a:round/>
+                      <a:headEnd type="none" w="med" len="med"/>
+                      <a:tailEnd type="none" w="med" len="med"/>
+                    </a:lnB>
+                    <a:lnTlToBr w="12700" cmpd="sng">
+                      <a:noFill/>
+                      <a:prstDash val="solid"/>
+                    </a:lnTlToBr>
+                    <a:lnBlToTr w="12700" cmpd="sng">
+                      <a:noFill/>
+                      <a:prstDash val="solid"/>
+                    </a:lnBlToTr>
+                    <a:solidFill>
+                      <a:schemeClr val="bg1"/>
+                    </a:solidFill>
+                  </a:tcPr>
+                </a:tc>
+                <a:extLst>
+                  <a:ext uri="{0D108BD9-81ED-4DB2-BD59-A6C34878D82A}">
+                    <a16:rowId xmlns:a16="http://schemas.microsoft.com/office/drawing/2014/main" val="1075509519"/>
+                  </a:ext>
+                </a:extLst>
+              </a:tr>
+              <a:tr h="481561">
+                <a:tc vMerge="1">
+                  <a:txBody>
+                    <a:bodyPr/>
+                    <a:lstStyle/>
+                    <a:p>
+                      <a:pPr latinLnBrk="1"/>
+                      <a:endParaRPr lang="ko-KR" altLang="en-US" dirty="0"/>
+                    </a:p>
+                  </a:txBody>
+                  <a:tcPr>
+                    <a:lnL w="12700" cap="flat" cmpd="sng" algn="ctr">
+                      <a:solidFill>
+                        <a:schemeClr val="tx1"/>
+                      </a:solidFill>
+                      <a:prstDash val="solid"/>
+                      <a:round/>
+                      <a:headEnd type="none" w="med" len="med"/>
+                      <a:tailEnd type="none" w="med" len="med"/>
+                    </a:lnL>
+                    <a:lnR w="12700" cap="flat" cmpd="sng" algn="ctr">
+                      <a:solidFill>
+                        <a:schemeClr val="tx1"/>
+                      </a:solidFill>
+                      <a:prstDash val="solid"/>
+                      <a:round/>
+                      <a:headEnd type="none" w="med" len="med"/>
+                      <a:tailEnd type="none" w="med" len="med"/>
+                    </a:lnR>
+                    <a:lnT w="12700" cap="flat" cmpd="sng" algn="ctr">
+                      <a:solidFill>
+                        <a:schemeClr val="tx1"/>
+                      </a:solidFill>
+                      <a:prstDash val="solid"/>
+                      <a:round/>
+                      <a:headEnd type="none" w="med" len="med"/>
+                      <a:tailEnd type="none" w="med" len="med"/>
+                    </a:lnT>
+                    <a:lnB w="12700" cap="flat" cmpd="sng" algn="ctr">
+                      <a:solidFill>
+                        <a:schemeClr val="tx1"/>
+                      </a:solidFill>
+                      <a:prstDash val="solid"/>
+                      <a:round/>
+                      <a:headEnd type="none" w="med" len="med"/>
+                      <a:tailEnd type="none" w="med" len="med"/>
+                    </a:lnB>
+                    <a:lnTlToBr w="12700" cmpd="sng">
+                      <a:noFill/>
+                      <a:prstDash val="solid"/>
+                    </a:lnTlToBr>
+                    <a:lnBlToTr w="12700" cmpd="sng">
+                      <a:noFill/>
+                      <a:prstDash val="solid"/>
+                    </a:lnBlToTr>
+                    <a:solidFill>
+                      <a:schemeClr val="bg1"/>
+                    </a:solidFill>
+                  </a:tcPr>
+                </a:tc>
+                <a:tc>
+                  <a:txBody>
+                    <a:bodyPr/>
+                    <a:lstStyle/>
+                    <a:p>
+                      <a:pPr algn="ctr" latinLnBrk="1"/>
+                      <a:r>
+                        <a:rPr lang="en-US" altLang="ko-KR" dirty="0"/>
+                        <a:t>Negative</a:t>
+                      </a:r>
+                      <a:endParaRPr lang="ko-KR" altLang="en-US" dirty="0"/>
+                    </a:p>
+                  </a:txBody>
+                  <a:tcPr>
+                    <a:lnL w="12700" cap="flat" cmpd="sng" algn="ctr">
+                      <a:solidFill>
+                        <a:schemeClr val="tx1"/>
+                      </a:solidFill>
+                      <a:prstDash val="solid"/>
+                      <a:round/>
+                      <a:headEnd type="none" w="med" len="med"/>
+                      <a:tailEnd type="none" w="med" len="med"/>
+                    </a:lnL>
+                    <a:lnR w="12700" cap="flat" cmpd="sng" algn="ctr">
+                      <a:solidFill>
+                        <a:schemeClr val="tx1"/>
+                      </a:solidFill>
+                      <a:prstDash val="solid"/>
+                      <a:round/>
+                      <a:headEnd type="none" w="med" len="med"/>
+                      <a:tailEnd type="none" w="med" len="med"/>
+                    </a:lnR>
+                    <a:lnT w="12700" cap="flat" cmpd="sng" algn="ctr">
+                      <a:solidFill>
+                        <a:schemeClr val="tx1"/>
+                      </a:solidFill>
+                      <a:prstDash val="solid"/>
+                      <a:round/>
+                      <a:headEnd type="none" w="med" len="med"/>
+                      <a:tailEnd type="none" w="med" len="med"/>
+                    </a:lnT>
+                    <a:lnB w="12700" cap="flat" cmpd="sng" algn="ctr">
+                      <a:solidFill>
+                        <a:schemeClr val="tx1"/>
+                      </a:solidFill>
+                      <a:prstDash val="solid"/>
+                      <a:round/>
+                      <a:headEnd type="none" w="med" len="med"/>
+                      <a:tailEnd type="none" w="med" len="med"/>
+                    </a:lnB>
+                    <a:lnTlToBr w="12700" cmpd="sng">
+                      <a:noFill/>
+                      <a:prstDash val="solid"/>
+                    </a:lnTlToBr>
+                    <a:lnBlToTr w="12700" cmpd="sng">
+                      <a:noFill/>
+                      <a:prstDash val="solid"/>
+                    </a:lnBlToTr>
+                    <a:solidFill>
+                      <a:schemeClr val="bg1"/>
+                    </a:solidFill>
+                  </a:tcPr>
+                </a:tc>
+                <a:tc>
+                  <a:txBody>
+                    <a:bodyPr/>
+                    <a:lstStyle/>
+                    <a:p>
+                      <a:pPr algn="ctr" latinLnBrk="1"/>
+                      <a:r>
+                        <a:rPr lang="en-US" altLang="ko-KR" dirty="0"/>
+                        <a:t>FN(</a:t>
+                      </a:r>
+                      <a:r>
+                        <a:rPr lang="ko-KR" altLang="en-US" dirty="0"/>
+                        <a:t>제 </a:t>
+                      </a:r>
+                      <a:r>
+                        <a:rPr lang="en-US" altLang="ko-KR" dirty="0"/>
+                        <a:t>2</a:t>
+                      </a:r>
+                      <a:r>
+                        <a:rPr lang="ko-KR" altLang="en-US" dirty="0"/>
+                        <a:t>종 오류</a:t>
+                      </a:r>
+                      <a:r>
+                        <a:rPr lang="en-US" altLang="ko-KR" dirty="0"/>
+                        <a:t>)</a:t>
+                      </a:r>
+                      <a:endParaRPr lang="ko-KR" altLang="en-US" dirty="0"/>
+                    </a:p>
+                  </a:txBody>
+                  <a:tcPr>
+                    <a:lnL w="12700" cap="flat" cmpd="sng" algn="ctr">
+                      <a:solidFill>
+                        <a:schemeClr val="tx1"/>
+                      </a:solidFill>
+                      <a:prstDash val="solid"/>
+                      <a:round/>
+                      <a:headEnd type="none" w="med" len="med"/>
+                      <a:tailEnd type="none" w="med" len="med"/>
+                    </a:lnL>
+                    <a:lnR w="12700" cap="flat" cmpd="sng" algn="ctr">
+                      <a:solidFill>
+                        <a:schemeClr val="tx1"/>
+                      </a:solidFill>
+                      <a:prstDash val="solid"/>
+                      <a:round/>
+                      <a:headEnd type="none" w="med" len="med"/>
+                      <a:tailEnd type="none" w="med" len="med"/>
+                    </a:lnR>
+                    <a:lnT w="12700" cap="flat" cmpd="sng" algn="ctr">
+                      <a:solidFill>
+                        <a:schemeClr val="tx1"/>
+                      </a:solidFill>
+                      <a:prstDash val="solid"/>
+                      <a:round/>
+                      <a:headEnd type="none" w="med" len="med"/>
+                      <a:tailEnd type="none" w="med" len="med"/>
+                    </a:lnT>
+                    <a:lnB w="12700" cap="flat" cmpd="sng" algn="ctr">
+                      <a:solidFill>
+                        <a:schemeClr val="tx1"/>
+                      </a:solidFill>
+                      <a:prstDash val="solid"/>
+                      <a:round/>
+                      <a:headEnd type="none" w="med" len="med"/>
+                      <a:tailEnd type="none" w="med" len="med"/>
+                    </a:lnB>
+                    <a:lnTlToBr w="12700" cmpd="sng">
+                      <a:noFill/>
+                      <a:prstDash val="solid"/>
+                    </a:lnTlToBr>
+                    <a:lnBlToTr w="12700" cmpd="sng">
+                      <a:noFill/>
+                      <a:prstDash val="solid"/>
+                    </a:lnBlToTr>
+                    <a:solidFill>
+                      <a:schemeClr val="bg1"/>
+                    </a:solidFill>
+                  </a:tcPr>
+                </a:tc>
+                <a:tc>
+                  <a:txBody>
+                    <a:bodyPr/>
+                    <a:lstStyle/>
+                    <a:p>
+                      <a:pPr algn="ctr" latinLnBrk="1"/>
+                      <a:r>
+                        <a:rPr lang="en-US" altLang="ko-KR" dirty="0"/>
+                        <a:t>TN</a:t>
+                      </a:r>
+                      <a:endParaRPr lang="ko-KR" altLang="en-US" dirty="0"/>
+                    </a:p>
+                  </a:txBody>
+                  <a:tcPr>
+                    <a:lnL w="12700" cap="flat" cmpd="sng" algn="ctr">
+                      <a:solidFill>
+                        <a:schemeClr val="tx1"/>
+                      </a:solidFill>
+                      <a:prstDash val="solid"/>
+                      <a:round/>
+                      <a:headEnd type="none" w="med" len="med"/>
+                      <a:tailEnd type="none" w="med" len="med"/>
+                    </a:lnL>
+                    <a:lnR w="12700" cap="flat" cmpd="sng" algn="ctr">
+                      <a:solidFill>
+                        <a:schemeClr val="tx1"/>
+                      </a:solidFill>
+                      <a:prstDash val="solid"/>
+                      <a:round/>
+                      <a:headEnd type="none" w="med" len="med"/>
+                      <a:tailEnd type="none" w="med" len="med"/>
+                    </a:lnR>
+                    <a:lnT w="12700" cap="flat" cmpd="sng" algn="ctr">
+                      <a:solidFill>
+                        <a:schemeClr val="tx1"/>
+                      </a:solidFill>
+                      <a:prstDash val="solid"/>
+                      <a:round/>
+                      <a:headEnd type="none" w="med" len="med"/>
+                      <a:tailEnd type="none" w="med" len="med"/>
+                    </a:lnT>
+                    <a:lnB w="12700" cap="flat" cmpd="sng" algn="ctr">
+                      <a:solidFill>
+                        <a:schemeClr val="tx1"/>
+                      </a:solidFill>
+                      <a:prstDash val="solid"/>
+                      <a:round/>
+                      <a:headEnd type="none" w="med" len="med"/>
+                      <a:tailEnd type="none" w="med" len="med"/>
+                    </a:lnB>
+                    <a:lnTlToBr w="12700" cmpd="sng">
+                      <a:noFill/>
+                      <a:prstDash val="solid"/>
+                    </a:lnTlToBr>
+                    <a:lnBlToTr w="12700" cmpd="sng">
+                      <a:noFill/>
+                      <a:prstDash val="solid"/>
+                    </a:lnBlToTr>
+                    <a:solidFill>
+                      <a:schemeClr val="bg1"/>
+                    </a:solidFill>
+                  </a:tcPr>
+                </a:tc>
+                <a:extLst>
+                  <a:ext uri="{0D108BD9-81ED-4DB2-BD59-A6C34878D82A}">
+                    <a16:rowId xmlns:a16="http://schemas.microsoft.com/office/drawing/2014/main" val="4001814122"/>
+                  </a:ext>
+                </a:extLst>
+              </a:tr>
+            </a:tbl>
+          </a:graphicData>
+        </a:graphic>
+      </p:graphicFrame>
+      <p:graphicFrame>
+        <p:nvGraphicFramePr>
+          <p:cNvPr id="5" name="표 4">
+            <a:extLst>
+              <a:ext uri="{FF2B5EF4-FFF2-40B4-BE49-F238E27FC236}">
+                <a16:creationId xmlns:a16="http://schemas.microsoft.com/office/drawing/2014/main" id="{D88D51B6-6421-46DB-ACD1-9EBAF1B4B65E}"/>
+              </a:ext>
+            </a:extLst>
+          </p:cNvPr>
+          <p:cNvGraphicFramePr>
+            <a:graphicFrameLocks noGrp="1"/>
+          </p:cNvGraphicFramePr>
+          <p:nvPr>
+            <p:extLst>
+              <p:ext uri="{D42A27DB-BD31-4B8C-83A1-F6EECF244321}">
+                <p14:modId xmlns:p14="http://schemas.microsoft.com/office/powerpoint/2010/main" val="1406186084"/>
+              </p:ext>
+            </p:extLst>
+          </p:nvPr>
+        </p:nvGraphicFramePr>
+        <p:xfrm>
+          <a:off x="1588655" y="4774738"/>
+          <a:ext cx="8128000" cy="1926244"/>
+        </p:xfrm>
+        <a:graphic>
+          <a:graphicData uri="http://schemas.openxmlformats.org/drawingml/2006/table">
+            <a:tbl>
+              <a:tblPr firstRow="1" bandRow="1">
+                <a:tableStyleId>{5C22544A-7EE6-4342-B048-85BDC9FD1C3A}</a:tableStyleId>
+              </a:tblPr>
+              <a:tblGrid>
+                <a:gridCol w="2032000">
+                  <a:extLst>
+                    <a:ext uri="{9D8B030D-6E8A-4147-A177-3AD203B41FA5}">
+                      <a16:colId xmlns:a16="http://schemas.microsoft.com/office/drawing/2014/main" val="2704165821"/>
+                    </a:ext>
+                  </a:extLst>
+                </a:gridCol>
+                <a:gridCol w="2032000">
+                  <a:extLst>
+                    <a:ext uri="{9D8B030D-6E8A-4147-A177-3AD203B41FA5}">
+                      <a16:colId xmlns:a16="http://schemas.microsoft.com/office/drawing/2014/main" val="3506547199"/>
+                    </a:ext>
+                  </a:extLst>
+                </a:gridCol>
+                <a:gridCol w="2032000">
+                  <a:extLst>
+                    <a:ext uri="{9D8B030D-6E8A-4147-A177-3AD203B41FA5}">
+                      <a16:colId xmlns:a16="http://schemas.microsoft.com/office/drawing/2014/main" val="1372549931"/>
+                    </a:ext>
+                  </a:extLst>
+                </a:gridCol>
+                <a:gridCol w="2032000">
+                  <a:extLst>
+                    <a:ext uri="{9D8B030D-6E8A-4147-A177-3AD203B41FA5}">
+                      <a16:colId xmlns:a16="http://schemas.microsoft.com/office/drawing/2014/main" val="3791966565"/>
+                    </a:ext>
+                  </a:extLst>
+                </a:gridCol>
+              </a:tblGrid>
+              <a:tr h="481561">
+                <a:tc>
+                  <a:txBody>
+                    <a:bodyPr/>
+                    <a:lstStyle/>
+                    <a:p>
+                      <a:pPr latinLnBrk="1"/>
+                      <a:endParaRPr lang="ko-KR" altLang="en-US" dirty="0"/>
+                    </a:p>
+                  </a:txBody>
+                  <a:tcPr>
+                    <a:lnL w="12700" cap="flat" cmpd="sng" algn="ctr">
+                      <a:solidFill>
+                        <a:schemeClr val="tx1"/>
+                      </a:solidFill>
+                      <a:prstDash val="solid"/>
+                      <a:round/>
+                      <a:headEnd type="none" w="med" len="med"/>
+                      <a:tailEnd type="none" w="med" len="med"/>
+                    </a:lnL>
+                    <a:lnR w="12700" cap="flat" cmpd="sng" algn="ctr">
+                      <a:solidFill>
+                        <a:schemeClr val="tx1"/>
+                      </a:solidFill>
+                      <a:prstDash val="solid"/>
+                      <a:round/>
+                      <a:headEnd type="none" w="med" len="med"/>
+                      <a:tailEnd type="none" w="med" len="med"/>
+                    </a:lnR>
+                    <a:lnT w="12700" cap="flat" cmpd="sng" algn="ctr">
+                      <a:solidFill>
+                        <a:schemeClr val="tx1"/>
+                      </a:solidFill>
+                      <a:prstDash val="solid"/>
+                      <a:round/>
+                      <a:headEnd type="none" w="med" len="med"/>
+                      <a:tailEnd type="none" w="med" len="med"/>
+                    </a:lnT>
+                    <a:lnB w="12700" cap="flat" cmpd="sng" algn="ctr">
+                      <a:solidFill>
+                        <a:schemeClr val="tx1"/>
+                      </a:solidFill>
+                      <a:prstDash val="solid"/>
+                      <a:round/>
+                      <a:headEnd type="none" w="med" len="med"/>
+                      <a:tailEnd type="none" w="med" len="med"/>
+                    </a:lnB>
+                    <a:lnTlToBr w="12700" cmpd="sng">
+                      <a:noFill/>
+                      <a:prstDash val="solid"/>
+                    </a:lnTlToBr>
+                    <a:lnBlToTr w="12700" cmpd="sng">
+                      <a:noFill/>
+                      <a:prstDash val="solid"/>
+                    </a:lnBlToTr>
+                    <a:solidFill>
+                      <a:schemeClr val="bg1"/>
+                    </a:solidFill>
+                  </a:tcPr>
+                </a:tc>
+                <a:tc gridSpan="3">
+                  <a:txBody>
+                    <a:bodyPr/>
+                    <a:lstStyle/>
+                    <a:p>
+                      <a:pPr algn="ctr" latinLnBrk="1">
+                        <a:lnSpc>
+                          <a:spcPct val="150000"/>
+                        </a:lnSpc>
+                      </a:pPr>
+                      <a:r>
+                        <a:rPr lang="ko-KR" altLang="en-US" b="0" dirty="0">
+                          <a:solidFill>
+                            <a:schemeClr val="tx1"/>
+                          </a:solidFill>
+                        </a:rPr>
+                        <a:t>예측</a:t>
+                      </a:r>
+                    </a:p>
+                  </a:txBody>
+                  <a:tcPr>
+                    <a:lnL w="12700" cap="flat" cmpd="sng" algn="ctr">
+                      <a:solidFill>
+                        <a:schemeClr val="tx1"/>
+                      </a:solidFill>
+                      <a:prstDash val="solid"/>
+                      <a:round/>
+                      <a:headEnd type="none" w="med" len="med"/>
+                      <a:tailEnd type="none" w="med" len="med"/>
+                    </a:lnL>
+                    <a:lnR w="12700" cap="flat" cmpd="sng" algn="ctr">
+                      <a:solidFill>
+                        <a:schemeClr val="tx1"/>
+                      </a:solidFill>
+                      <a:prstDash val="solid"/>
+                      <a:round/>
+                      <a:headEnd type="none" w="med" len="med"/>
+                      <a:tailEnd type="none" w="med" len="med"/>
+                    </a:lnR>
+                    <a:lnT w="12700" cap="flat" cmpd="sng" algn="ctr">
+                      <a:solidFill>
+                        <a:schemeClr val="tx1"/>
+                      </a:solidFill>
+                      <a:prstDash val="solid"/>
+                      <a:round/>
+                      <a:headEnd type="none" w="med" len="med"/>
+                      <a:tailEnd type="none" w="med" len="med"/>
+                    </a:lnT>
+                    <a:lnB w="12700" cap="flat" cmpd="sng" algn="ctr">
+                      <a:solidFill>
+                        <a:schemeClr val="tx1"/>
+                      </a:solidFill>
+                      <a:prstDash val="solid"/>
+                      <a:round/>
+                      <a:headEnd type="none" w="med" len="med"/>
+                      <a:tailEnd type="none" w="med" len="med"/>
+                    </a:lnB>
+                    <a:lnTlToBr w="12700" cmpd="sng">
+                      <a:noFill/>
+                      <a:prstDash val="solid"/>
+                    </a:lnTlToBr>
+                    <a:lnBlToTr w="12700" cmpd="sng">
+                      <a:noFill/>
+                      <a:prstDash val="solid"/>
+                    </a:lnBlToTr>
+                    <a:solidFill>
+                      <a:schemeClr val="bg1"/>
+                    </a:solidFill>
+                  </a:tcPr>
+                </a:tc>
+                <a:tc hMerge="1">
+                  <a:txBody>
+                    <a:bodyPr/>
+                    <a:lstStyle/>
+                    <a:p>
+                      <a:pPr latinLnBrk="1"/>
+                      <a:endParaRPr lang="ko-KR" altLang="en-US" dirty="0"/>
+                    </a:p>
+                  </a:txBody>
+                  <a:tcPr>
+                    <a:lnL w="12700" cap="flat" cmpd="sng" algn="ctr">
+                      <a:solidFill>
+                        <a:schemeClr val="tx1"/>
+                      </a:solidFill>
+                      <a:prstDash val="solid"/>
+                      <a:round/>
+                      <a:headEnd type="none" w="med" len="med"/>
+                      <a:tailEnd type="none" w="med" len="med"/>
+                    </a:lnL>
+                    <a:lnR w="12700" cap="flat" cmpd="sng" algn="ctr">
+                      <a:solidFill>
+                        <a:schemeClr val="tx1"/>
+                      </a:solidFill>
+                      <a:prstDash val="solid"/>
+                      <a:round/>
+                      <a:headEnd type="none" w="med" len="med"/>
+                      <a:tailEnd type="none" w="med" len="med"/>
+                    </a:lnR>
+                    <a:lnT w="12700" cap="flat" cmpd="sng" algn="ctr">
+                      <a:solidFill>
+                        <a:schemeClr val="tx1"/>
+                      </a:solidFill>
+                      <a:prstDash val="solid"/>
+                      <a:round/>
+                      <a:headEnd type="none" w="med" len="med"/>
+                      <a:tailEnd type="none" w="med" len="med"/>
+                    </a:lnT>
+                    <a:lnB w="12700" cap="flat" cmpd="sng" algn="ctr">
+                      <a:solidFill>
+                        <a:schemeClr val="tx1"/>
+                      </a:solidFill>
+                      <a:prstDash val="solid"/>
+                      <a:round/>
+                      <a:headEnd type="none" w="med" len="med"/>
+                      <a:tailEnd type="none" w="med" len="med"/>
+                    </a:lnB>
+                    <a:lnTlToBr w="12700" cmpd="sng">
+                      <a:noFill/>
+                      <a:prstDash val="solid"/>
+                    </a:lnTlToBr>
+                    <a:lnBlToTr w="12700" cmpd="sng">
+                      <a:noFill/>
+                      <a:prstDash val="solid"/>
+                    </a:lnBlToTr>
+                    <a:solidFill>
+                      <a:schemeClr val="bg1"/>
+                    </a:solidFill>
+                  </a:tcPr>
+                </a:tc>
+                <a:tc hMerge="1">
+                  <a:txBody>
+                    <a:bodyPr/>
+                    <a:lstStyle/>
+                    <a:p>
+                      <a:pPr latinLnBrk="1"/>
+                      <a:endParaRPr lang="ko-KR" altLang="en-US" dirty="0"/>
+                    </a:p>
+                  </a:txBody>
+                  <a:tcPr>
+                    <a:lnL w="12700" cap="flat" cmpd="sng" algn="ctr">
+                      <a:solidFill>
+                        <a:schemeClr val="tx1"/>
+                      </a:solidFill>
+                      <a:prstDash val="solid"/>
+                      <a:round/>
+                      <a:headEnd type="none" w="med" len="med"/>
+                      <a:tailEnd type="none" w="med" len="med"/>
+                    </a:lnL>
+                    <a:lnR w="12700" cap="flat" cmpd="sng" algn="ctr">
+                      <a:solidFill>
+                        <a:schemeClr val="tx1"/>
+                      </a:solidFill>
+                      <a:prstDash val="solid"/>
+                      <a:round/>
+                      <a:headEnd type="none" w="med" len="med"/>
+                      <a:tailEnd type="none" w="med" len="med"/>
+                    </a:lnR>
+                    <a:lnT w="12700" cap="flat" cmpd="sng" algn="ctr">
+                      <a:solidFill>
+                        <a:schemeClr val="tx1"/>
+                      </a:solidFill>
+                      <a:prstDash val="solid"/>
+                      <a:round/>
+                      <a:headEnd type="none" w="med" len="med"/>
+                      <a:tailEnd type="none" w="med" len="med"/>
+                    </a:lnT>
+                    <a:lnB w="12700" cap="flat" cmpd="sng" algn="ctr">
+                      <a:solidFill>
+                        <a:schemeClr val="tx1"/>
+                      </a:solidFill>
+                      <a:prstDash val="solid"/>
+                      <a:round/>
+                      <a:headEnd type="none" w="med" len="med"/>
+                      <a:tailEnd type="none" w="med" len="med"/>
+                    </a:lnB>
+                    <a:lnTlToBr w="12700" cmpd="sng">
+                      <a:noFill/>
+                      <a:prstDash val="solid"/>
+                    </a:lnTlToBr>
+                    <a:lnBlToTr w="12700" cmpd="sng">
+                      <a:noFill/>
+                      <a:prstDash val="solid"/>
+                    </a:lnBlToTr>
+                    <a:solidFill>
+                      <a:schemeClr val="bg1"/>
+                    </a:solidFill>
+                  </a:tcPr>
+                </a:tc>
+                <a:extLst>
+                  <a:ext uri="{0D108BD9-81ED-4DB2-BD59-A6C34878D82A}">
+                    <a16:rowId xmlns:a16="http://schemas.microsoft.com/office/drawing/2014/main" val="774118287"/>
+                  </a:ext>
+                </a:extLst>
+              </a:tr>
+              <a:tr h="481561">
+                <a:tc rowSpan="3">
+                  <a:txBody>
+                    <a:bodyPr/>
+                    <a:lstStyle/>
+                    <a:p>
+                      <a:pPr algn="ctr" latinLnBrk="1"/>
+                      <a:endParaRPr lang="en-US" altLang="ko-KR" dirty="0"/>
+                    </a:p>
+                    <a:p>
+                      <a:pPr algn="ctr" latinLnBrk="1"/>
+                      <a:endParaRPr lang="en-US" altLang="ko-KR" dirty="0"/>
+                    </a:p>
+                    <a:p>
+                      <a:pPr algn="ctr" latinLnBrk="1"/>
+                      <a:r>
+                        <a:rPr lang="ko-KR" altLang="en-US" dirty="0"/>
+                        <a:t>실제</a:t>
+                      </a:r>
+                    </a:p>
+                  </a:txBody>
+                  <a:tcPr>
+                    <a:lnL w="12700" cap="flat" cmpd="sng" algn="ctr">
+                      <a:solidFill>
+                        <a:schemeClr val="tx1"/>
+                      </a:solidFill>
+                      <a:prstDash val="solid"/>
+                      <a:round/>
+                      <a:headEnd type="none" w="med" len="med"/>
+                      <a:tailEnd type="none" w="med" len="med"/>
+                    </a:lnL>
+                    <a:lnR w="12700" cap="flat" cmpd="sng" algn="ctr">
+                      <a:solidFill>
+                        <a:schemeClr val="tx1"/>
+                      </a:solidFill>
+                      <a:prstDash val="solid"/>
+                      <a:round/>
+                      <a:headEnd type="none" w="med" len="med"/>
+                      <a:tailEnd type="none" w="med" len="med"/>
+                    </a:lnR>
+                    <a:lnT w="12700" cap="flat" cmpd="sng" algn="ctr">
+                      <a:solidFill>
+                        <a:schemeClr val="tx1"/>
+                      </a:solidFill>
+                      <a:prstDash val="solid"/>
+                      <a:round/>
+                      <a:headEnd type="none" w="med" len="med"/>
+                      <a:tailEnd type="none" w="med" len="med"/>
+                    </a:lnT>
+                    <a:lnB w="12700" cap="flat" cmpd="sng" algn="ctr">
+                      <a:solidFill>
+                        <a:schemeClr val="tx1"/>
+                      </a:solidFill>
+                      <a:prstDash val="solid"/>
+                      <a:round/>
+                      <a:headEnd type="none" w="med" len="med"/>
+                      <a:tailEnd type="none" w="med" len="med"/>
+                    </a:lnB>
+                    <a:lnTlToBr w="12700" cmpd="sng">
+                      <a:noFill/>
+                      <a:prstDash val="solid"/>
+                    </a:lnTlToBr>
+                    <a:lnBlToTr w="12700" cmpd="sng">
+                      <a:noFill/>
+                      <a:prstDash val="solid"/>
+                    </a:lnBlToTr>
+                    <a:solidFill>
+                      <a:schemeClr val="bg1"/>
+                    </a:solidFill>
+                  </a:tcPr>
+                </a:tc>
+                <a:tc>
+                  <a:txBody>
+                    <a:bodyPr/>
+                    <a:lstStyle/>
+                    <a:p>
+                      <a:pPr algn="ctr" latinLnBrk="1"/>
+                      <a:endParaRPr lang="ko-KR" altLang="en-US" dirty="0"/>
+                    </a:p>
+                  </a:txBody>
+                  <a:tcPr>
+                    <a:lnL w="12700" cap="flat" cmpd="sng" algn="ctr">
+                      <a:solidFill>
+                        <a:schemeClr val="tx1"/>
+                      </a:solidFill>
+                      <a:prstDash val="solid"/>
+                      <a:round/>
+                      <a:headEnd type="none" w="med" len="med"/>
+                      <a:tailEnd type="none" w="med" len="med"/>
+                    </a:lnL>
+                    <a:lnR w="12700" cap="flat" cmpd="sng" algn="ctr">
+                      <a:solidFill>
+                        <a:schemeClr val="tx1"/>
+                      </a:solidFill>
+                      <a:prstDash val="solid"/>
+                      <a:round/>
+                      <a:headEnd type="none" w="med" len="med"/>
+                      <a:tailEnd type="none" w="med" len="med"/>
+                    </a:lnR>
+                    <a:lnT w="12700" cap="flat" cmpd="sng" algn="ctr">
+                      <a:solidFill>
+                        <a:schemeClr val="tx1"/>
+                      </a:solidFill>
+                      <a:prstDash val="solid"/>
+                      <a:round/>
+                      <a:headEnd type="none" w="med" len="med"/>
+                      <a:tailEnd type="none" w="med" len="med"/>
+                    </a:lnT>
+                    <a:lnB w="12700" cap="flat" cmpd="sng" algn="ctr">
+                      <a:solidFill>
+                        <a:schemeClr val="tx1"/>
+                      </a:solidFill>
+                      <a:prstDash val="solid"/>
+                      <a:round/>
+                      <a:headEnd type="none" w="med" len="med"/>
+                      <a:tailEnd type="none" w="med" len="med"/>
+                    </a:lnB>
+                    <a:lnTlToBr w="12700" cmpd="sng">
+                      <a:noFill/>
+                      <a:prstDash val="solid"/>
+                    </a:lnTlToBr>
+                    <a:lnBlToTr w="12700" cmpd="sng">
+                      <a:noFill/>
+                      <a:prstDash val="solid"/>
+                    </a:lnBlToTr>
+                    <a:solidFill>
+                      <a:schemeClr val="bg1"/>
+                    </a:solidFill>
+                  </a:tcPr>
+                </a:tc>
+                <a:tc>
+                  <a:txBody>
+                    <a:bodyPr/>
+                    <a:lstStyle/>
+                    <a:p>
+                      <a:pPr algn="ctr" latinLnBrk="1"/>
+                      <a:r>
+                        <a:rPr lang="en-US" altLang="ko-KR" dirty="0"/>
+                        <a:t>Positive</a:t>
+                      </a:r>
+                      <a:endParaRPr lang="ko-KR" altLang="en-US" dirty="0"/>
+                    </a:p>
+                  </a:txBody>
+                  <a:tcPr>
+                    <a:lnL w="12700" cap="flat" cmpd="sng" algn="ctr">
+                      <a:solidFill>
+                        <a:schemeClr val="tx1"/>
+                      </a:solidFill>
+                      <a:prstDash val="solid"/>
+                      <a:round/>
+                      <a:headEnd type="none" w="med" len="med"/>
+                      <a:tailEnd type="none" w="med" len="med"/>
+                    </a:lnL>
+                    <a:lnR w="12700" cap="flat" cmpd="sng" algn="ctr">
+                      <a:solidFill>
+                        <a:schemeClr val="tx1"/>
+                      </a:solidFill>
+                      <a:prstDash val="solid"/>
+                      <a:round/>
+                      <a:headEnd type="none" w="med" len="med"/>
+                      <a:tailEnd type="none" w="med" len="med"/>
+                    </a:lnR>
+                    <a:lnT w="12700" cap="flat" cmpd="sng" algn="ctr">
+                      <a:solidFill>
+                        <a:schemeClr val="tx1"/>
+                      </a:solidFill>
+                      <a:prstDash val="solid"/>
+                      <a:round/>
+                      <a:headEnd type="none" w="med" len="med"/>
+                      <a:tailEnd type="none" w="med" len="med"/>
+                    </a:lnT>
+                    <a:lnB w="12700" cap="flat" cmpd="sng" algn="ctr">
+                      <a:solidFill>
+                        <a:schemeClr val="tx1"/>
+                      </a:solidFill>
+                      <a:prstDash val="solid"/>
+                      <a:round/>
+                      <a:headEnd type="none" w="med" len="med"/>
+                      <a:tailEnd type="none" w="med" len="med"/>
+                    </a:lnB>
+                    <a:lnTlToBr w="12700" cmpd="sng">
+                      <a:noFill/>
+                      <a:prstDash val="solid"/>
+                    </a:lnTlToBr>
+                    <a:lnBlToTr w="12700" cmpd="sng">
+                      <a:noFill/>
+                      <a:prstDash val="solid"/>
+                    </a:lnBlToTr>
+                    <a:solidFill>
+                      <a:schemeClr val="bg1"/>
+                    </a:solidFill>
+                  </a:tcPr>
+                </a:tc>
+                <a:tc>
+                  <a:txBody>
+                    <a:bodyPr/>
+                    <a:lstStyle/>
+                    <a:p>
+                      <a:pPr algn="ctr" latinLnBrk="1"/>
+                      <a:r>
+                        <a:rPr lang="en-US" altLang="ko-KR" dirty="0"/>
+                        <a:t>Negative</a:t>
+                      </a:r>
+                      <a:endParaRPr lang="ko-KR" altLang="en-US" dirty="0"/>
+                    </a:p>
+                  </a:txBody>
+                  <a:tcPr>
+                    <a:lnL w="12700" cap="flat" cmpd="sng" algn="ctr">
+                      <a:solidFill>
+                        <a:schemeClr val="tx1"/>
+                      </a:solidFill>
+                      <a:prstDash val="solid"/>
+                      <a:round/>
+                      <a:headEnd type="none" w="med" len="med"/>
+                      <a:tailEnd type="none" w="med" len="med"/>
+                    </a:lnL>
+                    <a:lnR w="12700" cap="flat" cmpd="sng" algn="ctr">
+                      <a:solidFill>
+                        <a:schemeClr val="tx1"/>
+                      </a:solidFill>
+                      <a:prstDash val="solid"/>
+                      <a:round/>
+                      <a:headEnd type="none" w="med" len="med"/>
+                      <a:tailEnd type="none" w="med" len="med"/>
+                    </a:lnR>
+                    <a:lnT w="12700" cap="flat" cmpd="sng" algn="ctr">
+                      <a:solidFill>
+                        <a:schemeClr val="tx1"/>
+                      </a:solidFill>
+                      <a:prstDash val="solid"/>
+                      <a:round/>
+                      <a:headEnd type="none" w="med" len="med"/>
+                      <a:tailEnd type="none" w="med" len="med"/>
+                    </a:lnT>
+                    <a:lnB w="12700" cap="flat" cmpd="sng" algn="ctr">
+                      <a:solidFill>
+                        <a:schemeClr val="tx1"/>
+                      </a:solidFill>
+                      <a:prstDash val="solid"/>
+                      <a:round/>
+                      <a:headEnd type="none" w="med" len="med"/>
+                      <a:tailEnd type="none" w="med" len="med"/>
+                    </a:lnB>
+                    <a:lnTlToBr w="12700" cmpd="sng">
+                      <a:noFill/>
+                      <a:prstDash val="solid"/>
+                    </a:lnTlToBr>
+                    <a:lnBlToTr w="12700" cmpd="sng">
+                      <a:noFill/>
+                      <a:prstDash val="solid"/>
+                    </a:lnBlToTr>
+                    <a:solidFill>
+                      <a:schemeClr val="bg1"/>
+                    </a:solidFill>
+                  </a:tcPr>
+                </a:tc>
+                <a:extLst>
+                  <a:ext uri="{0D108BD9-81ED-4DB2-BD59-A6C34878D82A}">
+                    <a16:rowId xmlns:a16="http://schemas.microsoft.com/office/drawing/2014/main" val="1211633601"/>
+                  </a:ext>
+                </a:extLst>
+              </a:tr>
+              <a:tr h="481561">
+                <a:tc vMerge="1">
+                  <a:txBody>
+                    <a:bodyPr/>
+                    <a:lstStyle/>
+                    <a:p>
+                      <a:pPr latinLnBrk="1"/>
+                      <a:endParaRPr lang="ko-KR" altLang="en-US" dirty="0"/>
+                    </a:p>
+                  </a:txBody>
+                  <a:tcPr>
+                    <a:lnL w="12700" cap="flat" cmpd="sng" algn="ctr">
+                      <a:solidFill>
+                        <a:schemeClr val="tx1"/>
+                      </a:solidFill>
+                      <a:prstDash val="solid"/>
+                      <a:round/>
+                      <a:headEnd type="none" w="med" len="med"/>
+                      <a:tailEnd type="none" w="med" len="med"/>
+                    </a:lnL>
+                    <a:lnR w="12700" cap="flat" cmpd="sng" algn="ctr">
+                      <a:solidFill>
+                        <a:schemeClr val="tx1"/>
+                      </a:solidFill>
+                      <a:prstDash val="solid"/>
+                      <a:round/>
+                      <a:headEnd type="none" w="med" len="med"/>
+                      <a:tailEnd type="none" w="med" len="med"/>
+                    </a:lnR>
+                    <a:lnT w="12700" cap="flat" cmpd="sng" algn="ctr">
+                      <a:solidFill>
+                        <a:schemeClr val="tx1"/>
+                      </a:solidFill>
+                      <a:prstDash val="solid"/>
+                      <a:round/>
+                      <a:headEnd type="none" w="med" len="med"/>
+                      <a:tailEnd type="none" w="med" len="med"/>
+                    </a:lnT>
+                    <a:lnB w="12700" cap="flat" cmpd="sng" algn="ctr">
+                      <a:solidFill>
+                        <a:schemeClr val="tx1"/>
+                      </a:solidFill>
+                      <a:prstDash val="solid"/>
+                      <a:round/>
+                      <a:headEnd type="none" w="med" len="med"/>
+                      <a:tailEnd type="none" w="med" len="med"/>
+                    </a:lnB>
+                    <a:lnTlToBr w="12700" cmpd="sng">
+                      <a:noFill/>
+                      <a:prstDash val="solid"/>
+                    </a:lnTlToBr>
+                    <a:lnBlToTr w="12700" cmpd="sng">
+                      <a:noFill/>
+                      <a:prstDash val="solid"/>
+                    </a:lnBlToTr>
+                    <a:solidFill>
+                      <a:schemeClr val="bg1"/>
+                    </a:solidFill>
+                  </a:tcPr>
+                </a:tc>
+                <a:tc>
+                  <a:txBody>
+                    <a:bodyPr/>
+                    <a:lstStyle/>
+                    <a:p>
+                      <a:pPr algn="ctr" latinLnBrk="1"/>
+                      <a:r>
+                        <a:rPr lang="en-US" altLang="ko-KR" dirty="0"/>
+                        <a:t>Positive</a:t>
+                      </a:r>
+                      <a:endParaRPr lang="ko-KR" altLang="en-US" dirty="0"/>
+                    </a:p>
+                  </a:txBody>
+                  <a:tcPr>
+                    <a:lnL w="12700" cap="flat" cmpd="sng" algn="ctr">
+                      <a:solidFill>
+                        <a:schemeClr val="tx1"/>
+                      </a:solidFill>
+                      <a:prstDash val="solid"/>
+                      <a:round/>
+                      <a:headEnd type="none" w="med" len="med"/>
+                      <a:tailEnd type="none" w="med" len="med"/>
+                    </a:lnL>
+                    <a:lnR w="12700" cap="flat" cmpd="sng" algn="ctr">
+                      <a:solidFill>
+                        <a:schemeClr val="tx1"/>
+                      </a:solidFill>
+                      <a:prstDash val="solid"/>
+                      <a:round/>
+                      <a:headEnd type="none" w="med" len="med"/>
+                      <a:tailEnd type="none" w="med" len="med"/>
+                    </a:lnR>
+                    <a:lnT w="12700" cap="flat" cmpd="sng" algn="ctr">
+                      <a:solidFill>
+                        <a:schemeClr val="tx1"/>
+                      </a:solidFill>
+                      <a:prstDash val="solid"/>
+                      <a:round/>
+                      <a:headEnd type="none" w="med" len="med"/>
+                      <a:tailEnd type="none" w="med" len="med"/>
+                    </a:lnT>
+                    <a:lnB w="12700" cap="flat" cmpd="sng" algn="ctr">
+                      <a:solidFill>
+                        <a:schemeClr val="tx1"/>
+                      </a:solidFill>
+                      <a:prstDash val="solid"/>
+                      <a:round/>
+                      <a:headEnd type="none" w="med" len="med"/>
+                      <a:tailEnd type="none" w="med" len="med"/>
+                    </a:lnB>
+                    <a:lnTlToBr w="12700" cmpd="sng">
+                      <a:noFill/>
+                      <a:prstDash val="solid"/>
+                    </a:lnTlToBr>
+                    <a:lnBlToTr w="12700" cmpd="sng">
+                      <a:noFill/>
+                      <a:prstDash val="solid"/>
+                    </a:lnBlToTr>
+                    <a:solidFill>
+                      <a:schemeClr val="bg1"/>
+                    </a:solidFill>
+                  </a:tcPr>
+                </a:tc>
+                <a:tc>
+                  <a:txBody>
+                    <a:bodyPr/>
+                    <a:lstStyle/>
+                    <a:p>
+                      <a:pPr algn="ctr" latinLnBrk="1"/>
+                      <a:r>
+                        <a:rPr lang="en-US" altLang="ko-KR" dirty="0"/>
+                        <a:t>TP</a:t>
+                      </a:r>
+                      <a:endParaRPr lang="ko-KR" altLang="en-US" dirty="0"/>
+                    </a:p>
+                  </a:txBody>
+                  <a:tcPr>
+                    <a:lnL w="12700" cap="flat" cmpd="sng" algn="ctr">
+                      <a:solidFill>
+                        <a:schemeClr val="tx1"/>
+                      </a:solidFill>
+                      <a:prstDash val="solid"/>
+                      <a:round/>
+                      <a:headEnd type="none" w="med" len="med"/>
+                      <a:tailEnd type="none" w="med" len="med"/>
+                    </a:lnL>
+                    <a:lnR w="12700" cap="flat" cmpd="sng" algn="ctr">
+                      <a:solidFill>
+                        <a:schemeClr val="tx1"/>
+                      </a:solidFill>
+                      <a:prstDash val="solid"/>
+                      <a:round/>
+                      <a:headEnd type="none" w="med" len="med"/>
+                      <a:tailEnd type="none" w="med" len="med"/>
+                    </a:lnR>
+                    <a:lnT w="12700" cap="flat" cmpd="sng" algn="ctr">
+                      <a:solidFill>
+                        <a:schemeClr val="tx1"/>
+                      </a:solidFill>
+                      <a:prstDash val="solid"/>
+                      <a:round/>
+                      <a:headEnd type="none" w="med" len="med"/>
+                      <a:tailEnd type="none" w="med" len="med"/>
+                    </a:lnT>
+                    <a:lnB w="12700" cap="flat" cmpd="sng" algn="ctr">
+                      <a:solidFill>
+                        <a:schemeClr val="tx1"/>
+                      </a:solidFill>
+                      <a:prstDash val="solid"/>
+                      <a:round/>
+                      <a:headEnd type="none" w="med" len="med"/>
+                      <a:tailEnd type="none" w="med" len="med"/>
+                    </a:lnB>
+                    <a:lnTlToBr w="12700" cmpd="sng">
+                      <a:noFill/>
+                      <a:prstDash val="solid"/>
+                    </a:lnTlToBr>
+                    <a:lnBlToTr w="12700" cmpd="sng">
+                      <a:noFill/>
+                      <a:prstDash val="solid"/>
+                    </a:lnBlToTr>
+                    <a:solidFill>
+                      <a:schemeClr val="bg1"/>
+                    </a:solidFill>
+                  </a:tcPr>
+                </a:tc>
+                <a:tc>
+                  <a:txBody>
+                    <a:bodyPr/>
+                    <a:lstStyle/>
+                    <a:p>
+                      <a:pPr algn="ctr" latinLnBrk="1"/>
+                      <a:r>
+                        <a:rPr lang="en-US" altLang="ko-KR" dirty="0"/>
+                        <a:t>FN(</a:t>
+                      </a:r>
+                      <a:r>
+                        <a:rPr lang="ko-KR" altLang="en-US" dirty="0"/>
+                        <a:t>제 </a:t>
+                      </a:r>
+                      <a:r>
+                        <a:rPr lang="en-US" altLang="ko-KR" dirty="0"/>
+                        <a:t>2</a:t>
+                      </a:r>
+                      <a:r>
+                        <a:rPr lang="ko-KR" altLang="en-US" dirty="0"/>
+                        <a:t>종 오류</a:t>
+                      </a:r>
+                      <a:r>
+                        <a:rPr lang="en-US" altLang="ko-KR" dirty="0"/>
+                        <a:t>)</a:t>
+                      </a:r>
+                      <a:endParaRPr lang="ko-KR" altLang="en-US" dirty="0"/>
+                    </a:p>
+                  </a:txBody>
+                  <a:tcPr>
+                    <a:lnL w="12700" cap="flat" cmpd="sng" algn="ctr">
+                      <a:solidFill>
+                        <a:schemeClr val="tx1"/>
+                      </a:solidFill>
+                      <a:prstDash val="solid"/>
+                      <a:round/>
+                      <a:headEnd type="none" w="med" len="med"/>
+                      <a:tailEnd type="none" w="med" len="med"/>
+                    </a:lnL>
+                    <a:lnR w="12700" cap="flat" cmpd="sng" algn="ctr">
+                      <a:solidFill>
+                        <a:schemeClr val="tx1"/>
+                      </a:solidFill>
+                      <a:prstDash val="solid"/>
+                      <a:round/>
+                      <a:headEnd type="none" w="med" len="med"/>
+                      <a:tailEnd type="none" w="med" len="med"/>
+                    </a:lnR>
+                    <a:lnT w="12700" cap="flat" cmpd="sng" algn="ctr">
+                      <a:solidFill>
+                        <a:schemeClr val="tx1"/>
+                      </a:solidFill>
+                      <a:prstDash val="solid"/>
+                      <a:round/>
+                      <a:headEnd type="none" w="med" len="med"/>
+                      <a:tailEnd type="none" w="med" len="med"/>
+                    </a:lnT>
+                    <a:lnB w="12700" cap="flat" cmpd="sng" algn="ctr">
+                      <a:solidFill>
+                        <a:schemeClr val="tx1"/>
+                      </a:solidFill>
+                      <a:prstDash val="solid"/>
+                      <a:round/>
+                      <a:headEnd type="none" w="med" len="med"/>
+                      <a:tailEnd type="none" w="med" len="med"/>
+                    </a:lnB>
+                    <a:lnTlToBr w="12700" cmpd="sng">
+                      <a:noFill/>
+                      <a:prstDash val="solid"/>
+                    </a:lnTlToBr>
+                    <a:lnBlToTr w="12700" cmpd="sng">
+                      <a:noFill/>
+                      <a:prstDash val="solid"/>
+                    </a:lnBlToTr>
+                    <a:solidFill>
+                      <a:schemeClr val="bg1"/>
+                    </a:solidFill>
+                  </a:tcPr>
+                </a:tc>
+                <a:extLst>
+                  <a:ext uri="{0D108BD9-81ED-4DB2-BD59-A6C34878D82A}">
+                    <a16:rowId xmlns:a16="http://schemas.microsoft.com/office/drawing/2014/main" val="1075509519"/>
+                  </a:ext>
+                </a:extLst>
+              </a:tr>
+              <a:tr h="481561">
+                <a:tc vMerge="1">
+                  <a:txBody>
+                    <a:bodyPr/>
+                    <a:lstStyle/>
+                    <a:p>
+                      <a:pPr latinLnBrk="1"/>
+                      <a:endParaRPr lang="ko-KR" altLang="en-US" dirty="0"/>
+                    </a:p>
+                  </a:txBody>
+                  <a:tcPr>
+                    <a:lnL w="12700" cap="flat" cmpd="sng" algn="ctr">
+                      <a:solidFill>
+                        <a:schemeClr val="tx1"/>
+                      </a:solidFill>
+                      <a:prstDash val="solid"/>
+                      <a:round/>
+                      <a:headEnd type="none" w="med" len="med"/>
+                      <a:tailEnd type="none" w="med" len="med"/>
+                    </a:lnL>
+                    <a:lnR w="12700" cap="flat" cmpd="sng" algn="ctr">
+                      <a:solidFill>
+                        <a:schemeClr val="tx1"/>
+                      </a:solidFill>
+                      <a:prstDash val="solid"/>
+                      <a:round/>
+                      <a:headEnd type="none" w="med" len="med"/>
+                      <a:tailEnd type="none" w="med" len="med"/>
+                    </a:lnR>
+                    <a:lnT w="12700" cap="flat" cmpd="sng" algn="ctr">
+                      <a:solidFill>
+                        <a:schemeClr val="tx1"/>
+                      </a:solidFill>
+                      <a:prstDash val="solid"/>
+                      <a:round/>
+                      <a:headEnd type="none" w="med" len="med"/>
+                      <a:tailEnd type="none" w="med" len="med"/>
+                    </a:lnT>
+                    <a:lnB w="12700" cap="flat" cmpd="sng" algn="ctr">
+                      <a:solidFill>
+                        <a:schemeClr val="tx1"/>
+                      </a:solidFill>
+                      <a:prstDash val="solid"/>
+                      <a:round/>
+                      <a:headEnd type="none" w="med" len="med"/>
+                      <a:tailEnd type="none" w="med" len="med"/>
+                    </a:lnB>
+                    <a:lnTlToBr w="12700" cmpd="sng">
+                      <a:noFill/>
+                      <a:prstDash val="solid"/>
+                    </a:lnTlToBr>
+                    <a:lnBlToTr w="12700" cmpd="sng">
+                      <a:noFill/>
+                      <a:prstDash val="solid"/>
+                    </a:lnBlToTr>
+                    <a:solidFill>
+                      <a:schemeClr val="bg1"/>
+                    </a:solidFill>
+                  </a:tcPr>
+                </a:tc>
+                <a:tc>
+                  <a:txBody>
+                    <a:bodyPr/>
+                    <a:lstStyle/>
+                    <a:p>
+                      <a:pPr algn="ctr" latinLnBrk="1"/>
+                      <a:r>
+                        <a:rPr lang="en-US" altLang="ko-KR" dirty="0"/>
+                        <a:t>Negative</a:t>
+                      </a:r>
+                      <a:endParaRPr lang="ko-KR" altLang="en-US" dirty="0"/>
+                    </a:p>
+                  </a:txBody>
+                  <a:tcPr>
+                    <a:lnL w="12700" cap="flat" cmpd="sng" algn="ctr">
+                      <a:solidFill>
+                        <a:schemeClr val="tx1"/>
+                      </a:solidFill>
+                      <a:prstDash val="solid"/>
+                      <a:round/>
+                      <a:headEnd type="none" w="med" len="med"/>
+                      <a:tailEnd type="none" w="med" len="med"/>
+                    </a:lnL>
+                    <a:lnR w="12700" cap="flat" cmpd="sng" algn="ctr">
+                      <a:solidFill>
+                        <a:schemeClr val="tx1"/>
+                      </a:solidFill>
+                      <a:prstDash val="solid"/>
+                      <a:round/>
+                      <a:headEnd type="none" w="med" len="med"/>
+                      <a:tailEnd type="none" w="med" len="med"/>
+                    </a:lnR>
+                    <a:lnT w="12700" cap="flat" cmpd="sng" algn="ctr">
+                      <a:solidFill>
+                        <a:schemeClr val="tx1"/>
+                      </a:solidFill>
+                      <a:prstDash val="solid"/>
+                      <a:round/>
+                      <a:headEnd type="none" w="med" len="med"/>
+                      <a:tailEnd type="none" w="med" len="med"/>
+                    </a:lnT>
+                    <a:lnB w="12700" cap="flat" cmpd="sng" algn="ctr">
+                      <a:solidFill>
+                        <a:schemeClr val="tx1"/>
+                      </a:solidFill>
+                      <a:prstDash val="solid"/>
+                      <a:round/>
+                      <a:headEnd type="none" w="med" len="med"/>
+                      <a:tailEnd type="none" w="med" len="med"/>
+                    </a:lnB>
+                    <a:lnTlToBr w="12700" cmpd="sng">
+                      <a:noFill/>
+                      <a:prstDash val="solid"/>
+                    </a:lnTlToBr>
+                    <a:lnBlToTr w="12700" cmpd="sng">
+                      <a:noFill/>
+                      <a:prstDash val="solid"/>
+                    </a:lnBlToTr>
+                    <a:solidFill>
+                      <a:schemeClr val="bg1"/>
+                    </a:solidFill>
+                  </a:tcPr>
+                </a:tc>
+                <a:tc>
+                  <a:txBody>
+                    <a:bodyPr/>
+                    <a:lstStyle/>
+                    <a:p>
+                      <a:pPr algn="ctr" latinLnBrk="1"/>
+                      <a:r>
+                        <a:rPr lang="en-US" altLang="ko-KR" dirty="0"/>
+                        <a:t>FP(</a:t>
+                      </a:r>
+                      <a:r>
+                        <a:rPr lang="ko-KR" altLang="en-US" dirty="0"/>
+                        <a:t>제 </a:t>
+                      </a:r>
+                      <a:r>
+                        <a:rPr lang="en-US" altLang="ko-KR" dirty="0"/>
+                        <a:t>1</a:t>
+                      </a:r>
+                      <a:r>
+                        <a:rPr lang="ko-KR" altLang="en-US" dirty="0"/>
+                        <a:t>종 오류</a:t>
+                      </a:r>
+                      <a:r>
+                        <a:rPr lang="en-US" altLang="ko-KR" dirty="0"/>
+                        <a:t>)</a:t>
+                      </a:r>
+                      <a:endParaRPr lang="ko-KR" altLang="en-US" dirty="0"/>
+                    </a:p>
+                  </a:txBody>
+                  <a:tcPr>
+                    <a:lnL w="12700" cap="flat" cmpd="sng" algn="ctr">
+                      <a:solidFill>
+                        <a:schemeClr val="tx1"/>
+                      </a:solidFill>
+                      <a:prstDash val="solid"/>
+                      <a:round/>
+                      <a:headEnd type="none" w="med" len="med"/>
+                      <a:tailEnd type="none" w="med" len="med"/>
+                    </a:lnL>
+                    <a:lnR w="12700" cap="flat" cmpd="sng" algn="ctr">
+                      <a:solidFill>
+                        <a:schemeClr val="tx1"/>
+                      </a:solidFill>
+                      <a:prstDash val="solid"/>
+                      <a:round/>
+                      <a:headEnd type="none" w="med" len="med"/>
+                      <a:tailEnd type="none" w="med" len="med"/>
+                    </a:lnR>
+                    <a:lnT w="12700" cap="flat" cmpd="sng" algn="ctr">
+                      <a:solidFill>
+                        <a:schemeClr val="tx1"/>
+                      </a:solidFill>
+                      <a:prstDash val="solid"/>
+                      <a:round/>
+                      <a:headEnd type="none" w="med" len="med"/>
+                      <a:tailEnd type="none" w="med" len="med"/>
+                    </a:lnT>
+                    <a:lnB w="12700" cap="flat" cmpd="sng" algn="ctr">
+                      <a:solidFill>
+                        <a:schemeClr val="tx1"/>
+                      </a:solidFill>
+                      <a:prstDash val="solid"/>
+                      <a:round/>
+                      <a:headEnd type="none" w="med" len="med"/>
+                      <a:tailEnd type="none" w="med" len="med"/>
+                    </a:lnB>
+                    <a:lnTlToBr w="12700" cmpd="sng">
+                      <a:noFill/>
+                      <a:prstDash val="solid"/>
+                    </a:lnTlToBr>
+                    <a:lnBlToTr w="12700" cmpd="sng">
+                      <a:noFill/>
+                      <a:prstDash val="solid"/>
+                    </a:lnBlToTr>
+                    <a:solidFill>
+                      <a:schemeClr val="bg1"/>
+                    </a:solidFill>
+                  </a:tcPr>
+                </a:tc>
+                <a:tc>
+                  <a:txBody>
+                    <a:bodyPr/>
+                    <a:lstStyle/>
+                    <a:p>
+                      <a:pPr algn="ctr" latinLnBrk="1"/>
+                      <a:r>
+                        <a:rPr lang="en-US" altLang="ko-KR" dirty="0"/>
+                        <a:t>TN</a:t>
+                      </a:r>
+                      <a:endParaRPr lang="ko-KR" altLang="en-US" dirty="0"/>
+                    </a:p>
+                  </a:txBody>
+                  <a:tcPr>
+                    <a:lnL w="12700" cap="flat" cmpd="sng" algn="ctr">
+                      <a:solidFill>
+                        <a:schemeClr val="tx1"/>
+                      </a:solidFill>
+                      <a:prstDash val="solid"/>
+                      <a:round/>
+                      <a:headEnd type="none" w="med" len="med"/>
+                      <a:tailEnd type="none" w="med" len="med"/>
+                    </a:lnL>
+                    <a:lnR w="12700" cap="flat" cmpd="sng" algn="ctr">
+                      <a:solidFill>
+                        <a:schemeClr val="tx1"/>
+                      </a:solidFill>
+                      <a:prstDash val="solid"/>
+                      <a:round/>
+                      <a:headEnd type="none" w="med" len="med"/>
+                      <a:tailEnd type="none" w="med" len="med"/>
+                    </a:lnR>
+                    <a:lnT w="12700" cap="flat" cmpd="sng" algn="ctr">
+                      <a:solidFill>
+                        <a:schemeClr val="tx1"/>
+                      </a:solidFill>
+                      <a:prstDash val="solid"/>
+                      <a:round/>
+                      <a:headEnd type="none" w="med" len="med"/>
+                      <a:tailEnd type="none" w="med" len="med"/>
+                    </a:lnT>
+                    <a:lnB w="12700" cap="flat" cmpd="sng" algn="ctr">
+                      <a:solidFill>
+                        <a:schemeClr val="tx1"/>
+                      </a:solidFill>
+                      <a:prstDash val="solid"/>
+                      <a:round/>
+                      <a:headEnd type="none" w="med" len="med"/>
+                      <a:tailEnd type="none" w="med" len="med"/>
+                    </a:lnB>
+                    <a:lnTlToBr w="12700" cmpd="sng">
+                      <a:noFill/>
+                      <a:prstDash val="solid"/>
+                    </a:lnTlToBr>
+                    <a:lnBlToTr w="12700" cmpd="sng">
+                      <a:noFill/>
+                      <a:prstDash val="solid"/>
+                    </a:lnBlToTr>
+                    <a:solidFill>
+                      <a:schemeClr val="bg1"/>
+                    </a:solidFill>
+                  </a:tcPr>
+                </a:tc>
+                <a:extLst>
+                  <a:ext uri="{0D108BD9-81ED-4DB2-BD59-A6C34878D82A}">
+                    <a16:rowId xmlns:a16="http://schemas.microsoft.com/office/drawing/2014/main" val="4001814122"/>
+                  </a:ext>
+                </a:extLst>
+              </a:tr>
+            </a:tbl>
+          </a:graphicData>
+        </a:graphic>
+      </p:graphicFrame>
+      <p:sp>
+        <p:nvSpPr>
+          <p:cNvPr id="6" name="제목 1">
+            <a:extLst>
+              <a:ext uri="{FF2B5EF4-FFF2-40B4-BE49-F238E27FC236}">
+                <a16:creationId xmlns:a16="http://schemas.microsoft.com/office/drawing/2014/main" id="{43576723-F512-4EC1-9532-E98859F7C090}"/>
+              </a:ext>
+            </a:extLst>
+          </p:cNvPr>
+          <p:cNvSpPr txBox="1">
+            <a:spLocks/>
+          </p:cNvSpPr>
+          <p:nvPr/>
+        </p:nvSpPr>
+        <p:spPr>
+          <a:xfrm>
+            <a:off x="1249218" y="1262987"/>
+            <a:ext cx="5387109" cy="419966"/>
+          </a:xfrm>
+          <a:prstGeom prst="rect">
+            <a:avLst/>
+          </a:prstGeom>
+        </p:spPr>
+        <p:txBody>
+          <a:bodyPr vert="horz" lIns="91440" tIns="45720" rIns="91440" bIns="45720" rtlCol="0" anchor="ctr">
+            <a:noAutofit/>
+          </a:bodyPr>
+          <a:lstStyle>
+            <a:lvl1pPr algn="l" defTabSz="914400" rtl="0" eaLnBrk="1" latinLnBrk="1" hangingPunct="1">
+              <a:lnSpc>
+                <a:spcPct val="90000"/>
+              </a:lnSpc>
+              <a:spcBef>
+                <a:spcPct val="0"/>
+              </a:spcBef>
+              <a:buNone/>
+              <a:defRPr sz="4400" kern="1200">
+                <a:solidFill>
+                  <a:schemeClr val="tx1"/>
+                </a:solidFill>
+                <a:latin typeface="+mj-lt"/>
+                <a:ea typeface="+mj-ea"/>
+                <a:cs typeface="+mj-cs"/>
+              </a:defRPr>
+            </a:lvl1pPr>
+          </a:lstStyle>
+          <a:p>
+            <a:r>
+              <a:rPr lang="ko-KR" altLang="en-US" sz="2000" dirty="0"/>
+              <a:t>가설검정  </a:t>
+            </a:r>
+            <a:r>
+              <a:rPr lang="en-US" altLang="ko-KR" sz="2000" dirty="0"/>
+              <a:t>H0 vs H1</a:t>
+            </a:r>
+            <a:endParaRPr lang="ko-KR" altLang="en-US" sz="2000" dirty="0"/>
           </a:p>
         </p:txBody>
       </p:sp>
       <p:sp>
         <p:nvSpPr>
-          <p:cNvPr id="3" name="내용 개체 틀 2">
+          <p:cNvPr id="7" name="TextBox 6">
             <a:extLst>
               <a:ext uri="{FF2B5EF4-FFF2-40B4-BE49-F238E27FC236}">
-                <a16:creationId xmlns:a16="http://schemas.microsoft.com/office/drawing/2014/main" id="{9F7A4CEF-BEA4-40A0-AF2D-689BF17C8651}"/>
+                <a16:creationId xmlns:a16="http://schemas.microsoft.com/office/drawing/2014/main" id="{3C377D28-EBEF-46B3-BDF2-14D6BBB8375B}"/>
               </a:ext>
             </a:extLst>
           </p:cNvPr>
-          <p:cNvSpPr>
-            <a:spLocks noGrp="1"/>
-          </p:cNvSpPr>
-          <p:nvPr>
-            <p:ph idx="1"/>
-          </p:nvPr>
+          <p:cNvSpPr txBox="1"/>
+          <p:nvPr/>
         </p:nvSpPr>
-        <p:spPr/>
+        <p:spPr>
+          <a:xfrm>
+            <a:off x="1385455" y="4100945"/>
+            <a:ext cx="2087418" cy="369332"/>
+          </a:xfrm>
+          <a:prstGeom prst="rect">
+            <a:avLst/>
+          </a:prstGeom>
+          <a:noFill/>
+        </p:spPr>
         <p:txBody>
-          <a:bodyPr/>
+          <a:bodyPr wrap="square" rtlCol="0">
+            <a:spAutoFit/>
+          </a:bodyPr>
           <a:lstStyle/>
           <a:p>
-            <a:endParaRPr lang="ko-KR" altLang="en-US"/>
+            <a:r>
+              <a:rPr lang="ko-KR" altLang="en-US" dirty="0" err="1"/>
+              <a:t>머신러닝</a:t>
+            </a:r>
+            <a:endParaRPr lang="ko-KR" altLang="en-US" dirty="0"/>
           </a:p>
         </p:txBody>
       </p:sp>
@@ -3851,8 +6175,8 @@
           </a:p>
         </p:txBody>
       </p:sp>
-      <mc:AlternateContent xmlns:mc="http://schemas.openxmlformats.org/markup-compatibility/2006">
-        <mc:Choice xmlns:a14="http://schemas.microsoft.com/office/drawing/2010/main" Requires="a14">
+      <mc:AlternateContent xmlns:mc="http://schemas.openxmlformats.org/markup-compatibility/2006" xmlns:a14="http://schemas.microsoft.com/office/drawing/2010/main">
+        <mc:Choice Requires="a14">
           <p:sp>
             <p:nvSpPr>
               <p:cNvPr id="22" name="TextBox 21">
@@ -3927,7 +6251,7 @@
             </p:txBody>
           </p:sp>
         </mc:Choice>
-        <mc:Fallback>
+        <mc:Fallback xmlns="">
           <p:sp>
             <p:nvSpPr>
               <p:cNvPr id="22" name="TextBox 21">
@@ -3972,8 +6296,8 @@
           </p:sp>
         </mc:Fallback>
       </mc:AlternateContent>
-      <mc:AlternateContent xmlns:mc="http://schemas.openxmlformats.org/markup-compatibility/2006">
-        <mc:Choice xmlns:a14="http://schemas.microsoft.com/office/drawing/2010/main" Requires="a14">
+      <mc:AlternateContent xmlns:mc="http://schemas.openxmlformats.org/markup-compatibility/2006" xmlns:a14="http://schemas.microsoft.com/office/drawing/2010/main">
+        <mc:Choice Requires="a14">
           <p:sp>
             <p:nvSpPr>
               <p:cNvPr id="24" name="TextBox 23">
@@ -4048,7 +6372,7 @@
             </p:txBody>
           </p:sp>
         </mc:Choice>
-        <mc:Fallback>
+        <mc:Fallback xmlns="">
           <p:sp>
             <p:nvSpPr>
               <p:cNvPr id="24" name="TextBox 23">
@@ -5704,8 +8028,8 @@
           </p:sp>
         </mc:Fallback>
       </mc:AlternateContent>
-      <mc:AlternateContent xmlns:mc="http://schemas.openxmlformats.org/markup-compatibility/2006">
-        <mc:Choice xmlns:a14="http://schemas.microsoft.com/office/drawing/2010/main" Requires="a14">
+      <mc:AlternateContent xmlns:mc="http://schemas.openxmlformats.org/markup-compatibility/2006" xmlns:a14="http://schemas.microsoft.com/office/drawing/2010/main">
+        <mc:Choice Requires="a14">
           <p:sp>
             <p:nvSpPr>
               <p:cNvPr id="63" name="TextBox 62">
@@ -5797,7 +8121,7 @@
             </p:txBody>
           </p:sp>
         </mc:Choice>
-        <mc:Fallback>
+        <mc:Fallback xmlns="">
           <p:sp>
             <p:nvSpPr>
               <p:cNvPr id="63" name="TextBox 62">
@@ -6121,8 +8445,8 @@
           </p:sp>
         </mc:Fallback>
       </mc:AlternateContent>
-      <mc:AlternateContent xmlns:mc="http://schemas.openxmlformats.org/markup-compatibility/2006">
-        <mc:Choice xmlns:a14="http://schemas.microsoft.com/office/drawing/2010/main" Requires="a14">
+      <mc:AlternateContent xmlns:mc="http://schemas.openxmlformats.org/markup-compatibility/2006" xmlns:a14="http://schemas.microsoft.com/office/drawing/2010/main">
+        <mc:Choice Requires="a14">
           <p:sp>
             <p:nvSpPr>
               <p:cNvPr id="69" name="TextBox 68">
@@ -6197,7 +8521,7 @@
             </p:txBody>
           </p:sp>
         </mc:Choice>
-        <mc:Fallback>
+        <mc:Fallback xmlns="">
           <p:sp>
             <p:nvSpPr>
               <p:cNvPr id="69" name="TextBox 68">
@@ -7168,8 +9492,8 @@
           </a:p>
         </p:txBody>
       </p:sp>
-      <mc:AlternateContent xmlns:mc="http://schemas.openxmlformats.org/markup-compatibility/2006">
-        <mc:Choice xmlns:a14="http://schemas.microsoft.com/office/drawing/2010/main" Requires="a14">
+      <mc:AlternateContent xmlns:mc="http://schemas.openxmlformats.org/markup-compatibility/2006" xmlns:a14="http://schemas.microsoft.com/office/drawing/2010/main">
+        <mc:Choice Requires="a14">
           <p:sp>
             <p:nvSpPr>
               <p:cNvPr id="87" name="TextBox 86">
@@ -7259,7 +9583,7 @@
             </p:txBody>
           </p:sp>
         </mc:Choice>
-        <mc:Fallback>
+        <mc:Fallback xmlns="">
           <p:sp>
             <p:nvSpPr>
               <p:cNvPr id="87" name="TextBox 86">
@@ -9475,8 +11799,8 @@
           </p:sp>
         </mc:Fallback>
       </mc:AlternateContent>
-      <mc:AlternateContent xmlns:mc="http://schemas.openxmlformats.org/markup-compatibility/2006">
-        <mc:Choice xmlns:a14="http://schemas.microsoft.com/office/drawing/2010/main" Requires="a14">
+      <mc:AlternateContent xmlns:mc="http://schemas.openxmlformats.org/markup-compatibility/2006" xmlns:a14="http://schemas.microsoft.com/office/drawing/2010/main">
+        <mc:Choice Requires="a14">
           <p:sp>
             <p:nvSpPr>
               <p:cNvPr id="109" name="TextBox 108">
@@ -9545,7 +11869,7 @@
             </p:txBody>
           </p:sp>
         </mc:Choice>
-        <mc:Fallback>
+        <mc:Fallback xmlns="">
           <p:sp>
             <p:nvSpPr>
               <p:cNvPr id="109" name="TextBox 108">
@@ -9590,8 +11914,8 @@
           </p:sp>
         </mc:Fallback>
       </mc:AlternateContent>
-      <mc:AlternateContent xmlns:mc="http://schemas.openxmlformats.org/markup-compatibility/2006">
-        <mc:Choice xmlns:a14="http://schemas.microsoft.com/office/drawing/2010/main" Requires="a14">
+      <mc:AlternateContent xmlns:mc="http://schemas.openxmlformats.org/markup-compatibility/2006" xmlns:a14="http://schemas.microsoft.com/office/drawing/2010/main">
+        <mc:Choice Requires="a14">
           <p:sp>
             <p:nvSpPr>
               <p:cNvPr id="110" name="TextBox 109">
@@ -9653,7 +11977,7 @@
             </p:txBody>
           </p:sp>
         </mc:Choice>
-        <mc:Fallback>
+        <mc:Fallback xmlns="">
           <p:sp>
             <p:nvSpPr>
               <p:cNvPr id="110" name="TextBox 109">
@@ -9902,8 +12226,8 @@
           </a:p>
         </p:txBody>
       </p:sp>
-      <mc:AlternateContent xmlns:mc="http://schemas.openxmlformats.org/markup-compatibility/2006">
-        <mc:Choice xmlns:a14="http://schemas.microsoft.com/office/drawing/2010/main" Requires="a14">
+      <mc:AlternateContent xmlns:mc="http://schemas.openxmlformats.org/markup-compatibility/2006" xmlns:a14="http://schemas.microsoft.com/office/drawing/2010/main">
+        <mc:Choice Requires="a14">
           <p:sp>
             <p:nvSpPr>
               <p:cNvPr id="85" name="TextBox 84">
@@ -9969,7 +12293,7 @@
             </p:txBody>
           </p:sp>
         </mc:Choice>
-        <mc:Fallback>
+        <mc:Fallback xmlns="">
           <p:sp>
             <p:nvSpPr>
               <p:cNvPr id="85" name="TextBox 84">

--- a/AI개념도식.pptx
+++ b/AI개념도식.pptx
@@ -260,7 +260,7 @@
           <a:p>
             <a:fld id="{9851BF5B-4527-44A9-BCF1-43D07D935C6A}" type="datetimeFigureOut">
               <a:rPr lang="ko-KR" altLang="en-US" smtClean="0"/>
-              <a:t>2021-06-08</a:t>
+              <a:t>2021-06-11</a:t>
             </a:fld>
             <a:endParaRPr lang="ko-KR" altLang="en-US"/>
           </a:p>
@@ -458,7 +458,7 @@
           <a:p>
             <a:fld id="{9851BF5B-4527-44A9-BCF1-43D07D935C6A}" type="datetimeFigureOut">
               <a:rPr lang="ko-KR" altLang="en-US" smtClean="0"/>
-              <a:t>2021-06-08</a:t>
+              <a:t>2021-06-11</a:t>
             </a:fld>
             <a:endParaRPr lang="ko-KR" altLang="en-US"/>
           </a:p>
@@ -666,7 +666,7 @@
           <a:p>
             <a:fld id="{9851BF5B-4527-44A9-BCF1-43D07D935C6A}" type="datetimeFigureOut">
               <a:rPr lang="ko-KR" altLang="en-US" smtClean="0"/>
-              <a:t>2021-06-08</a:t>
+              <a:t>2021-06-11</a:t>
             </a:fld>
             <a:endParaRPr lang="ko-KR" altLang="en-US"/>
           </a:p>
@@ -864,7 +864,7 @@
           <a:p>
             <a:fld id="{9851BF5B-4527-44A9-BCF1-43D07D935C6A}" type="datetimeFigureOut">
               <a:rPr lang="ko-KR" altLang="en-US" smtClean="0"/>
-              <a:t>2021-06-08</a:t>
+              <a:t>2021-06-11</a:t>
             </a:fld>
             <a:endParaRPr lang="ko-KR" altLang="en-US"/>
           </a:p>
@@ -1139,7 +1139,7 @@
           <a:p>
             <a:fld id="{9851BF5B-4527-44A9-BCF1-43D07D935C6A}" type="datetimeFigureOut">
               <a:rPr lang="ko-KR" altLang="en-US" smtClean="0"/>
-              <a:t>2021-06-08</a:t>
+              <a:t>2021-06-11</a:t>
             </a:fld>
             <a:endParaRPr lang="ko-KR" altLang="en-US"/>
           </a:p>
@@ -1404,7 +1404,7 @@
           <a:p>
             <a:fld id="{9851BF5B-4527-44A9-BCF1-43D07D935C6A}" type="datetimeFigureOut">
               <a:rPr lang="ko-KR" altLang="en-US" smtClean="0"/>
-              <a:t>2021-06-08</a:t>
+              <a:t>2021-06-11</a:t>
             </a:fld>
             <a:endParaRPr lang="ko-KR" altLang="en-US"/>
           </a:p>
@@ -1816,7 +1816,7 @@
           <a:p>
             <a:fld id="{9851BF5B-4527-44A9-BCF1-43D07D935C6A}" type="datetimeFigureOut">
               <a:rPr lang="ko-KR" altLang="en-US" smtClean="0"/>
-              <a:t>2021-06-08</a:t>
+              <a:t>2021-06-11</a:t>
             </a:fld>
             <a:endParaRPr lang="ko-KR" altLang="en-US"/>
           </a:p>
@@ -1957,7 +1957,7 @@
           <a:p>
             <a:fld id="{9851BF5B-4527-44A9-BCF1-43D07D935C6A}" type="datetimeFigureOut">
               <a:rPr lang="ko-KR" altLang="en-US" smtClean="0"/>
-              <a:t>2021-06-08</a:t>
+              <a:t>2021-06-11</a:t>
             </a:fld>
             <a:endParaRPr lang="ko-KR" altLang="en-US"/>
           </a:p>
@@ -2070,7 +2070,7 @@
           <a:p>
             <a:fld id="{9851BF5B-4527-44A9-BCF1-43D07D935C6A}" type="datetimeFigureOut">
               <a:rPr lang="ko-KR" altLang="en-US" smtClean="0"/>
-              <a:t>2021-06-08</a:t>
+              <a:t>2021-06-11</a:t>
             </a:fld>
             <a:endParaRPr lang="ko-KR" altLang="en-US"/>
           </a:p>
@@ -2381,7 +2381,7 @@
           <a:p>
             <a:fld id="{9851BF5B-4527-44A9-BCF1-43D07D935C6A}" type="datetimeFigureOut">
               <a:rPr lang="ko-KR" altLang="en-US" smtClean="0"/>
-              <a:t>2021-06-08</a:t>
+              <a:t>2021-06-11</a:t>
             </a:fld>
             <a:endParaRPr lang="ko-KR" altLang="en-US"/>
           </a:p>
@@ -2669,7 +2669,7 @@
           <a:p>
             <a:fld id="{9851BF5B-4527-44A9-BCF1-43D07D935C6A}" type="datetimeFigureOut">
               <a:rPr lang="ko-KR" altLang="en-US" smtClean="0"/>
-              <a:t>2021-06-08</a:t>
+              <a:t>2021-06-11</a:t>
             </a:fld>
             <a:endParaRPr lang="ko-KR" altLang="en-US"/>
           </a:p>
@@ -2910,7 +2910,7 @@
           <a:p>
             <a:fld id="{9851BF5B-4527-44A9-BCF1-43D07D935C6A}" type="datetimeFigureOut">
               <a:rPr lang="ko-KR" altLang="en-US" smtClean="0"/>
-              <a:t>2021-06-08</a:t>
+              <a:t>2021-06-11</a:t>
             </a:fld>
             <a:endParaRPr lang="ko-KR" altLang="en-US"/>
           </a:p>
@@ -3364,1128 +3364,6 @@
       </p:sp>
       <p:graphicFrame>
         <p:nvGraphicFramePr>
-          <p:cNvPr id="4" name="표 4">
-            <a:extLst>
-              <a:ext uri="{FF2B5EF4-FFF2-40B4-BE49-F238E27FC236}">
-                <a16:creationId xmlns:a16="http://schemas.microsoft.com/office/drawing/2014/main" id="{E4518EFE-3236-4C3C-B6E2-A4BAA4514EC7}"/>
-              </a:ext>
-            </a:extLst>
-          </p:cNvPr>
-          <p:cNvGraphicFramePr>
-            <a:graphicFrameLocks noGrp="1"/>
-          </p:cNvGraphicFramePr>
-          <p:nvPr>
-            <p:extLst>
-              <p:ext uri="{D42A27DB-BD31-4B8C-83A1-F6EECF244321}">
-                <p14:modId xmlns:p14="http://schemas.microsoft.com/office/powerpoint/2010/main" val="302569458"/>
-              </p:ext>
-            </p:extLst>
-          </p:nvPr>
-        </p:nvGraphicFramePr>
-        <p:xfrm>
-          <a:off x="1588655" y="2020801"/>
-          <a:ext cx="8128000" cy="1939290"/>
-        </p:xfrm>
-        <a:graphic>
-          <a:graphicData uri="http://schemas.openxmlformats.org/drawingml/2006/table">
-            <a:tbl>
-              <a:tblPr firstRow="1" bandRow="1">
-                <a:tableStyleId>{5C22544A-7EE6-4342-B048-85BDC9FD1C3A}</a:tableStyleId>
-              </a:tblPr>
-              <a:tblGrid>
-                <a:gridCol w="2032000">
-                  <a:extLst>
-                    <a:ext uri="{9D8B030D-6E8A-4147-A177-3AD203B41FA5}">
-                      <a16:colId xmlns:a16="http://schemas.microsoft.com/office/drawing/2014/main" val="2704165821"/>
-                    </a:ext>
-                  </a:extLst>
-                </a:gridCol>
-                <a:gridCol w="2032000">
-                  <a:extLst>
-                    <a:ext uri="{9D8B030D-6E8A-4147-A177-3AD203B41FA5}">
-                      <a16:colId xmlns:a16="http://schemas.microsoft.com/office/drawing/2014/main" val="3506547199"/>
-                    </a:ext>
-                  </a:extLst>
-                </a:gridCol>
-                <a:gridCol w="2032000">
-                  <a:extLst>
-                    <a:ext uri="{9D8B030D-6E8A-4147-A177-3AD203B41FA5}">
-                      <a16:colId xmlns:a16="http://schemas.microsoft.com/office/drawing/2014/main" val="1372549931"/>
-                    </a:ext>
-                  </a:extLst>
-                </a:gridCol>
-                <a:gridCol w="2032000">
-                  <a:extLst>
-                    <a:ext uri="{9D8B030D-6E8A-4147-A177-3AD203B41FA5}">
-                      <a16:colId xmlns:a16="http://schemas.microsoft.com/office/drawing/2014/main" val="3791966565"/>
-                    </a:ext>
-                  </a:extLst>
-                </a:gridCol>
-              </a:tblGrid>
-              <a:tr h="494607">
-                <a:tc>
-                  <a:txBody>
-                    <a:bodyPr/>
-                    <a:lstStyle/>
-                    <a:p>
-                      <a:pPr latinLnBrk="1"/>
-                      <a:endParaRPr lang="ko-KR" altLang="en-US" dirty="0"/>
-                    </a:p>
-                  </a:txBody>
-                  <a:tcPr>
-                    <a:lnL w="12700" cap="flat" cmpd="sng" algn="ctr">
-                      <a:solidFill>
-                        <a:schemeClr val="tx1"/>
-                      </a:solidFill>
-                      <a:prstDash val="solid"/>
-                      <a:round/>
-                      <a:headEnd type="none" w="med" len="med"/>
-                      <a:tailEnd type="none" w="med" len="med"/>
-                    </a:lnL>
-                    <a:lnR w="12700" cap="flat" cmpd="sng" algn="ctr">
-                      <a:solidFill>
-                        <a:schemeClr val="tx1"/>
-                      </a:solidFill>
-                      <a:prstDash val="solid"/>
-                      <a:round/>
-                      <a:headEnd type="none" w="med" len="med"/>
-                      <a:tailEnd type="none" w="med" len="med"/>
-                    </a:lnR>
-                    <a:lnT w="12700" cap="flat" cmpd="sng" algn="ctr">
-                      <a:solidFill>
-                        <a:schemeClr val="tx1"/>
-                      </a:solidFill>
-                      <a:prstDash val="solid"/>
-                      <a:round/>
-                      <a:headEnd type="none" w="med" len="med"/>
-                      <a:tailEnd type="none" w="med" len="med"/>
-                    </a:lnT>
-                    <a:lnB w="12700" cap="flat" cmpd="sng" algn="ctr">
-                      <a:solidFill>
-                        <a:schemeClr val="tx1"/>
-                      </a:solidFill>
-                      <a:prstDash val="solid"/>
-                      <a:round/>
-                      <a:headEnd type="none" w="med" len="med"/>
-                      <a:tailEnd type="none" w="med" len="med"/>
-                    </a:lnB>
-                    <a:lnTlToBr w="12700" cmpd="sng">
-                      <a:noFill/>
-                      <a:prstDash val="solid"/>
-                    </a:lnTlToBr>
-                    <a:lnBlToTr w="12700" cmpd="sng">
-                      <a:noFill/>
-                      <a:prstDash val="solid"/>
-                    </a:lnBlToTr>
-                    <a:solidFill>
-                      <a:schemeClr val="bg1"/>
-                    </a:solidFill>
-                  </a:tcPr>
-                </a:tc>
-                <a:tc gridSpan="3">
-                  <a:txBody>
-                    <a:bodyPr/>
-                    <a:lstStyle/>
-                    <a:p>
-                      <a:pPr algn="ctr" latinLnBrk="1">
-                        <a:lnSpc>
-                          <a:spcPct val="150000"/>
-                        </a:lnSpc>
-                      </a:pPr>
-                      <a:r>
-                        <a:rPr lang="ko-KR" altLang="en-US" b="0" dirty="0">
-                          <a:solidFill>
-                            <a:schemeClr val="tx1"/>
-                          </a:solidFill>
-                        </a:rPr>
-                        <a:t>실제</a:t>
-                      </a:r>
-                    </a:p>
-                  </a:txBody>
-                  <a:tcPr>
-                    <a:lnL w="12700" cap="flat" cmpd="sng" algn="ctr">
-                      <a:solidFill>
-                        <a:schemeClr val="tx1"/>
-                      </a:solidFill>
-                      <a:prstDash val="solid"/>
-                      <a:round/>
-                      <a:headEnd type="none" w="med" len="med"/>
-                      <a:tailEnd type="none" w="med" len="med"/>
-                    </a:lnL>
-                    <a:lnR w="12700" cap="flat" cmpd="sng" algn="ctr">
-                      <a:solidFill>
-                        <a:schemeClr val="tx1"/>
-                      </a:solidFill>
-                      <a:prstDash val="solid"/>
-                      <a:round/>
-                      <a:headEnd type="none" w="med" len="med"/>
-                      <a:tailEnd type="none" w="med" len="med"/>
-                    </a:lnR>
-                    <a:lnT w="12700" cap="flat" cmpd="sng" algn="ctr">
-                      <a:solidFill>
-                        <a:schemeClr val="tx1"/>
-                      </a:solidFill>
-                      <a:prstDash val="solid"/>
-                      <a:round/>
-                      <a:headEnd type="none" w="med" len="med"/>
-                      <a:tailEnd type="none" w="med" len="med"/>
-                    </a:lnT>
-                    <a:lnB w="12700" cap="flat" cmpd="sng" algn="ctr">
-                      <a:solidFill>
-                        <a:schemeClr val="tx1"/>
-                      </a:solidFill>
-                      <a:prstDash val="solid"/>
-                      <a:round/>
-                      <a:headEnd type="none" w="med" len="med"/>
-                      <a:tailEnd type="none" w="med" len="med"/>
-                    </a:lnB>
-                    <a:lnTlToBr w="12700" cmpd="sng">
-                      <a:noFill/>
-                      <a:prstDash val="solid"/>
-                    </a:lnTlToBr>
-                    <a:lnBlToTr w="12700" cmpd="sng">
-                      <a:noFill/>
-                      <a:prstDash val="solid"/>
-                    </a:lnBlToTr>
-                    <a:solidFill>
-                      <a:schemeClr val="bg1"/>
-                    </a:solidFill>
-                  </a:tcPr>
-                </a:tc>
-                <a:tc hMerge="1">
-                  <a:txBody>
-                    <a:bodyPr/>
-                    <a:lstStyle/>
-                    <a:p>
-                      <a:pPr latinLnBrk="1"/>
-                      <a:endParaRPr lang="ko-KR" altLang="en-US" dirty="0"/>
-                    </a:p>
-                  </a:txBody>
-                  <a:tcPr>
-                    <a:lnL w="12700" cap="flat" cmpd="sng" algn="ctr">
-                      <a:solidFill>
-                        <a:schemeClr val="tx1"/>
-                      </a:solidFill>
-                      <a:prstDash val="solid"/>
-                      <a:round/>
-                      <a:headEnd type="none" w="med" len="med"/>
-                      <a:tailEnd type="none" w="med" len="med"/>
-                    </a:lnL>
-                    <a:lnR w="12700" cap="flat" cmpd="sng" algn="ctr">
-                      <a:solidFill>
-                        <a:schemeClr val="tx1"/>
-                      </a:solidFill>
-                      <a:prstDash val="solid"/>
-                      <a:round/>
-                      <a:headEnd type="none" w="med" len="med"/>
-                      <a:tailEnd type="none" w="med" len="med"/>
-                    </a:lnR>
-                    <a:lnT w="12700" cap="flat" cmpd="sng" algn="ctr">
-                      <a:solidFill>
-                        <a:schemeClr val="tx1"/>
-                      </a:solidFill>
-                      <a:prstDash val="solid"/>
-                      <a:round/>
-                      <a:headEnd type="none" w="med" len="med"/>
-                      <a:tailEnd type="none" w="med" len="med"/>
-                    </a:lnT>
-                    <a:lnB w="12700" cap="flat" cmpd="sng" algn="ctr">
-                      <a:solidFill>
-                        <a:schemeClr val="tx1"/>
-                      </a:solidFill>
-                      <a:prstDash val="solid"/>
-                      <a:round/>
-                      <a:headEnd type="none" w="med" len="med"/>
-                      <a:tailEnd type="none" w="med" len="med"/>
-                    </a:lnB>
-                    <a:lnTlToBr w="12700" cmpd="sng">
-                      <a:noFill/>
-                      <a:prstDash val="solid"/>
-                    </a:lnTlToBr>
-                    <a:lnBlToTr w="12700" cmpd="sng">
-                      <a:noFill/>
-                      <a:prstDash val="solid"/>
-                    </a:lnBlToTr>
-                    <a:solidFill>
-                      <a:schemeClr val="bg1"/>
-                    </a:solidFill>
-                  </a:tcPr>
-                </a:tc>
-                <a:tc hMerge="1">
-                  <a:txBody>
-                    <a:bodyPr/>
-                    <a:lstStyle/>
-                    <a:p>
-                      <a:pPr latinLnBrk="1"/>
-                      <a:endParaRPr lang="ko-KR" altLang="en-US" dirty="0"/>
-                    </a:p>
-                  </a:txBody>
-                  <a:tcPr>
-                    <a:lnL w="12700" cap="flat" cmpd="sng" algn="ctr">
-                      <a:solidFill>
-                        <a:schemeClr val="tx1"/>
-                      </a:solidFill>
-                      <a:prstDash val="solid"/>
-                      <a:round/>
-                      <a:headEnd type="none" w="med" len="med"/>
-                      <a:tailEnd type="none" w="med" len="med"/>
-                    </a:lnL>
-                    <a:lnR w="12700" cap="flat" cmpd="sng" algn="ctr">
-                      <a:solidFill>
-                        <a:schemeClr val="tx1"/>
-                      </a:solidFill>
-                      <a:prstDash val="solid"/>
-                      <a:round/>
-                      <a:headEnd type="none" w="med" len="med"/>
-                      <a:tailEnd type="none" w="med" len="med"/>
-                    </a:lnR>
-                    <a:lnT w="12700" cap="flat" cmpd="sng" algn="ctr">
-                      <a:solidFill>
-                        <a:schemeClr val="tx1"/>
-                      </a:solidFill>
-                      <a:prstDash val="solid"/>
-                      <a:round/>
-                      <a:headEnd type="none" w="med" len="med"/>
-                      <a:tailEnd type="none" w="med" len="med"/>
-                    </a:lnT>
-                    <a:lnB w="12700" cap="flat" cmpd="sng" algn="ctr">
-                      <a:solidFill>
-                        <a:schemeClr val="tx1"/>
-                      </a:solidFill>
-                      <a:prstDash val="solid"/>
-                      <a:round/>
-                      <a:headEnd type="none" w="med" len="med"/>
-                      <a:tailEnd type="none" w="med" len="med"/>
-                    </a:lnB>
-                    <a:lnTlToBr w="12700" cmpd="sng">
-                      <a:noFill/>
-                      <a:prstDash val="solid"/>
-                    </a:lnTlToBr>
-                    <a:lnBlToTr w="12700" cmpd="sng">
-                      <a:noFill/>
-                      <a:prstDash val="solid"/>
-                    </a:lnBlToTr>
-                    <a:solidFill>
-                      <a:schemeClr val="bg1"/>
-                    </a:solidFill>
-                  </a:tcPr>
-                </a:tc>
-                <a:extLst>
-                  <a:ext uri="{0D108BD9-81ED-4DB2-BD59-A6C34878D82A}">
-                    <a16:rowId xmlns:a16="http://schemas.microsoft.com/office/drawing/2014/main" val="774118287"/>
-                  </a:ext>
-                </a:extLst>
-              </a:tr>
-              <a:tr h="481561">
-                <a:tc rowSpan="3">
-                  <a:txBody>
-                    <a:bodyPr/>
-                    <a:lstStyle/>
-                    <a:p>
-                      <a:pPr algn="ctr" latinLnBrk="1"/>
-                      <a:endParaRPr lang="en-US" altLang="ko-KR" dirty="0"/>
-                    </a:p>
-                    <a:p>
-                      <a:pPr algn="ctr" latinLnBrk="1"/>
-                      <a:endParaRPr lang="en-US" altLang="ko-KR" dirty="0"/>
-                    </a:p>
-                    <a:p>
-                      <a:pPr algn="ctr" latinLnBrk="1"/>
-                      <a:r>
-                        <a:rPr lang="ko-KR" altLang="en-US" dirty="0"/>
-                        <a:t>예측</a:t>
-                      </a:r>
-                    </a:p>
-                  </a:txBody>
-                  <a:tcPr>
-                    <a:lnL w="12700" cap="flat" cmpd="sng" algn="ctr">
-                      <a:solidFill>
-                        <a:schemeClr val="tx1"/>
-                      </a:solidFill>
-                      <a:prstDash val="solid"/>
-                      <a:round/>
-                      <a:headEnd type="none" w="med" len="med"/>
-                      <a:tailEnd type="none" w="med" len="med"/>
-                    </a:lnL>
-                    <a:lnR w="12700" cap="flat" cmpd="sng" algn="ctr">
-                      <a:solidFill>
-                        <a:schemeClr val="tx1"/>
-                      </a:solidFill>
-                      <a:prstDash val="solid"/>
-                      <a:round/>
-                      <a:headEnd type="none" w="med" len="med"/>
-                      <a:tailEnd type="none" w="med" len="med"/>
-                    </a:lnR>
-                    <a:lnT w="12700" cap="flat" cmpd="sng" algn="ctr">
-                      <a:solidFill>
-                        <a:schemeClr val="tx1"/>
-                      </a:solidFill>
-                      <a:prstDash val="solid"/>
-                      <a:round/>
-                      <a:headEnd type="none" w="med" len="med"/>
-                      <a:tailEnd type="none" w="med" len="med"/>
-                    </a:lnT>
-                    <a:lnB w="12700" cap="flat" cmpd="sng" algn="ctr">
-                      <a:solidFill>
-                        <a:schemeClr val="tx1"/>
-                      </a:solidFill>
-                      <a:prstDash val="solid"/>
-                      <a:round/>
-                      <a:headEnd type="none" w="med" len="med"/>
-                      <a:tailEnd type="none" w="med" len="med"/>
-                    </a:lnB>
-                    <a:lnTlToBr w="12700" cmpd="sng">
-                      <a:noFill/>
-                      <a:prstDash val="solid"/>
-                    </a:lnTlToBr>
-                    <a:lnBlToTr w="12700" cmpd="sng">
-                      <a:noFill/>
-                      <a:prstDash val="solid"/>
-                    </a:lnBlToTr>
-                    <a:solidFill>
-                      <a:schemeClr val="bg1"/>
-                    </a:solidFill>
-                  </a:tcPr>
-                </a:tc>
-                <a:tc>
-                  <a:txBody>
-                    <a:bodyPr/>
-                    <a:lstStyle/>
-                    <a:p>
-                      <a:pPr algn="ctr" latinLnBrk="1"/>
-                      <a:endParaRPr lang="ko-KR" altLang="en-US" dirty="0"/>
-                    </a:p>
-                  </a:txBody>
-                  <a:tcPr>
-                    <a:lnL w="12700" cap="flat" cmpd="sng" algn="ctr">
-                      <a:solidFill>
-                        <a:schemeClr val="tx1"/>
-                      </a:solidFill>
-                      <a:prstDash val="solid"/>
-                      <a:round/>
-                      <a:headEnd type="none" w="med" len="med"/>
-                      <a:tailEnd type="none" w="med" len="med"/>
-                    </a:lnL>
-                    <a:lnR w="12700" cap="flat" cmpd="sng" algn="ctr">
-                      <a:solidFill>
-                        <a:schemeClr val="tx1"/>
-                      </a:solidFill>
-                      <a:prstDash val="solid"/>
-                      <a:round/>
-                      <a:headEnd type="none" w="med" len="med"/>
-                      <a:tailEnd type="none" w="med" len="med"/>
-                    </a:lnR>
-                    <a:lnT w="12700" cap="flat" cmpd="sng" algn="ctr">
-                      <a:solidFill>
-                        <a:schemeClr val="tx1"/>
-                      </a:solidFill>
-                      <a:prstDash val="solid"/>
-                      <a:round/>
-                      <a:headEnd type="none" w="med" len="med"/>
-                      <a:tailEnd type="none" w="med" len="med"/>
-                    </a:lnT>
-                    <a:lnB w="12700" cap="flat" cmpd="sng" algn="ctr">
-                      <a:solidFill>
-                        <a:schemeClr val="tx1"/>
-                      </a:solidFill>
-                      <a:prstDash val="solid"/>
-                      <a:round/>
-                      <a:headEnd type="none" w="med" len="med"/>
-                      <a:tailEnd type="none" w="med" len="med"/>
-                    </a:lnB>
-                    <a:lnTlToBr w="12700" cmpd="sng">
-                      <a:noFill/>
-                      <a:prstDash val="solid"/>
-                    </a:lnTlToBr>
-                    <a:lnBlToTr w="12700" cmpd="sng">
-                      <a:noFill/>
-                      <a:prstDash val="solid"/>
-                    </a:lnBlToTr>
-                    <a:solidFill>
-                      <a:schemeClr val="bg1"/>
-                    </a:solidFill>
-                  </a:tcPr>
-                </a:tc>
-                <a:tc>
-                  <a:txBody>
-                    <a:bodyPr/>
-                    <a:lstStyle/>
-                    <a:p>
-                      <a:pPr algn="ctr" latinLnBrk="1"/>
-                      <a:r>
-                        <a:rPr lang="en-US" altLang="ko-KR" dirty="0"/>
-                        <a:t>Positive</a:t>
-                      </a:r>
-                      <a:endParaRPr lang="ko-KR" altLang="en-US" dirty="0"/>
-                    </a:p>
-                  </a:txBody>
-                  <a:tcPr>
-                    <a:lnL w="12700" cap="flat" cmpd="sng" algn="ctr">
-                      <a:solidFill>
-                        <a:schemeClr val="tx1"/>
-                      </a:solidFill>
-                      <a:prstDash val="solid"/>
-                      <a:round/>
-                      <a:headEnd type="none" w="med" len="med"/>
-                      <a:tailEnd type="none" w="med" len="med"/>
-                    </a:lnL>
-                    <a:lnR w="12700" cap="flat" cmpd="sng" algn="ctr">
-                      <a:solidFill>
-                        <a:schemeClr val="tx1"/>
-                      </a:solidFill>
-                      <a:prstDash val="solid"/>
-                      <a:round/>
-                      <a:headEnd type="none" w="med" len="med"/>
-                      <a:tailEnd type="none" w="med" len="med"/>
-                    </a:lnR>
-                    <a:lnT w="12700" cap="flat" cmpd="sng" algn="ctr">
-                      <a:solidFill>
-                        <a:schemeClr val="tx1"/>
-                      </a:solidFill>
-                      <a:prstDash val="solid"/>
-                      <a:round/>
-                      <a:headEnd type="none" w="med" len="med"/>
-                      <a:tailEnd type="none" w="med" len="med"/>
-                    </a:lnT>
-                    <a:lnB w="12700" cap="flat" cmpd="sng" algn="ctr">
-                      <a:solidFill>
-                        <a:schemeClr val="tx1"/>
-                      </a:solidFill>
-                      <a:prstDash val="solid"/>
-                      <a:round/>
-                      <a:headEnd type="none" w="med" len="med"/>
-                      <a:tailEnd type="none" w="med" len="med"/>
-                    </a:lnB>
-                    <a:lnTlToBr w="12700" cmpd="sng">
-                      <a:noFill/>
-                      <a:prstDash val="solid"/>
-                    </a:lnTlToBr>
-                    <a:lnBlToTr w="12700" cmpd="sng">
-                      <a:noFill/>
-                      <a:prstDash val="solid"/>
-                    </a:lnBlToTr>
-                    <a:solidFill>
-                      <a:schemeClr val="bg1"/>
-                    </a:solidFill>
-                  </a:tcPr>
-                </a:tc>
-                <a:tc>
-                  <a:txBody>
-                    <a:bodyPr/>
-                    <a:lstStyle/>
-                    <a:p>
-                      <a:pPr algn="ctr" latinLnBrk="1"/>
-                      <a:r>
-                        <a:rPr lang="en-US" altLang="ko-KR" dirty="0"/>
-                        <a:t>Negative</a:t>
-                      </a:r>
-                      <a:endParaRPr lang="ko-KR" altLang="en-US" dirty="0"/>
-                    </a:p>
-                  </a:txBody>
-                  <a:tcPr>
-                    <a:lnL w="12700" cap="flat" cmpd="sng" algn="ctr">
-                      <a:solidFill>
-                        <a:schemeClr val="tx1"/>
-                      </a:solidFill>
-                      <a:prstDash val="solid"/>
-                      <a:round/>
-                      <a:headEnd type="none" w="med" len="med"/>
-                      <a:tailEnd type="none" w="med" len="med"/>
-                    </a:lnL>
-                    <a:lnR w="12700" cap="flat" cmpd="sng" algn="ctr">
-                      <a:solidFill>
-                        <a:schemeClr val="tx1"/>
-                      </a:solidFill>
-                      <a:prstDash val="solid"/>
-                      <a:round/>
-                      <a:headEnd type="none" w="med" len="med"/>
-                      <a:tailEnd type="none" w="med" len="med"/>
-                    </a:lnR>
-                    <a:lnT w="12700" cap="flat" cmpd="sng" algn="ctr">
-                      <a:solidFill>
-                        <a:schemeClr val="tx1"/>
-                      </a:solidFill>
-                      <a:prstDash val="solid"/>
-                      <a:round/>
-                      <a:headEnd type="none" w="med" len="med"/>
-                      <a:tailEnd type="none" w="med" len="med"/>
-                    </a:lnT>
-                    <a:lnB w="12700" cap="flat" cmpd="sng" algn="ctr">
-                      <a:solidFill>
-                        <a:schemeClr val="tx1"/>
-                      </a:solidFill>
-                      <a:prstDash val="solid"/>
-                      <a:round/>
-                      <a:headEnd type="none" w="med" len="med"/>
-                      <a:tailEnd type="none" w="med" len="med"/>
-                    </a:lnB>
-                    <a:lnTlToBr w="12700" cmpd="sng">
-                      <a:noFill/>
-                      <a:prstDash val="solid"/>
-                    </a:lnTlToBr>
-                    <a:lnBlToTr w="12700" cmpd="sng">
-                      <a:noFill/>
-                      <a:prstDash val="solid"/>
-                    </a:lnBlToTr>
-                    <a:solidFill>
-                      <a:schemeClr val="bg1"/>
-                    </a:solidFill>
-                  </a:tcPr>
-                </a:tc>
-                <a:extLst>
-                  <a:ext uri="{0D108BD9-81ED-4DB2-BD59-A6C34878D82A}">
-                    <a16:rowId xmlns:a16="http://schemas.microsoft.com/office/drawing/2014/main" val="1211633601"/>
-                  </a:ext>
-                </a:extLst>
-              </a:tr>
-              <a:tr h="481561">
-                <a:tc vMerge="1">
-                  <a:txBody>
-                    <a:bodyPr/>
-                    <a:lstStyle/>
-                    <a:p>
-                      <a:pPr latinLnBrk="1"/>
-                      <a:endParaRPr lang="ko-KR" altLang="en-US" dirty="0"/>
-                    </a:p>
-                  </a:txBody>
-                  <a:tcPr>
-                    <a:lnL w="12700" cap="flat" cmpd="sng" algn="ctr">
-                      <a:solidFill>
-                        <a:schemeClr val="tx1"/>
-                      </a:solidFill>
-                      <a:prstDash val="solid"/>
-                      <a:round/>
-                      <a:headEnd type="none" w="med" len="med"/>
-                      <a:tailEnd type="none" w="med" len="med"/>
-                    </a:lnL>
-                    <a:lnR w="12700" cap="flat" cmpd="sng" algn="ctr">
-                      <a:solidFill>
-                        <a:schemeClr val="tx1"/>
-                      </a:solidFill>
-                      <a:prstDash val="solid"/>
-                      <a:round/>
-                      <a:headEnd type="none" w="med" len="med"/>
-                      <a:tailEnd type="none" w="med" len="med"/>
-                    </a:lnR>
-                    <a:lnT w="12700" cap="flat" cmpd="sng" algn="ctr">
-                      <a:solidFill>
-                        <a:schemeClr val="tx1"/>
-                      </a:solidFill>
-                      <a:prstDash val="solid"/>
-                      <a:round/>
-                      <a:headEnd type="none" w="med" len="med"/>
-                      <a:tailEnd type="none" w="med" len="med"/>
-                    </a:lnT>
-                    <a:lnB w="12700" cap="flat" cmpd="sng" algn="ctr">
-                      <a:solidFill>
-                        <a:schemeClr val="tx1"/>
-                      </a:solidFill>
-                      <a:prstDash val="solid"/>
-                      <a:round/>
-                      <a:headEnd type="none" w="med" len="med"/>
-                      <a:tailEnd type="none" w="med" len="med"/>
-                    </a:lnB>
-                    <a:lnTlToBr w="12700" cmpd="sng">
-                      <a:noFill/>
-                      <a:prstDash val="solid"/>
-                    </a:lnTlToBr>
-                    <a:lnBlToTr w="12700" cmpd="sng">
-                      <a:noFill/>
-                      <a:prstDash val="solid"/>
-                    </a:lnBlToTr>
-                    <a:solidFill>
-                      <a:schemeClr val="bg1"/>
-                    </a:solidFill>
-                  </a:tcPr>
-                </a:tc>
-                <a:tc>
-                  <a:txBody>
-                    <a:bodyPr/>
-                    <a:lstStyle/>
-                    <a:p>
-                      <a:pPr algn="ctr" latinLnBrk="1"/>
-                      <a:r>
-                        <a:rPr lang="en-US" altLang="ko-KR" dirty="0"/>
-                        <a:t>Positive</a:t>
-                      </a:r>
-                      <a:endParaRPr lang="ko-KR" altLang="en-US" dirty="0"/>
-                    </a:p>
-                  </a:txBody>
-                  <a:tcPr>
-                    <a:lnL w="12700" cap="flat" cmpd="sng" algn="ctr">
-                      <a:solidFill>
-                        <a:schemeClr val="tx1"/>
-                      </a:solidFill>
-                      <a:prstDash val="solid"/>
-                      <a:round/>
-                      <a:headEnd type="none" w="med" len="med"/>
-                      <a:tailEnd type="none" w="med" len="med"/>
-                    </a:lnL>
-                    <a:lnR w="12700" cap="flat" cmpd="sng" algn="ctr">
-                      <a:solidFill>
-                        <a:schemeClr val="tx1"/>
-                      </a:solidFill>
-                      <a:prstDash val="solid"/>
-                      <a:round/>
-                      <a:headEnd type="none" w="med" len="med"/>
-                      <a:tailEnd type="none" w="med" len="med"/>
-                    </a:lnR>
-                    <a:lnT w="12700" cap="flat" cmpd="sng" algn="ctr">
-                      <a:solidFill>
-                        <a:schemeClr val="tx1"/>
-                      </a:solidFill>
-                      <a:prstDash val="solid"/>
-                      <a:round/>
-                      <a:headEnd type="none" w="med" len="med"/>
-                      <a:tailEnd type="none" w="med" len="med"/>
-                    </a:lnT>
-                    <a:lnB w="12700" cap="flat" cmpd="sng" algn="ctr">
-                      <a:solidFill>
-                        <a:schemeClr val="tx1"/>
-                      </a:solidFill>
-                      <a:prstDash val="solid"/>
-                      <a:round/>
-                      <a:headEnd type="none" w="med" len="med"/>
-                      <a:tailEnd type="none" w="med" len="med"/>
-                    </a:lnB>
-                    <a:lnTlToBr w="12700" cmpd="sng">
-                      <a:noFill/>
-                      <a:prstDash val="solid"/>
-                    </a:lnTlToBr>
-                    <a:lnBlToTr w="12700" cmpd="sng">
-                      <a:noFill/>
-                      <a:prstDash val="solid"/>
-                    </a:lnBlToTr>
-                    <a:solidFill>
-                      <a:schemeClr val="bg1"/>
-                    </a:solidFill>
-                  </a:tcPr>
-                </a:tc>
-                <a:tc>
-                  <a:txBody>
-                    <a:bodyPr/>
-                    <a:lstStyle/>
-                    <a:p>
-                      <a:pPr algn="ctr" latinLnBrk="1"/>
-                      <a:r>
-                        <a:rPr lang="en-US" altLang="ko-KR" dirty="0"/>
-                        <a:t>TP</a:t>
-                      </a:r>
-                      <a:endParaRPr lang="ko-KR" altLang="en-US" dirty="0"/>
-                    </a:p>
-                  </a:txBody>
-                  <a:tcPr>
-                    <a:lnL w="12700" cap="flat" cmpd="sng" algn="ctr">
-                      <a:solidFill>
-                        <a:schemeClr val="tx1"/>
-                      </a:solidFill>
-                      <a:prstDash val="solid"/>
-                      <a:round/>
-                      <a:headEnd type="none" w="med" len="med"/>
-                      <a:tailEnd type="none" w="med" len="med"/>
-                    </a:lnL>
-                    <a:lnR w="12700" cap="flat" cmpd="sng" algn="ctr">
-                      <a:solidFill>
-                        <a:schemeClr val="tx1"/>
-                      </a:solidFill>
-                      <a:prstDash val="solid"/>
-                      <a:round/>
-                      <a:headEnd type="none" w="med" len="med"/>
-                      <a:tailEnd type="none" w="med" len="med"/>
-                    </a:lnR>
-                    <a:lnT w="12700" cap="flat" cmpd="sng" algn="ctr">
-                      <a:solidFill>
-                        <a:schemeClr val="tx1"/>
-                      </a:solidFill>
-                      <a:prstDash val="solid"/>
-                      <a:round/>
-                      <a:headEnd type="none" w="med" len="med"/>
-                      <a:tailEnd type="none" w="med" len="med"/>
-                    </a:lnT>
-                    <a:lnB w="12700" cap="flat" cmpd="sng" algn="ctr">
-                      <a:solidFill>
-                        <a:schemeClr val="tx1"/>
-                      </a:solidFill>
-                      <a:prstDash val="solid"/>
-                      <a:round/>
-                      <a:headEnd type="none" w="med" len="med"/>
-                      <a:tailEnd type="none" w="med" len="med"/>
-                    </a:lnB>
-                    <a:lnTlToBr w="12700" cmpd="sng">
-                      <a:noFill/>
-                      <a:prstDash val="solid"/>
-                    </a:lnTlToBr>
-                    <a:lnBlToTr w="12700" cmpd="sng">
-                      <a:noFill/>
-                      <a:prstDash val="solid"/>
-                    </a:lnBlToTr>
-                    <a:solidFill>
-                      <a:schemeClr val="bg1"/>
-                    </a:solidFill>
-                  </a:tcPr>
-                </a:tc>
-                <a:tc>
-                  <a:txBody>
-                    <a:bodyPr/>
-                    <a:lstStyle/>
-                    <a:p>
-                      <a:pPr algn="ctr" latinLnBrk="1"/>
-                      <a:r>
-                        <a:rPr lang="en-US" altLang="ko-KR" dirty="0"/>
-                        <a:t>FP(</a:t>
-                      </a:r>
-                      <a:r>
-                        <a:rPr lang="ko-KR" altLang="en-US" dirty="0"/>
-                        <a:t>제 </a:t>
-                      </a:r>
-                      <a:r>
-                        <a:rPr lang="en-US" altLang="ko-KR" dirty="0"/>
-                        <a:t>1</a:t>
-                      </a:r>
-                      <a:r>
-                        <a:rPr lang="ko-KR" altLang="en-US" dirty="0"/>
-                        <a:t>종 오류</a:t>
-                      </a:r>
-                      <a:r>
-                        <a:rPr lang="en-US" altLang="ko-KR" dirty="0"/>
-                        <a:t>)</a:t>
-                      </a:r>
-                      <a:endParaRPr lang="ko-KR" altLang="en-US" dirty="0"/>
-                    </a:p>
-                  </a:txBody>
-                  <a:tcPr>
-                    <a:lnL w="12700" cap="flat" cmpd="sng" algn="ctr">
-                      <a:solidFill>
-                        <a:schemeClr val="tx1"/>
-                      </a:solidFill>
-                      <a:prstDash val="solid"/>
-                      <a:round/>
-                      <a:headEnd type="none" w="med" len="med"/>
-                      <a:tailEnd type="none" w="med" len="med"/>
-                    </a:lnL>
-                    <a:lnR w="12700" cap="flat" cmpd="sng" algn="ctr">
-                      <a:solidFill>
-                        <a:schemeClr val="tx1"/>
-                      </a:solidFill>
-                      <a:prstDash val="solid"/>
-                      <a:round/>
-                      <a:headEnd type="none" w="med" len="med"/>
-                      <a:tailEnd type="none" w="med" len="med"/>
-                    </a:lnR>
-                    <a:lnT w="12700" cap="flat" cmpd="sng" algn="ctr">
-                      <a:solidFill>
-                        <a:schemeClr val="tx1"/>
-                      </a:solidFill>
-                      <a:prstDash val="solid"/>
-                      <a:round/>
-                      <a:headEnd type="none" w="med" len="med"/>
-                      <a:tailEnd type="none" w="med" len="med"/>
-                    </a:lnT>
-                    <a:lnB w="12700" cap="flat" cmpd="sng" algn="ctr">
-                      <a:solidFill>
-                        <a:schemeClr val="tx1"/>
-                      </a:solidFill>
-                      <a:prstDash val="solid"/>
-                      <a:round/>
-                      <a:headEnd type="none" w="med" len="med"/>
-                      <a:tailEnd type="none" w="med" len="med"/>
-                    </a:lnB>
-                    <a:lnTlToBr w="12700" cmpd="sng">
-                      <a:noFill/>
-                      <a:prstDash val="solid"/>
-                    </a:lnTlToBr>
-                    <a:lnBlToTr w="12700" cmpd="sng">
-                      <a:noFill/>
-                      <a:prstDash val="solid"/>
-                    </a:lnBlToTr>
-                    <a:solidFill>
-                      <a:schemeClr val="bg1"/>
-                    </a:solidFill>
-                  </a:tcPr>
-                </a:tc>
-                <a:extLst>
-                  <a:ext uri="{0D108BD9-81ED-4DB2-BD59-A6C34878D82A}">
-                    <a16:rowId xmlns:a16="http://schemas.microsoft.com/office/drawing/2014/main" val="1075509519"/>
-                  </a:ext>
-                </a:extLst>
-              </a:tr>
-              <a:tr h="481561">
-                <a:tc vMerge="1">
-                  <a:txBody>
-                    <a:bodyPr/>
-                    <a:lstStyle/>
-                    <a:p>
-                      <a:pPr latinLnBrk="1"/>
-                      <a:endParaRPr lang="ko-KR" altLang="en-US" dirty="0"/>
-                    </a:p>
-                  </a:txBody>
-                  <a:tcPr>
-                    <a:lnL w="12700" cap="flat" cmpd="sng" algn="ctr">
-                      <a:solidFill>
-                        <a:schemeClr val="tx1"/>
-                      </a:solidFill>
-                      <a:prstDash val="solid"/>
-                      <a:round/>
-                      <a:headEnd type="none" w="med" len="med"/>
-                      <a:tailEnd type="none" w="med" len="med"/>
-                    </a:lnL>
-                    <a:lnR w="12700" cap="flat" cmpd="sng" algn="ctr">
-                      <a:solidFill>
-                        <a:schemeClr val="tx1"/>
-                      </a:solidFill>
-                      <a:prstDash val="solid"/>
-                      <a:round/>
-                      <a:headEnd type="none" w="med" len="med"/>
-                      <a:tailEnd type="none" w="med" len="med"/>
-                    </a:lnR>
-                    <a:lnT w="12700" cap="flat" cmpd="sng" algn="ctr">
-                      <a:solidFill>
-                        <a:schemeClr val="tx1"/>
-                      </a:solidFill>
-                      <a:prstDash val="solid"/>
-                      <a:round/>
-                      <a:headEnd type="none" w="med" len="med"/>
-                      <a:tailEnd type="none" w="med" len="med"/>
-                    </a:lnT>
-                    <a:lnB w="12700" cap="flat" cmpd="sng" algn="ctr">
-                      <a:solidFill>
-                        <a:schemeClr val="tx1"/>
-                      </a:solidFill>
-                      <a:prstDash val="solid"/>
-                      <a:round/>
-                      <a:headEnd type="none" w="med" len="med"/>
-                      <a:tailEnd type="none" w="med" len="med"/>
-                    </a:lnB>
-                    <a:lnTlToBr w="12700" cmpd="sng">
-                      <a:noFill/>
-                      <a:prstDash val="solid"/>
-                    </a:lnTlToBr>
-                    <a:lnBlToTr w="12700" cmpd="sng">
-                      <a:noFill/>
-                      <a:prstDash val="solid"/>
-                    </a:lnBlToTr>
-                    <a:solidFill>
-                      <a:schemeClr val="bg1"/>
-                    </a:solidFill>
-                  </a:tcPr>
-                </a:tc>
-                <a:tc>
-                  <a:txBody>
-                    <a:bodyPr/>
-                    <a:lstStyle/>
-                    <a:p>
-                      <a:pPr algn="ctr" latinLnBrk="1"/>
-                      <a:r>
-                        <a:rPr lang="en-US" altLang="ko-KR" dirty="0"/>
-                        <a:t>Negative</a:t>
-                      </a:r>
-                      <a:endParaRPr lang="ko-KR" altLang="en-US" dirty="0"/>
-                    </a:p>
-                  </a:txBody>
-                  <a:tcPr>
-                    <a:lnL w="12700" cap="flat" cmpd="sng" algn="ctr">
-                      <a:solidFill>
-                        <a:schemeClr val="tx1"/>
-                      </a:solidFill>
-                      <a:prstDash val="solid"/>
-                      <a:round/>
-                      <a:headEnd type="none" w="med" len="med"/>
-                      <a:tailEnd type="none" w="med" len="med"/>
-                    </a:lnL>
-                    <a:lnR w="12700" cap="flat" cmpd="sng" algn="ctr">
-                      <a:solidFill>
-                        <a:schemeClr val="tx1"/>
-                      </a:solidFill>
-                      <a:prstDash val="solid"/>
-                      <a:round/>
-                      <a:headEnd type="none" w="med" len="med"/>
-                      <a:tailEnd type="none" w="med" len="med"/>
-                    </a:lnR>
-                    <a:lnT w="12700" cap="flat" cmpd="sng" algn="ctr">
-                      <a:solidFill>
-                        <a:schemeClr val="tx1"/>
-                      </a:solidFill>
-                      <a:prstDash val="solid"/>
-                      <a:round/>
-                      <a:headEnd type="none" w="med" len="med"/>
-                      <a:tailEnd type="none" w="med" len="med"/>
-                    </a:lnT>
-                    <a:lnB w="12700" cap="flat" cmpd="sng" algn="ctr">
-                      <a:solidFill>
-                        <a:schemeClr val="tx1"/>
-                      </a:solidFill>
-                      <a:prstDash val="solid"/>
-                      <a:round/>
-                      <a:headEnd type="none" w="med" len="med"/>
-                      <a:tailEnd type="none" w="med" len="med"/>
-                    </a:lnB>
-                    <a:lnTlToBr w="12700" cmpd="sng">
-                      <a:noFill/>
-                      <a:prstDash val="solid"/>
-                    </a:lnTlToBr>
-                    <a:lnBlToTr w="12700" cmpd="sng">
-                      <a:noFill/>
-                      <a:prstDash val="solid"/>
-                    </a:lnBlToTr>
-                    <a:solidFill>
-                      <a:schemeClr val="bg1"/>
-                    </a:solidFill>
-                  </a:tcPr>
-                </a:tc>
-                <a:tc>
-                  <a:txBody>
-                    <a:bodyPr/>
-                    <a:lstStyle/>
-                    <a:p>
-                      <a:pPr algn="ctr" latinLnBrk="1"/>
-                      <a:r>
-                        <a:rPr lang="en-US" altLang="ko-KR" dirty="0"/>
-                        <a:t>FN(</a:t>
-                      </a:r>
-                      <a:r>
-                        <a:rPr lang="ko-KR" altLang="en-US" dirty="0"/>
-                        <a:t>제 </a:t>
-                      </a:r>
-                      <a:r>
-                        <a:rPr lang="en-US" altLang="ko-KR" dirty="0"/>
-                        <a:t>2</a:t>
-                      </a:r>
-                      <a:r>
-                        <a:rPr lang="ko-KR" altLang="en-US" dirty="0"/>
-                        <a:t>종 오류</a:t>
-                      </a:r>
-                      <a:r>
-                        <a:rPr lang="en-US" altLang="ko-KR" dirty="0"/>
-                        <a:t>)</a:t>
-                      </a:r>
-                      <a:endParaRPr lang="ko-KR" altLang="en-US" dirty="0"/>
-                    </a:p>
-                  </a:txBody>
-                  <a:tcPr>
-                    <a:lnL w="12700" cap="flat" cmpd="sng" algn="ctr">
-                      <a:solidFill>
-                        <a:schemeClr val="tx1"/>
-                      </a:solidFill>
-                      <a:prstDash val="solid"/>
-                      <a:round/>
-                      <a:headEnd type="none" w="med" len="med"/>
-                      <a:tailEnd type="none" w="med" len="med"/>
-                    </a:lnL>
-                    <a:lnR w="12700" cap="flat" cmpd="sng" algn="ctr">
-                      <a:solidFill>
-                        <a:schemeClr val="tx1"/>
-                      </a:solidFill>
-                      <a:prstDash val="solid"/>
-                      <a:round/>
-                      <a:headEnd type="none" w="med" len="med"/>
-                      <a:tailEnd type="none" w="med" len="med"/>
-                    </a:lnR>
-                    <a:lnT w="12700" cap="flat" cmpd="sng" algn="ctr">
-                      <a:solidFill>
-                        <a:schemeClr val="tx1"/>
-                      </a:solidFill>
-                      <a:prstDash val="solid"/>
-                      <a:round/>
-                      <a:headEnd type="none" w="med" len="med"/>
-                      <a:tailEnd type="none" w="med" len="med"/>
-                    </a:lnT>
-                    <a:lnB w="12700" cap="flat" cmpd="sng" algn="ctr">
-                      <a:solidFill>
-                        <a:schemeClr val="tx1"/>
-                      </a:solidFill>
-                      <a:prstDash val="solid"/>
-                      <a:round/>
-                      <a:headEnd type="none" w="med" len="med"/>
-                      <a:tailEnd type="none" w="med" len="med"/>
-                    </a:lnB>
-                    <a:lnTlToBr w="12700" cmpd="sng">
-                      <a:noFill/>
-                      <a:prstDash val="solid"/>
-                    </a:lnTlToBr>
-                    <a:lnBlToTr w="12700" cmpd="sng">
-                      <a:noFill/>
-                      <a:prstDash val="solid"/>
-                    </a:lnBlToTr>
-                    <a:solidFill>
-                      <a:schemeClr val="bg1"/>
-                    </a:solidFill>
-                  </a:tcPr>
-                </a:tc>
-                <a:tc>
-                  <a:txBody>
-                    <a:bodyPr/>
-                    <a:lstStyle/>
-                    <a:p>
-                      <a:pPr algn="ctr" latinLnBrk="1"/>
-                      <a:r>
-                        <a:rPr lang="en-US" altLang="ko-KR" dirty="0"/>
-                        <a:t>TN</a:t>
-                      </a:r>
-                      <a:endParaRPr lang="ko-KR" altLang="en-US" dirty="0"/>
-                    </a:p>
-                  </a:txBody>
-                  <a:tcPr>
-                    <a:lnL w="12700" cap="flat" cmpd="sng" algn="ctr">
-                      <a:solidFill>
-                        <a:schemeClr val="tx1"/>
-                      </a:solidFill>
-                      <a:prstDash val="solid"/>
-                      <a:round/>
-                      <a:headEnd type="none" w="med" len="med"/>
-                      <a:tailEnd type="none" w="med" len="med"/>
-                    </a:lnL>
-                    <a:lnR w="12700" cap="flat" cmpd="sng" algn="ctr">
-                      <a:solidFill>
-                        <a:schemeClr val="tx1"/>
-                      </a:solidFill>
-                      <a:prstDash val="solid"/>
-                      <a:round/>
-                      <a:headEnd type="none" w="med" len="med"/>
-                      <a:tailEnd type="none" w="med" len="med"/>
-                    </a:lnR>
-                    <a:lnT w="12700" cap="flat" cmpd="sng" algn="ctr">
-                      <a:solidFill>
-                        <a:schemeClr val="tx1"/>
-                      </a:solidFill>
-                      <a:prstDash val="solid"/>
-                      <a:round/>
-                      <a:headEnd type="none" w="med" len="med"/>
-                      <a:tailEnd type="none" w="med" len="med"/>
-                    </a:lnT>
-                    <a:lnB w="12700" cap="flat" cmpd="sng" algn="ctr">
-                      <a:solidFill>
-                        <a:schemeClr val="tx1"/>
-                      </a:solidFill>
-                      <a:prstDash val="solid"/>
-                      <a:round/>
-                      <a:headEnd type="none" w="med" len="med"/>
-                      <a:tailEnd type="none" w="med" len="med"/>
-                    </a:lnB>
-                    <a:lnTlToBr w="12700" cmpd="sng">
-                      <a:noFill/>
-                      <a:prstDash val="solid"/>
-                    </a:lnTlToBr>
-                    <a:lnBlToTr w="12700" cmpd="sng">
-                      <a:noFill/>
-                      <a:prstDash val="solid"/>
-                    </a:lnBlToTr>
-                    <a:solidFill>
-                      <a:schemeClr val="bg1"/>
-                    </a:solidFill>
-                  </a:tcPr>
-                </a:tc>
-                <a:extLst>
-                  <a:ext uri="{0D108BD9-81ED-4DB2-BD59-A6C34878D82A}">
-                    <a16:rowId xmlns:a16="http://schemas.microsoft.com/office/drawing/2014/main" val="4001814122"/>
-                  </a:ext>
-                </a:extLst>
-              </a:tr>
-            </a:tbl>
-          </a:graphicData>
-        </a:graphic>
-      </p:graphicFrame>
-      <p:graphicFrame>
-        <p:nvGraphicFramePr>
           <p:cNvPr id="5" name="표 4">
             <a:extLst>
               <a:ext uri="{FF2B5EF4-FFF2-40B4-BE49-F238E27FC236}">
@@ -4499,13 +3377,13 @@
           <p:nvPr>
             <p:extLst>
               <p:ext uri="{D42A27DB-BD31-4B8C-83A1-F6EECF244321}">
-                <p14:modId xmlns:p14="http://schemas.microsoft.com/office/powerpoint/2010/main" val="1406186084"/>
+                <p14:modId xmlns:p14="http://schemas.microsoft.com/office/powerpoint/2010/main" val="4092303037"/>
               </p:ext>
             </p:extLst>
           </p:nvPr>
         </p:nvGraphicFramePr>
         <p:xfrm>
-          <a:off x="1588655" y="4774738"/>
+          <a:off x="1329575" y="2225040"/>
           <a:ext cx="8128000" cy="1926244"/>
         </p:xfrm>
         <a:graphic>
@@ -4556,36 +3434,28 @@
                   </a:txBody>
                   <a:tcPr>
                     <a:lnL w="12700" cap="flat" cmpd="sng" algn="ctr">
-                      <a:solidFill>
-                        <a:schemeClr val="tx1"/>
-                      </a:solidFill>
+                      <a:noFill/>
                       <a:prstDash val="solid"/>
                       <a:round/>
                       <a:headEnd type="none" w="med" len="med"/>
                       <a:tailEnd type="none" w="med" len="med"/>
                     </a:lnL>
                     <a:lnR w="12700" cap="flat" cmpd="sng" algn="ctr">
-                      <a:solidFill>
-                        <a:schemeClr val="tx1"/>
-                      </a:solidFill>
+                      <a:noFill/>
                       <a:prstDash val="solid"/>
                       <a:round/>
                       <a:headEnd type="none" w="med" len="med"/>
                       <a:tailEnd type="none" w="med" len="med"/>
                     </a:lnR>
                     <a:lnT w="12700" cap="flat" cmpd="sng" algn="ctr">
-                      <a:solidFill>
-                        <a:schemeClr val="tx1"/>
-                      </a:solidFill>
+                      <a:noFill/>
                       <a:prstDash val="solid"/>
                       <a:round/>
                       <a:headEnd type="none" w="med" len="med"/>
                       <a:tailEnd type="none" w="med" len="med"/>
                     </a:lnT>
                     <a:lnB w="12700" cap="flat" cmpd="sng" algn="ctr">
-                      <a:solidFill>
-                        <a:schemeClr val="tx1"/>
-                      </a:solidFill>
+                      <a:noFill/>
                       <a:prstDash val="solid"/>
                       <a:round/>
                       <a:headEnd type="none" w="med" len="med"/>
@@ -4620,42 +3490,47 @@
                             <a:schemeClr val="tx1"/>
                           </a:solidFill>
                         </a:rPr>
-                        <a:t>예측</a:t>
+                        <a:t>                          예측 클래스</a:t>
                       </a:r>
+                      <a:r>
+                        <a:rPr lang="en-US" altLang="ko-KR" b="0" dirty="0">
+                          <a:solidFill>
+                            <a:schemeClr val="tx1"/>
+                          </a:solidFill>
+                        </a:rPr>
+                        <a:t>(H0)</a:t>
+                      </a:r>
+                      <a:endParaRPr lang="ko-KR" altLang="en-US" b="0" dirty="0">
+                        <a:solidFill>
+                          <a:schemeClr val="tx1"/>
+                        </a:solidFill>
+                      </a:endParaRPr>
                     </a:p>
                   </a:txBody>
                   <a:tcPr>
                     <a:lnL w="12700" cap="flat" cmpd="sng" algn="ctr">
-                      <a:solidFill>
-                        <a:schemeClr val="tx1"/>
-                      </a:solidFill>
+                      <a:noFill/>
                       <a:prstDash val="solid"/>
                       <a:round/>
                       <a:headEnd type="none" w="med" len="med"/>
                       <a:tailEnd type="none" w="med" len="med"/>
                     </a:lnL>
                     <a:lnR w="12700" cap="flat" cmpd="sng" algn="ctr">
-                      <a:solidFill>
-                        <a:schemeClr val="tx1"/>
-                      </a:solidFill>
+                      <a:noFill/>
                       <a:prstDash val="solid"/>
                       <a:round/>
                       <a:headEnd type="none" w="med" len="med"/>
                       <a:tailEnd type="none" w="med" len="med"/>
                     </a:lnR>
                     <a:lnT w="12700" cap="flat" cmpd="sng" algn="ctr">
-                      <a:solidFill>
-                        <a:schemeClr val="tx1"/>
-                      </a:solidFill>
+                      <a:noFill/>
                       <a:prstDash val="solid"/>
                       <a:round/>
                       <a:headEnd type="none" w="med" len="med"/>
                       <a:tailEnd type="none" w="med" len="med"/>
                     </a:lnT>
                     <a:lnB w="12700" cap="flat" cmpd="sng" algn="ctr">
-                      <a:solidFill>
-                        <a:schemeClr val="tx1"/>
-                      </a:solidFill>
+                      <a:noFill/>
                       <a:prstDash val="solid"/>
                       <a:round/>
                       <a:headEnd type="none" w="med" len="med"/>
@@ -4808,49 +3683,54 @@
                       <a:endParaRPr lang="en-US" altLang="ko-KR" dirty="0"/>
                     </a:p>
                     <a:p>
-                      <a:pPr algn="ctr" latinLnBrk="1"/>
+                      <a:pPr algn="ctr" latinLnBrk="1">
+                        <a:lnSpc>
+                          <a:spcPct val="200000"/>
+                        </a:lnSpc>
+                      </a:pPr>
+                      <a:r>
+                        <a:rPr lang="ko-KR" altLang="en-US" dirty="0"/>
+                        <a:t>       실제 클래스</a:t>
+                      </a:r>
                       <a:endParaRPr lang="en-US" altLang="ko-KR" dirty="0"/>
                     </a:p>
                     <a:p>
-                      <a:pPr algn="ctr" latinLnBrk="1"/>
+                      <a:pPr algn="ctr" latinLnBrk="1">
+                        <a:lnSpc>
+                          <a:spcPct val="200000"/>
+                        </a:lnSpc>
+                      </a:pPr>
                       <a:r>
-                        <a:rPr lang="ko-KR" altLang="en-US" dirty="0"/>
-                        <a:t>실제</a:t>
+                        <a:rPr lang="en-US" altLang="ko-KR" dirty="0"/>
+                        <a:t>       (test result)</a:t>
                       </a:r>
+                      <a:endParaRPr lang="ko-KR" altLang="en-US" dirty="0"/>
                     </a:p>
                   </a:txBody>
                   <a:tcPr>
                     <a:lnL w="12700" cap="flat" cmpd="sng" algn="ctr">
-                      <a:solidFill>
-                        <a:schemeClr val="tx1"/>
-                      </a:solidFill>
+                      <a:noFill/>
                       <a:prstDash val="solid"/>
                       <a:round/>
                       <a:headEnd type="none" w="med" len="med"/>
                       <a:tailEnd type="none" w="med" len="med"/>
                     </a:lnL>
                     <a:lnR w="12700" cap="flat" cmpd="sng" algn="ctr">
-                      <a:solidFill>
-                        <a:schemeClr val="tx1"/>
-                      </a:solidFill>
+                      <a:noFill/>
                       <a:prstDash val="solid"/>
                       <a:round/>
                       <a:headEnd type="none" w="med" len="med"/>
                       <a:tailEnd type="none" w="med" len="med"/>
                     </a:lnR>
                     <a:lnT w="12700" cap="flat" cmpd="sng" algn="ctr">
-                      <a:solidFill>
-                        <a:schemeClr val="tx1"/>
-                      </a:solidFill>
+                      <a:noFill/>
                       <a:prstDash val="solid"/>
                       <a:round/>
                       <a:headEnd type="none" w="med" len="med"/>
                       <a:tailEnd type="none" w="med" len="med"/>
                     </a:lnT>
                     <a:lnB w="12700" cap="flat" cmpd="sng" algn="ctr">
-                      <a:solidFill>
-                        <a:schemeClr val="tx1"/>
-                      </a:solidFill>
+                      <a:noFill/>
                       <a:prstDash val="solid"/>
                       <a:round/>
                       <a:headEnd type="none" w="med" len="med"/>
@@ -4880,36 +3760,28 @@
                   </a:txBody>
                   <a:tcPr>
                     <a:lnL w="12700" cap="flat" cmpd="sng" algn="ctr">
-                      <a:solidFill>
-                        <a:schemeClr val="tx1"/>
-                      </a:solidFill>
+                      <a:noFill/>
                       <a:prstDash val="solid"/>
                       <a:round/>
                       <a:headEnd type="none" w="med" len="med"/>
                       <a:tailEnd type="none" w="med" len="med"/>
                     </a:lnL>
                     <a:lnR w="12700" cap="flat" cmpd="sng" algn="ctr">
-                      <a:solidFill>
-                        <a:schemeClr val="tx1"/>
-                      </a:solidFill>
+                      <a:noFill/>
                       <a:prstDash val="solid"/>
                       <a:round/>
                       <a:headEnd type="none" w="med" len="med"/>
                       <a:tailEnd type="none" w="med" len="med"/>
                     </a:lnR>
                     <a:lnT w="12700" cap="flat" cmpd="sng" algn="ctr">
-                      <a:solidFill>
-                        <a:schemeClr val="tx1"/>
-                      </a:solidFill>
+                      <a:noFill/>
                       <a:prstDash val="solid"/>
                       <a:round/>
                       <a:headEnd type="none" w="med" len="med"/>
                       <a:tailEnd type="none" w="med" len="med"/>
                     </a:lnT>
                     <a:lnB w="12700" cap="flat" cmpd="sng" algn="ctr">
-                      <a:solidFill>
-                        <a:schemeClr val="tx1"/>
-                      </a:solidFill>
+                      <a:noFill/>
                       <a:prstDash val="solid"/>
                       <a:round/>
                       <a:headEnd type="none" w="med" len="med"/>
@@ -4936,43 +3808,35 @@
                       <a:pPr algn="ctr" latinLnBrk="1"/>
                       <a:r>
                         <a:rPr lang="en-US" altLang="ko-KR" dirty="0"/>
-                        <a:t>Positive</a:t>
+                        <a:t>True</a:t>
                       </a:r>
                       <a:endParaRPr lang="ko-KR" altLang="en-US" dirty="0"/>
                     </a:p>
                   </a:txBody>
                   <a:tcPr>
                     <a:lnL w="12700" cap="flat" cmpd="sng" algn="ctr">
-                      <a:solidFill>
-                        <a:schemeClr val="tx1"/>
-                      </a:solidFill>
+                      <a:noFill/>
                       <a:prstDash val="solid"/>
                       <a:round/>
                       <a:headEnd type="none" w="med" len="med"/>
                       <a:tailEnd type="none" w="med" len="med"/>
                     </a:lnL>
                     <a:lnR w="12700" cap="flat" cmpd="sng" algn="ctr">
-                      <a:solidFill>
-                        <a:schemeClr val="tx1"/>
-                      </a:solidFill>
+                      <a:noFill/>
                       <a:prstDash val="solid"/>
                       <a:round/>
                       <a:headEnd type="none" w="med" len="med"/>
                       <a:tailEnd type="none" w="med" len="med"/>
                     </a:lnR>
                     <a:lnT w="12700" cap="flat" cmpd="sng" algn="ctr">
-                      <a:solidFill>
-                        <a:schemeClr val="tx1"/>
-                      </a:solidFill>
+                      <a:noFill/>
                       <a:prstDash val="solid"/>
                       <a:round/>
                       <a:headEnd type="none" w="med" len="med"/>
                       <a:tailEnd type="none" w="med" len="med"/>
                     </a:lnT>
                     <a:lnB w="12700" cap="flat" cmpd="sng" algn="ctr">
-                      <a:solidFill>
-                        <a:schemeClr val="tx1"/>
-                      </a:solidFill>
+                      <a:noFill/>
                       <a:prstDash val="solid"/>
                       <a:round/>
                       <a:headEnd type="none" w="med" len="med"/>
@@ -4999,43 +3863,35 @@
                       <a:pPr algn="ctr" latinLnBrk="1"/>
                       <a:r>
                         <a:rPr lang="en-US" altLang="ko-KR" dirty="0"/>
-                        <a:t>Negative</a:t>
+                        <a:t>False</a:t>
                       </a:r>
                       <a:endParaRPr lang="ko-KR" altLang="en-US" dirty="0"/>
                     </a:p>
                   </a:txBody>
                   <a:tcPr>
                     <a:lnL w="12700" cap="flat" cmpd="sng" algn="ctr">
-                      <a:solidFill>
-                        <a:schemeClr val="tx1"/>
-                      </a:solidFill>
+                      <a:noFill/>
                       <a:prstDash val="solid"/>
                       <a:round/>
                       <a:headEnd type="none" w="med" len="med"/>
                       <a:tailEnd type="none" w="med" len="med"/>
                     </a:lnL>
                     <a:lnR w="12700" cap="flat" cmpd="sng" algn="ctr">
-                      <a:solidFill>
-                        <a:schemeClr val="tx1"/>
-                      </a:solidFill>
+                      <a:noFill/>
                       <a:prstDash val="solid"/>
                       <a:round/>
                       <a:headEnd type="none" w="med" len="med"/>
                       <a:tailEnd type="none" w="med" len="med"/>
                     </a:lnR>
                     <a:lnT w="12700" cap="flat" cmpd="sng" algn="ctr">
-                      <a:solidFill>
-                        <a:schemeClr val="tx1"/>
-                      </a:solidFill>
+                      <a:noFill/>
                       <a:prstDash val="solid"/>
                       <a:round/>
                       <a:headEnd type="none" w="med" len="med"/>
                       <a:tailEnd type="none" w="med" len="med"/>
                     </a:lnT>
                     <a:lnB w="12700" cap="flat" cmpd="sng" algn="ctr">
-                      <a:solidFill>
-                        <a:schemeClr val="tx1"/>
-                      </a:solidFill>
+                      <a:noFill/>
                       <a:prstDash val="solid"/>
                       <a:round/>
                       <a:headEnd type="none" w="med" len="med"/>
@@ -5128,43 +3984,35 @@
                       <a:pPr algn="ctr" latinLnBrk="1"/>
                       <a:r>
                         <a:rPr lang="en-US" altLang="ko-KR" dirty="0"/>
-                        <a:t>Positive</a:t>
+                        <a:t>Not Reject</a:t>
                       </a:r>
                       <a:endParaRPr lang="ko-KR" altLang="en-US" dirty="0"/>
                     </a:p>
                   </a:txBody>
                   <a:tcPr>
                     <a:lnL w="12700" cap="flat" cmpd="sng" algn="ctr">
-                      <a:solidFill>
-                        <a:schemeClr val="tx1"/>
-                      </a:solidFill>
+                      <a:noFill/>
                       <a:prstDash val="solid"/>
                       <a:round/>
                       <a:headEnd type="none" w="med" len="med"/>
                       <a:tailEnd type="none" w="med" len="med"/>
                     </a:lnL>
                     <a:lnR w="12700" cap="flat" cmpd="sng" algn="ctr">
-                      <a:solidFill>
-                        <a:schemeClr val="tx1"/>
-                      </a:solidFill>
+                      <a:noFill/>
                       <a:prstDash val="solid"/>
                       <a:round/>
                       <a:headEnd type="none" w="med" len="med"/>
                       <a:tailEnd type="none" w="med" len="med"/>
                     </a:lnR>
                     <a:lnT w="12700" cap="flat" cmpd="sng" algn="ctr">
-                      <a:solidFill>
-                        <a:schemeClr val="tx1"/>
-                      </a:solidFill>
+                      <a:noFill/>
                       <a:prstDash val="solid"/>
                       <a:round/>
                       <a:headEnd type="none" w="med" len="med"/>
                       <a:tailEnd type="none" w="med" len="med"/>
                     </a:lnT>
                     <a:lnB w="12700" cap="flat" cmpd="sng" algn="ctr">
-                      <a:solidFill>
-                        <a:schemeClr val="tx1"/>
-                      </a:solidFill>
+                      <a:noFill/>
                       <a:prstDash val="solid"/>
                       <a:round/>
                       <a:headEnd type="none" w="med" len="med"/>
@@ -5190,17 +4038,15 @@
                     <a:p>
                       <a:pPr algn="ctr" latinLnBrk="1"/>
                       <a:r>
-                        <a:rPr lang="en-US" altLang="ko-KR" dirty="0"/>
+                        <a:rPr lang="en-US" altLang="ko-KR" b="1" dirty="0"/>
                         <a:t>TP</a:t>
                       </a:r>
-                      <a:endParaRPr lang="ko-KR" altLang="en-US" dirty="0"/>
+                      <a:endParaRPr lang="ko-KR" altLang="en-US" b="1" dirty="0"/>
                     </a:p>
                   </a:txBody>
                   <a:tcPr>
                     <a:lnL w="12700" cap="flat" cmpd="sng" algn="ctr">
-                      <a:solidFill>
-                        <a:schemeClr val="tx1"/>
-                      </a:solidFill>
+                      <a:noFill/>
                       <a:prstDash val="solid"/>
                       <a:round/>
                       <a:headEnd type="none" w="med" len="med"/>
@@ -5216,9 +4062,7 @@
                       <a:tailEnd type="none" w="med" len="med"/>
                     </a:lnR>
                     <a:lnT w="12700" cap="flat" cmpd="sng" algn="ctr">
-                      <a:solidFill>
-                        <a:schemeClr val="tx1"/>
-                      </a:solidFill>
+                      <a:noFill/>
                       <a:prstDash val="solid"/>
                       <a:round/>
                       <a:headEnd type="none" w="med" len="med"/>
@@ -5253,8 +4097,12 @@
                     <a:p>
                       <a:pPr algn="ctr" latinLnBrk="1"/>
                       <a:r>
+                        <a:rPr lang="en-US" altLang="ko-KR" b="1" dirty="0"/>
+                        <a:t>FN</a:t>
+                      </a:r>
+                      <a:r>
                         <a:rPr lang="en-US" altLang="ko-KR" dirty="0"/>
-                        <a:t>FN(</a:t>
+                        <a:t>(</a:t>
                       </a:r>
                       <a:r>
                         <a:rPr lang="ko-KR" altLang="en-US" dirty="0"/>
@@ -5286,18 +4134,14 @@
                       <a:tailEnd type="none" w="med" len="med"/>
                     </a:lnL>
                     <a:lnR w="12700" cap="flat" cmpd="sng" algn="ctr">
-                      <a:solidFill>
-                        <a:schemeClr val="tx1"/>
-                      </a:solidFill>
+                      <a:noFill/>
                       <a:prstDash val="solid"/>
                       <a:round/>
                       <a:headEnd type="none" w="med" len="med"/>
                       <a:tailEnd type="none" w="med" len="med"/>
                     </a:lnR>
                     <a:lnT w="12700" cap="flat" cmpd="sng" algn="ctr">
-                      <a:solidFill>
-                        <a:schemeClr val="tx1"/>
-                      </a:solidFill>
+                      <a:noFill/>
                       <a:prstDash val="solid"/>
                       <a:round/>
                       <a:headEnd type="none" w="med" len="med"/>
@@ -5399,43 +4243,35 @@
                       <a:pPr algn="ctr" latinLnBrk="1"/>
                       <a:r>
                         <a:rPr lang="en-US" altLang="ko-KR" dirty="0"/>
-                        <a:t>Negative</a:t>
+                        <a:t>Reject</a:t>
                       </a:r>
                       <a:endParaRPr lang="ko-KR" altLang="en-US" dirty="0"/>
                     </a:p>
                   </a:txBody>
                   <a:tcPr>
                     <a:lnL w="12700" cap="flat" cmpd="sng" algn="ctr">
-                      <a:solidFill>
-                        <a:schemeClr val="tx1"/>
-                      </a:solidFill>
+                      <a:noFill/>
                       <a:prstDash val="solid"/>
                       <a:round/>
                       <a:headEnd type="none" w="med" len="med"/>
                       <a:tailEnd type="none" w="med" len="med"/>
                     </a:lnL>
                     <a:lnR w="12700" cap="flat" cmpd="sng" algn="ctr">
-                      <a:solidFill>
-                        <a:schemeClr val="tx1"/>
-                      </a:solidFill>
+                      <a:noFill/>
                       <a:prstDash val="solid"/>
                       <a:round/>
                       <a:headEnd type="none" w="med" len="med"/>
                       <a:tailEnd type="none" w="med" len="med"/>
                     </a:lnR>
                     <a:lnT w="12700" cap="flat" cmpd="sng" algn="ctr">
-                      <a:solidFill>
-                        <a:schemeClr val="tx1"/>
-                      </a:solidFill>
+                      <a:noFill/>
                       <a:prstDash val="solid"/>
                       <a:round/>
                       <a:headEnd type="none" w="med" len="med"/>
                       <a:tailEnd type="none" w="med" len="med"/>
                     </a:lnT>
                     <a:lnB w="12700" cap="flat" cmpd="sng" algn="ctr">
-                      <a:solidFill>
-                        <a:schemeClr val="tx1"/>
-                      </a:solidFill>
+                      <a:noFill/>
                       <a:prstDash val="solid"/>
                       <a:round/>
                       <a:headEnd type="none" w="med" len="med"/>
@@ -5461,8 +4297,12 @@
                     <a:p>
                       <a:pPr algn="ctr" latinLnBrk="1"/>
                       <a:r>
+                        <a:rPr lang="en-US" altLang="ko-KR" b="1" dirty="0"/>
+                        <a:t>FP</a:t>
+                      </a:r>
+                      <a:r>
                         <a:rPr lang="en-US" altLang="ko-KR" dirty="0"/>
-                        <a:t>FP(</a:t>
+                        <a:t>(</a:t>
                       </a:r>
                       <a:r>
                         <a:rPr lang="ko-KR" altLang="en-US" dirty="0"/>
@@ -5485,9 +4325,7 @@
                   </a:txBody>
                   <a:tcPr>
                     <a:lnL w="12700" cap="flat" cmpd="sng" algn="ctr">
-                      <a:solidFill>
-                        <a:schemeClr val="tx1"/>
-                      </a:solidFill>
+                      <a:noFill/>
                       <a:prstDash val="solid"/>
                       <a:round/>
                       <a:headEnd type="none" w="med" len="med"/>
@@ -5512,9 +4350,7 @@
                       <a:tailEnd type="none" w="med" len="med"/>
                     </a:lnT>
                     <a:lnB w="12700" cap="flat" cmpd="sng" algn="ctr">
-                      <a:solidFill>
-                        <a:schemeClr val="tx1"/>
-                      </a:solidFill>
+                      <a:noFill/>
                       <a:prstDash val="solid"/>
                       <a:round/>
                       <a:headEnd type="none" w="med" len="med"/>
@@ -5540,10 +4376,10 @@
                     <a:p>
                       <a:pPr algn="ctr" latinLnBrk="1"/>
                       <a:r>
-                        <a:rPr lang="en-US" altLang="ko-KR" dirty="0"/>
+                        <a:rPr lang="en-US" altLang="ko-KR" b="1" dirty="0"/>
                         <a:t>TN</a:t>
                       </a:r>
-                      <a:endParaRPr lang="ko-KR" altLang="en-US" dirty="0"/>
+                      <a:endParaRPr lang="ko-KR" altLang="en-US" b="1" dirty="0"/>
                     </a:p>
                   </a:txBody>
                   <a:tcPr>
@@ -5557,9 +4393,7 @@
                       <a:tailEnd type="none" w="med" len="med"/>
                     </a:lnL>
                     <a:lnR w="12700" cap="flat" cmpd="sng" algn="ctr">
-                      <a:solidFill>
-                        <a:schemeClr val="tx1"/>
-                      </a:solidFill>
+                      <a:noFill/>
                       <a:prstDash val="solid"/>
                       <a:round/>
                       <a:headEnd type="none" w="med" len="med"/>
@@ -5575,9 +4409,7 @@
                       <a:tailEnd type="none" w="med" len="med"/>
                     </a:lnT>
                     <a:lnB w="12700" cap="flat" cmpd="sng" algn="ctr">
-                      <a:solidFill>
-                        <a:schemeClr val="tx1"/>
-                      </a:solidFill>
+                      <a:noFill/>
                       <a:prstDash val="solid"/>
                       <a:round/>
                       <a:headEnd type="none" w="med" len="med"/>
@@ -5622,7 +4454,7 @@
         </p:nvSpPr>
         <p:spPr>
           <a:xfrm>
-            <a:off x="1249218" y="1262987"/>
+            <a:off x="3213793" y="1442861"/>
             <a:ext cx="5387109" cy="419966"/>
           </a:xfrm>
           <a:prstGeom prst="rect">
@@ -5679,7 +4511,7 @@
         </p:nvSpPr>
         <p:spPr>
           <a:xfrm>
-            <a:off x="1385455" y="4100945"/>
+            <a:off x="1126375" y="1551247"/>
             <a:ext cx="2087418" cy="369332"/>
           </a:xfrm>
           <a:prstGeom prst="rect">
@@ -5701,6 +4533,1020 @@
           </a:p>
         </p:txBody>
       </p:sp>
+      <p:graphicFrame>
+        <p:nvGraphicFramePr>
+          <p:cNvPr id="8" name="표 7">
+            <a:extLst>
+              <a:ext uri="{FF2B5EF4-FFF2-40B4-BE49-F238E27FC236}">
+                <a16:creationId xmlns:a16="http://schemas.microsoft.com/office/drawing/2014/main" id="{E37DF39E-DF5B-456D-A9AB-0BF0C816629B}"/>
+              </a:ext>
+            </a:extLst>
+          </p:cNvPr>
+          <p:cNvGraphicFramePr>
+            <a:graphicFrameLocks noGrp="1"/>
+          </p:cNvGraphicFramePr>
+          <p:nvPr>
+            <p:extLst>
+              <p:ext uri="{D42A27DB-BD31-4B8C-83A1-F6EECF244321}">
+                <p14:modId xmlns:p14="http://schemas.microsoft.com/office/powerpoint/2010/main" val="2557024682"/>
+              </p:ext>
+            </p:extLst>
+          </p:nvPr>
+        </p:nvGraphicFramePr>
+        <p:xfrm>
+          <a:off x="1238135" y="4739640"/>
+          <a:ext cx="8128000" cy="1926244"/>
+        </p:xfrm>
+        <a:graphic>
+          <a:graphicData uri="http://schemas.openxmlformats.org/drawingml/2006/table">
+            <a:tbl>
+              <a:tblPr firstRow="1" bandRow="1">
+                <a:tableStyleId>{5C22544A-7EE6-4342-B048-85BDC9FD1C3A}</a:tableStyleId>
+              </a:tblPr>
+              <a:tblGrid>
+                <a:gridCol w="2032000">
+                  <a:extLst>
+                    <a:ext uri="{9D8B030D-6E8A-4147-A177-3AD203B41FA5}">
+                      <a16:colId xmlns:a16="http://schemas.microsoft.com/office/drawing/2014/main" val="2704165821"/>
+                    </a:ext>
+                  </a:extLst>
+                </a:gridCol>
+                <a:gridCol w="2032000">
+                  <a:extLst>
+                    <a:ext uri="{9D8B030D-6E8A-4147-A177-3AD203B41FA5}">
+                      <a16:colId xmlns:a16="http://schemas.microsoft.com/office/drawing/2014/main" val="3506547199"/>
+                    </a:ext>
+                  </a:extLst>
+                </a:gridCol>
+                <a:gridCol w="2032000">
+                  <a:extLst>
+                    <a:ext uri="{9D8B030D-6E8A-4147-A177-3AD203B41FA5}">
+                      <a16:colId xmlns:a16="http://schemas.microsoft.com/office/drawing/2014/main" val="1372549931"/>
+                    </a:ext>
+                  </a:extLst>
+                </a:gridCol>
+                <a:gridCol w="2032000">
+                  <a:extLst>
+                    <a:ext uri="{9D8B030D-6E8A-4147-A177-3AD203B41FA5}">
+                      <a16:colId xmlns:a16="http://schemas.microsoft.com/office/drawing/2014/main" val="3791966565"/>
+                    </a:ext>
+                  </a:extLst>
+                </a:gridCol>
+              </a:tblGrid>
+              <a:tr h="481561">
+                <a:tc>
+                  <a:txBody>
+                    <a:bodyPr/>
+                    <a:lstStyle/>
+                    <a:p>
+                      <a:pPr latinLnBrk="1"/>
+                      <a:endParaRPr lang="ko-KR" altLang="en-US" dirty="0"/>
+                    </a:p>
+                  </a:txBody>
+                  <a:tcPr>
+                    <a:lnL w="12700" cap="flat" cmpd="sng" algn="ctr">
+                      <a:noFill/>
+                      <a:prstDash val="solid"/>
+                      <a:round/>
+                      <a:headEnd type="none" w="med" len="med"/>
+                      <a:tailEnd type="none" w="med" len="med"/>
+                    </a:lnL>
+                    <a:lnR w="12700" cap="flat" cmpd="sng" algn="ctr">
+                      <a:noFill/>
+                      <a:prstDash val="solid"/>
+                      <a:round/>
+                      <a:headEnd type="none" w="med" len="med"/>
+                      <a:tailEnd type="none" w="med" len="med"/>
+                    </a:lnR>
+                    <a:lnT w="12700" cap="flat" cmpd="sng" algn="ctr">
+                      <a:noFill/>
+                      <a:prstDash val="solid"/>
+                      <a:round/>
+                      <a:headEnd type="none" w="med" len="med"/>
+                      <a:tailEnd type="none" w="med" len="med"/>
+                    </a:lnT>
+                    <a:lnB w="12700" cap="flat" cmpd="sng" algn="ctr">
+                      <a:noFill/>
+                      <a:prstDash val="solid"/>
+                      <a:round/>
+                      <a:headEnd type="none" w="med" len="med"/>
+                      <a:tailEnd type="none" w="med" len="med"/>
+                    </a:lnB>
+                    <a:lnTlToBr w="12700" cmpd="sng">
+                      <a:noFill/>
+                      <a:prstDash val="solid"/>
+                    </a:lnTlToBr>
+                    <a:lnBlToTr w="12700" cmpd="sng">
+                      <a:noFill/>
+                      <a:prstDash val="solid"/>
+                    </a:lnBlToTr>
+                    <a:solidFill>
+                      <a:schemeClr val="bg1"/>
+                    </a:solidFill>
+                  </a:tcPr>
+                </a:tc>
+                <a:tc gridSpan="3">
+                  <a:txBody>
+                    <a:bodyPr/>
+                    <a:lstStyle/>
+                    <a:p>
+                      <a:pPr algn="ctr" latinLnBrk="1">
+                        <a:lnSpc>
+                          <a:spcPct val="150000"/>
+                        </a:lnSpc>
+                      </a:pPr>
+                      <a:r>
+                        <a:rPr lang="ko-KR" altLang="en-US" b="0" dirty="0">
+                          <a:solidFill>
+                            <a:schemeClr val="tx1"/>
+                          </a:solidFill>
+                        </a:rPr>
+                        <a:t>                          예측 클래스</a:t>
+                      </a:r>
+                    </a:p>
+                  </a:txBody>
+                  <a:tcPr>
+                    <a:lnL w="12700" cap="flat" cmpd="sng" algn="ctr">
+                      <a:noFill/>
+                      <a:prstDash val="solid"/>
+                      <a:round/>
+                      <a:headEnd type="none" w="med" len="med"/>
+                      <a:tailEnd type="none" w="med" len="med"/>
+                    </a:lnL>
+                    <a:lnR w="12700" cap="flat" cmpd="sng" algn="ctr">
+                      <a:noFill/>
+                      <a:prstDash val="solid"/>
+                      <a:round/>
+                      <a:headEnd type="none" w="med" len="med"/>
+                      <a:tailEnd type="none" w="med" len="med"/>
+                    </a:lnR>
+                    <a:lnT w="12700" cap="flat" cmpd="sng" algn="ctr">
+                      <a:noFill/>
+                      <a:prstDash val="solid"/>
+                      <a:round/>
+                      <a:headEnd type="none" w="med" len="med"/>
+                      <a:tailEnd type="none" w="med" len="med"/>
+                    </a:lnT>
+                    <a:lnB w="12700" cap="flat" cmpd="sng" algn="ctr">
+                      <a:noFill/>
+                      <a:prstDash val="solid"/>
+                      <a:round/>
+                      <a:headEnd type="none" w="med" len="med"/>
+                      <a:tailEnd type="none" w="med" len="med"/>
+                    </a:lnB>
+                    <a:lnTlToBr w="12700" cmpd="sng">
+                      <a:noFill/>
+                      <a:prstDash val="solid"/>
+                    </a:lnTlToBr>
+                    <a:lnBlToTr w="12700" cmpd="sng">
+                      <a:noFill/>
+                      <a:prstDash val="solid"/>
+                    </a:lnBlToTr>
+                    <a:solidFill>
+                      <a:schemeClr val="bg1"/>
+                    </a:solidFill>
+                  </a:tcPr>
+                </a:tc>
+                <a:tc hMerge="1">
+                  <a:txBody>
+                    <a:bodyPr/>
+                    <a:lstStyle/>
+                    <a:p>
+                      <a:pPr latinLnBrk="1"/>
+                      <a:endParaRPr lang="ko-KR" altLang="en-US" dirty="0"/>
+                    </a:p>
+                  </a:txBody>
+                  <a:tcPr>
+                    <a:lnL w="12700" cap="flat" cmpd="sng" algn="ctr">
+                      <a:solidFill>
+                        <a:schemeClr val="tx1"/>
+                      </a:solidFill>
+                      <a:prstDash val="solid"/>
+                      <a:round/>
+                      <a:headEnd type="none" w="med" len="med"/>
+                      <a:tailEnd type="none" w="med" len="med"/>
+                    </a:lnL>
+                    <a:lnR w="12700" cap="flat" cmpd="sng" algn="ctr">
+                      <a:solidFill>
+                        <a:schemeClr val="tx1"/>
+                      </a:solidFill>
+                      <a:prstDash val="solid"/>
+                      <a:round/>
+                      <a:headEnd type="none" w="med" len="med"/>
+                      <a:tailEnd type="none" w="med" len="med"/>
+                    </a:lnR>
+                    <a:lnT w="12700" cap="flat" cmpd="sng" algn="ctr">
+                      <a:solidFill>
+                        <a:schemeClr val="tx1"/>
+                      </a:solidFill>
+                      <a:prstDash val="solid"/>
+                      <a:round/>
+                      <a:headEnd type="none" w="med" len="med"/>
+                      <a:tailEnd type="none" w="med" len="med"/>
+                    </a:lnT>
+                    <a:lnB w="12700" cap="flat" cmpd="sng" algn="ctr">
+                      <a:solidFill>
+                        <a:schemeClr val="tx1"/>
+                      </a:solidFill>
+                      <a:prstDash val="solid"/>
+                      <a:round/>
+                      <a:headEnd type="none" w="med" len="med"/>
+                      <a:tailEnd type="none" w="med" len="med"/>
+                    </a:lnB>
+                    <a:lnTlToBr w="12700" cmpd="sng">
+                      <a:noFill/>
+                      <a:prstDash val="solid"/>
+                    </a:lnTlToBr>
+                    <a:lnBlToTr w="12700" cmpd="sng">
+                      <a:noFill/>
+                      <a:prstDash val="solid"/>
+                    </a:lnBlToTr>
+                    <a:solidFill>
+                      <a:schemeClr val="bg1"/>
+                    </a:solidFill>
+                  </a:tcPr>
+                </a:tc>
+                <a:tc hMerge="1">
+                  <a:txBody>
+                    <a:bodyPr/>
+                    <a:lstStyle/>
+                    <a:p>
+                      <a:pPr latinLnBrk="1"/>
+                      <a:endParaRPr lang="ko-KR" altLang="en-US" dirty="0"/>
+                    </a:p>
+                  </a:txBody>
+                  <a:tcPr>
+                    <a:lnL w="12700" cap="flat" cmpd="sng" algn="ctr">
+                      <a:solidFill>
+                        <a:schemeClr val="tx1"/>
+                      </a:solidFill>
+                      <a:prstDash val="solid"/>
+                      <a:round/>
+                      <a:headEnd type="none" w="med" len="med"/>
+                      <a:tailEnd type="none" w="med" len="med"/>
+                    </a:lnL>
+                    <a:lnR w="12700" cap="flat" cmpd="sng" algn="ctr">
+                      <a:solidFill>
+                        <a:schemeClr val="tx1"/>
+                      </a:solidFill>
+                      <a:prstDash val="solid"/>
+                      <a:round/>
+                      <a:headEnd type="none" w="med" len="med"/>
+                      <a:tailEnd type="none" w="med" len="med"/>
+                    </a:lnR>
+                    <a:lnT w="12700" cap="flat" cmpd="sng" algn="ctr">
+                      <a:solidFill>
+                        <a:schemeClr val="tx1"/>
+                      </a:solidFill>
+                      <a:prstDash val="solid"/>
+                      <a:round/>
+                      <a:headEnd type="none" w="med" len="med"/>
+                      <a:tailEnd type="none" w="med" len="med"/>
+                    </a:lnT>
+                    <a:lnB w="12700" cap="flat" cmpd="sng" algn="ctr">
+                      <a:solidFill>
+                        <a:schemeClr val="tx1"/>
+                      </a:solidFill>
+                      <a:prstDash val="solid"/>
+                      <a:round/>
+                      <a:headEnd type="none" w="med" len="med"/>
+                      <a:tailEnd type="none" w="med" len="med"/>
+                    </a:lnB>
+                    <a:lnTlToBr w="12700" cmpd="sng">
+                      <a:noFill/>
+                      <a:prstDash val="solid"/>
+                    </a:lnTlToBr>
+                    <a:lnBlToTr w="12700" cmpd="sng">
+                      <a:noFill/>
+                      <a:prstDash val="solid"/>
+                    </a:lnBlToTr>
+                    <a:solidFill>
+                      <a:schemeClr val="bg1"/>
+                    </a:solidFill>
+                  </a:tcPr>
+                </a:tc>
+                <a:extLst>
+                  <a:ext uri="{0D108BD9-81ED-4DB2-BD59-A6C34878D82A}">
+                    <a16:rowId xmlns:a16="http://schemas.microsoft.com/office/drawing/2014/main" val="774118287"/>
+                  </a:ext>
+                </a:extLst>
+              </a:tr>
+              <a:tr h="481561">
+                <a:tc rowSpan="3">
+                  <a:txBody>
+                    <a:bodyPr/>
+                    <a:lstStyle/>
+                    <a:p>
+                      <a:pPr algn="ctr" latinLnBrk="1"/>
+                      <a:endParaRPr lang="en-US" altLang="ko-KR" dirty="0"/>
+                    </a:p>
+                    <a:p>
+                      <a:pPr algn="ctr" latinLnBrk="1"/>
+                      <a:endParaRPr lang="en-US" altLang="ko-KR" dirty="0"/>
+                    </a:p>
+                    <a:p>
+                      <a:pPr algn="ctr" latinLnBrk="1">
+                        <a:lnSpc>
+                          <a:spcPct val="200000"/>
+                        </a:lnSpc>
+                      </a:pPr>
+                      <a:r>
+                        <a:rPr lang="ko-KR" altLang="en-US" dirty="0"/>
+                        <a:t>       실제 클래스</a:t>
+                      </a:r>
+                    </a:p>
+                  </a:txBody>
+                  <a:tcPr>
+                    <a:lnL w="12700" cap="flat" cmpd="sng" algn="ctr">
+                      <a:noFill/>
+                      <a:prstDash val="solid"/>
+                      <a:round/>
+                      <a:headEnd type="none" w="med" len="med"/>
+                      <a:tailEnd type="none" w="med" len="med"/>
+                    </a:lnL>
+                    <a:lnR w="12700" cap="flat" cmpd="sng" algn="ctr">
+                      <a:noFill/>
+                      <a:prstDash val="solid"/>
+                      <a:round/>
+                      <a:headEnd type="none" w="med" len="med"/>
+                      <a:tailEnd type="none" w="med" len="med"/>
+                    </a:lnR>
+                    <a:lnT w="12700" cap="flat" cmpd="sng" algn="ctr">
+                      <a:noFill/>
+                      <a:prstDash val="solid"/>
+                      <a:round/>
+                      <a:headEnd type="none" w="med" len="med"/>
+                      <a:tailEnd type="none" w="med" len="med"/>
+                    </a:lnT>
+                    <a:lnB w="12700" cap="flat" cmpd="sng" algn="ctr">
+                      <a:noFill/>
+                      <a:prstDash val="solid"/>
+                      <a:round/>
+                      <a:headEnd type="none" w="med" len="med"/>
+                      <a:tailEnd type="none" w="med" len="med"/>
+                    </a:lnB>
+                    <a:lnTlToBr w="12700" cmpd="sng">
+                      <a:noFill/>
+                      <a:prstDash val="solid"/>
+                    </a:lnTlToBr>
+                    <a:lnBlToTr w="12700" cmpd="sng">
+                      <a:noFill/>
+                      <a:prstDash val="solid"/>
+                    </a:lnBlToTr>
+                    <a:solidFill>
+                      <a:schemeClr val="bg1"/>
+                    </a:solidFill>
+                  </a:tcPr>
+                </a:tc>
+                <a:tc>
+                  <a:txBody>
+                    <a:bodyPr/>
+                    <a:lstStyle/>
+                    <a:p>
+                      <a:pPr algn="ctr" latinLnBrk="1"/>
+                      <a:endParaRPr lang="ko-KR" altLang="en-US" dirty="0"/>
+                    </a:p>
+                  </a:txBody>
+                  <a:tcPr>
+                    <a:lnL w="12700" cap="flat" cmpd="sng" algn="ctr">
+                      <a:noFill/>
+                      <a:prstDash val="solid"/>
+                      <a:round/>
+                      <a:headEnd type="none" w="med" len="med"/>
+                      <a:tailEnd type="none" w="med" len="med"/>
+                    </a:lnL>
+                    <a:lnR w="12700" cap="flat" cmpd="sng" algn="ctr">
+                      <a:noFill/>
+                      <a:prstDash val="solid"/>
+                      <a:round/>
+                      <a:headEnd type="none" w="med" len="med"/>
+                      <a:tailEnd type="none" w="med" len="med"/>
+                    </a:lnR>
+                    <a:lnT w="12700" cap="flat" cmpd="sng" algn="ctr">
+                      <a:noFill/>
+                      <a:prstDash val="solid"/>
+                      <a:round/>
+                      <a:headEnd type="none" w="med" len="med"/>
+                      <a:tailEnd type="none" w="med" len="med"/>
+                    </a:lnT>
+                    <a:lnB w="12700" cap="flat" cmpd="sng" algn="ctr">
+                      <a:noFill/>
+                      <a:prstDash val="solid"/>
+                      <a:round/>
+                      <a:headEnd type="none" w="med" len="med"/>
+                      <a:tailEnd type="none" w="med" len="med"/>
+                    </a:lnB>
+                    <a:lnTlToBr w="12700" cmpd="sng">
+                      <a:noFill/>
+                      <a:prstDash val="solid"/>
+                    </a:lnTlToBr>
+                    <a:lnBlToTr w="12700" cmpd="sng">
+                      <a:noFill/>
+                      <a:prstDash val="solid"/>
+                    </a:lnBlToTr>
+                    <a:solidFill>
+                      <a:schemeClr val="bg1"/>
+                    </a:solidFill>
+                  </a:tcPr>
+                </a:tc>
+                <a:tc>
+                  <a:txBody>
+                    <a:bodyPr/>
+                    <a:lstStyle/>
+                    <a:p>
+                      <a:pPr algn="ctr" latinLnBrk="1"/>
+                      <a:r>
+                        <a:rPr lang="en-US" altLang="ko-KR" dirty="0"/>
+                        <a:t>Positive(1)</a:t>
+                      </a:r>
+                      <a:endParaRPr lang="ko-KR" altLang="en-US" dirty="0"/>
+                    </a:p>
+                  </a:txBody>
+                  <a:tcPr>
+                    <a:lnL w="12700" cap="flat" cmpd="sng" algn="ctr">
+                      <a:noFill/>
+                      <a:prstDash val="solid"/>
+                      <a:round/>
+                      <a:headEnd type="none" w="med" len="med"/>
+                      <a:tailEnd type="none" w="med" len="med"/>
+                    </a:lnL>
+                    <a:lnR w="12700" cap="flat" cmpd="sng" algn="ctr">
+                      <a:noFill/>
+                      <a:prstDash val="solid"/>
+                      <a:round/>
+                      <a:headEnd type="none" w="med" len="med"/>
+                      <a:tailEnd type="none" w="med" len="med"/>
+                    </a:lnR>
+                    <a:lnT w="12700" cap="flat" cmpd="sng" algn="ctr">
+                      <a:noFill/>
+                      <a:prstDash val="solid"/>
+                      <a:round/>
+                      <a:headEnd type="none" w="med" len="med"/>
+                      <a:tailEnd type="none" w="med" len="med"/>
+                    </a:lnT>
+                    <a:lnB w="12700" cap="flat" cmpd="sng" algn="ctr">
+                      <a:noFill/>
+                      <a:prstDash val="solid"/>
+                      <a:round/>
+                      <a:headEnd type="none" w="med" len="med"/>
+                      <a:tailEnd type="none" w="med" len="med"/>
+                    </a:lnB>
+                    <a:lnTlToBr w="12700" cmpd="sng">
+                      <a:noFill/>
+                      <a:prstDash val="solid"/>
+                    </a:lnTlToBr>
+                    <a:lnBlToTr w="12700" cmpd="sng">
+                      <a:noFill/>
+                      <a:prstDash val="solid"/>
+                    </a:lnBlToTr>
+                    <a:solidFill>
+                      <a:schemeClr val="bg1"/>
+                    </a:solidFill>
+                  </a:tcPr>
+                </a:tc>
+                <a:tc>
+                  <a:txBody>
+                    <a:bodyPr/>
+                    <a:lstStyle/>
+                    <a:p>
+                      <a:pPr algn="ctr" latinLnBrk="1"/>
+                      <a:r>
+                        <a:rPr lang="en-US" altLang="ko-KR" dirty="0"/>
+                        <a:t>Negative(0)</a:t>
+                      </a:r>
+                      <a:endParaRPr lang="ko-KR" altLang="en-US" dirty="0"/>
+                    </a:p>
+                  </a:txBody>
+                  <a:tcPr>
+                    <a:lnL w="12700" cap="flat" cmpd="sng" algn="ctr">
+                      <a:noFill/>
+                      <a:prstDash val="solid"/>
+                      <a:round/>
+                      <a:headEnd type="none" w="med" len="med"/>
+                      <a:tailEnd type="none" w="med" len="med"/>
+                    </a:lnL>
+                    <a:lnR w="12700" cap="flat" cmpd="sng" algn="ctr">
+                      <a:noFill/>
+                      <a:prstDash val="solid"/>
+                      <a:round/>
+                      <a:headEnd type="none" w="med" len="med"/>
+                      <a:tailEnd type="none" w="med" len="med"/>
+                    </a:lnR>
+                    <a:lnT w="12700" cap="flat" cmpd="sng" algn="ctr">
+                      <a:noFill/>
+                      <a:prstDash val="solid"/>
+                      <a:round/>
+                      <a:headEnd type="none" w="med" len="med"/>
+                      <a:tailEnd type="none" w="med" len="med"/>
+                    </a:lnT>
+                    <a:lnB w="12700" cap="flat" cmpd="sng" algn="ctr">
+                      <a:noFill/>
+                      <a:prstDash val="solid"/>
+                      <a:round/>
+                      <a:headEnd type="none" w="med" len="med"/>
+                      <a:tailEnd type="none" w="med" len="med"/>
+                    </a:lnB>
+                    <a:lnTlToBr w="12700" cmpd="sng">
+                      <a:noFill/>
+                      <a:prstDash val="solid"/>
+                    </a:lnTlToBr>
+                    <a:lnBlToTr w="12700" cmpd="sng">
+                      <a:noFill/>
+                      <a:prstDash val="solid"/>
+                    </a:lnBlToTr>
+                    <a:solidFill>
+                      <a:schemeClr val="bg1"/>
+                    </a:solidFill>
+                  </a:tcPr>
+                </a:tc>
+                <a:extLst>
+                  <a:ext uri="{0D108BD9-81ED-4DB2-BD59-A6C34878D82A}">
+                    <a16:rowId xmlns:a16="http://schemas.microsoft.com/office/drawing/2014/main" val="1211633601"/>
+                  </a:ext>
+                </a:extLst>
+              </a:tr>
+              <a:tr h="481561">
+                <a:tc vMerge="1">
+                  <a:txBody>
+                    <a:bodyPr/>
+                    <a:lstStyle/>
+                    <a:p>
+                      <a:pPr latinLnBrk="1"/>
+                      <a:endParaRPr lang="ko-KR" altLang="en-US" dirty="0"/>
+                    </a:p>
+                  </a:txBody>
+                  <a:tcPr>
+                    <a:lnL w="12700" cap="flat" cmpd="sng" algn="ctr">
+                      <a:solidFill>
+                        <a:schemeClr val="tx1"/>
+                      </a:solidFill>
+                      <a:prstDash val="solid"/>
+                      <a:round/>
+                      <a:headEnd type="none" w="med" len="med"/>
+                      <a:tailEnd type="none" w="med" len="med"/>
+                    </a:lnL>
+                    <a:lnR w="12700" cap="flat" cmpd="sng" algn="ctr">
+                      <a:solidFill>
+                        <a:schemeClr val="tx1"/>
+                      </a:solidFill>
+                      <a:prstDash val="solid"/>
+                      <a:round/>
+                      <a:headEnd type="none" w="med" len="med"/>
+                      <a:tailEnd type="none" w="med" len="med"/>
+                    </a:lnR>
+                    <a:lnT w="12700" cap="flat" cmpd="sng" algn="ctr">
+                      <a:solidFill>
+                        <a:schemeClr val="tx1"/>
+                      </a:solidFill>
+                      <a:prstDash val="solid"/>
+                      <a:round/>
+                      <a:headEnd type="none" w="med" len="med"/>
+                      <a:tailEnd type="none" w="med" len="med"/>
+                    </a:lnT>
+                    <a:lnB w="12700" cap="flat" cmpd="sng" algn="ctr">
+                      <a:solidFill>
+                        <a:schemeClr val="tx1"/>
+                      </a:solidFill>
+                      <a:prstDash val="solid"/>
+                      <a:round/>
+                      <a:headEnd type="none" w="med" len="med"/>
+                      <a:tailEnd type="none" w="med" len="med"/>
+                    </a:lnB>
+                    <a:lnTlToBr w="12700" cmpd="sng">
+                      <a:noFill/>
+                      <a:prstDash val="solid"/>
+                    </a:lnTlToBr>
+                    <a:lnBlToTr w="12700" cmpd="sng">
+                      <a:noFill/>
+                      <a:prstDash val="solid"/>
+                    </a:lnBlToTr>
+                    <a:solidFill>
+                      <a:schemeClr val="bg1"/>
+                    </a:solidFill>
+                  </a:tcPr>
+                </a:tc>
+                <a:tc>
+                  <a:txBody>
+                    <a:bodyPr/>
+                    <a:lstStyle/>
+                    <a:p>
+                      <a:pPr algn="ctr" latinLnBrk="1"/>
+                      <a:r>
+                        <a:rPr lang="en-US" altLang="ko-KR" dirty="0"/>
+                        <a:t>Positive(1)</a:t>
+                      </a:r>
+                      <a:endParaRPr lang="ko-KR" altLang="en-US" dirty="0"/>
+                    </a:p>
+                  </a:txBody>
+                  <a:tcPr>
+                    <a:lnL w="12700" cap="flat" cmpd="sng" algn="ctr">
+                      <a:noFill/>
+                      <a:prstDash val="solid"/>
+                      <a:round/>
+                      <a:headEnd type="none" w="med" len="med"/>
+                      <a:tailEnd type="none" w="med" len="med"/>
+                    </a:lnL>
+                    <a:lnR w="12700" cap="flat" cmpd="sng" algn="ctr">
+                      <a:noFill/>
+                      <a:prstDash val="solid"/>
+                      <a:round/>
+                      <a:headEnd type="none" w="med" len="med"/>
+                      <a:tailEnd type="none" w="med" len="med"/>
+                    </a:lnR>
+                    <a:lnT w="12700" cap="flat" cmpd="sng" algn="ctr">
+                      <a:noFill/>
+                      <a:prstDash val="solid"/>
+                      <a:round/>
+                      <a:headEnd type="none" w="med" len="med"/>
+                      <a:tailEnd type="none" w="med" len="med"/>
+                    </a:lnT>
+                    <a:lnB w="12700" cap="flat" cmpd="sng" algn="ctr">
+                      <a:noFill/>
+                      <a:prstDash val="solid"/>
+                      <a:round/>
+                      <a:headEnd type="none" w="med" len="med"/>
+                      <a:tailEnd type="none" w="med" len="med"/>
+                    </a:lnB>
+                    <a:lnTlToBr w="12700" cmpd="sng">
+                      <a:noFill/>
+                      <a:prstDash val="solid"/>
+                    </a:lnTlToBr>
+                    <a:lnBlToTr w="12700" cmpd="sng">
+                      <a:noFill/>
+                      <a:prstDash val="solid"/>
+                    </a:lnBlToTr>
+                    <a:solidFill>
+                      <a:schemeClr val="bg1"/>
+                    </a:solidFill>
+                  </a:tcPr>
+                </a:tc>
+                <a:tc>
+                  <a:txBody>
+                    <a:bodyPr/>
+                    <a:lstStyle/>
+                    <a:p>
+                      <a:pPr algn="ctr" latinLnBrk="1"/>
+                      <a:r>
+                        <a:rPr lang="en-US" altLang="ko-KR" b="1" dirty="0"/>
+                        <a:t>TP</a:t>
+                      </a:r>
+                      <a:endParaRPr lang="ko-KR" altLang="en-US" b="1" dirty="0"/>
+                    </a:p>
+                  </a:txBody>
+                  <a:tcPr>
+                    <a:lnL w="12700" cap="flat" cmpd="sng" algn="ctr">
+                      <a:noFill/>
+                      <a:prstDash val="solid"/>
+                      <a:round/>
+                      <a:headEnd type="none" w="med" len="med"/>
+                      <a:tailEnd type="none" w="med" len="med"/>
+                    </a:lnL>
+                    <a:lnR w="12700" cap="flat" cmpd="sng" algn="ctr">
+                      <a:solidFill>
+                        <a:schemeClr val="tx1"/>
+                      </a:solidFill>
+                      <a:prstDash val="solid"/>
+                      <a:round/>
+                      <a:headEnd type="none" w="med" len="med"/>
+                      <a:tailEnd type="none" w="med" len="med"/>
+                    </a:lnR>
+                    <a:lnT w="12700" cap="flat" cmpd="sng" algn="ctr">
+                      <a:noFill/>
+                      <a:prstDash val="solid"/>
+                      <a:round/>
+                      <a:headEnd type="none" w="med" len="med"/>
+                      <a:tailEnd type="none" w="med" len="med"/>
+                    </a:lnT>
+                    <a:lnB w="12700" cap="flat" cmpd="sng" algn="ctr">
+                      <a:solidFill>
+                        <a:schemeClr val="tx1"/>
+                      </a:solidFill>
+                      <a:prstDash val="solid"/>
+                      <a:round/>
+                      <a:headEnd type="none" w="med" len="med"/>
+                      <a:tailEnd type="none" w="med" len="med"/>
+                    </a:lnB>
+                    <a:lnTlToBr w="12700" cmpd="sng">
+                      <a:noFill/>
+                      <a:prstDash val="solid"/>
+                    </a:lnTlToBr>
+                    <a:lnBlToTr w="12700" cmpd="sng">
+                      <a:noFill/>
+                      <a:prstDash val="solid"/>
+                    </a:lnBlToTr>
+                    <a:solidFill>
+                      <a:schemeClr val="bg1"/>
+                    </a:solidFill>
+                  </a:tcPr>
+                </a:tc>
+                <a:tc>
+                  <a:txBody>
+                    <a:bodyPr/>
+                    <a:lstStyle/>
+                    <a:p>
+                      <a:pPr algn="ctr" latinLnBrk="1"/>
+                      <a:r>
+                        <a:rPr lang="en-US" altLang="ko-KR" b="1" dirty="0"/>
+                        <a:t>FN</a:t>
+                      </a:r>
+                      <a:endParaRPr lang="ko-KR" altLang="en-US" dirty="0"/>
+                    </a:p>
+                  </a:txBody>
+                  <a:tcPr>
+                    <a:lnL w="12700" cap="flat" cmpd="sng" algn="ctr">
+                      <a:solidFill>
+                        <a:schemeClr val="tx1"/>
+                      </a:solidFill>
+                      <a:prstDash val="solid"/>
+                      <a:round/>
+                      <a:headEnd type="none" w="med" len="med"/>
+                      <a:tailEnd type="none" w="med" len="med"/>
+                    </a:lnL>
+                    <a:lnR w="12700" cap="flat" cmpd="sng" algn="ctr">
+                      <a:noFill/>
+                      <a:prstDash val="solid"/>
+                      <a:round/>
+                      <a:headEnd type="none" w="med" len="med"/>
+                      <a:tailEnd type="none" w="med" len="med"/>
+                    </a:lnR>
+                    <a:lnT w="12700" cap="flat" cmpd="sng" algn="ctr">
+                      <a:noFill/>
+                      <a:prstDash val="solid"/>
+                      <a:round/>
+                      <a:headEnd type="none" w="med" len="med"/>
+                      <a:tailEnd type="none" w="med" len="med"/>
+                    </a:lnT>
+                    <a:lnB w="12700" cap="flat" cmpd="sng" algn="ctr">
+                      <a:solidFill>
+                        <a:schemeClr val="tx1"/>
+                      </a:solidFill>
+                      <a:prstDash val="solid"/>
+                      <a:round/>
+                      <a:headEnd type="none" w="med" len="med"/>
+                      <a:tailEnd type="none" w="med" len="med"/>
+                    </a:lnB>
+                    <a:lnTlToBr w="12700" cmpd="sng">
+                      <a:noFill/>
+                      <a:prstDash val="solid"/>
+                    </a:lnTlToBr>
+                    <a:lnBlToTr w="12700" cmpd="sng">
+                      <a:noFill/>
+                      <a:prstDash val="solid"/>
+                    </a:lnBlToTr>
+                    <a:solidFill>
+                      <a:schemeClr val="bg1"/>
+                    </a:solidFill>
+                  </a:tcPr>
+                </a:tc>
+                <a:extLst>
+                  <a:ext uri="{0D108BD9-81ED-4DB2-BD59-A6C34878D82A}">
+                    <a16:rowId xmlns:a16="http://schemas.microsoft.com/office/drawing/2014/main" val="1075509519"/>
+                  </a:ext>
+                </a:extLst>
+              </a:tr>
+              <a:tr h="481561">
+                <a:tc vMerge="1">
+                  <a:txBody>
+                    <a:bodyPr/>
+                    <a:lstStyle/>
+                    <a:p>
+                      <a:pPr latinLnBrk="1"/>
+                      <a:endParaRPr lang="ko-KR" altLang="en-US" dirty="0"/>
+                    </a:p>
+                  </a:txBody>
+                  <a:tcPr>
+                    <a:lnL w="12700" cap="flat" cmpd="sng" algn="ctr">
+                      <a:solidFill>
+                        <a:schemeClr val="tx1"/>
+                      </a:solidFill>
+                      <a:prstDash val="solid"/>
+                      <a:round/>
+                      <a:headEnd type="none" w="med" len="med"/>
+                      <a:tailEnd type="none" w="med" len="med"/>
+                    </a:lnL>
+                    <a:lnR w="12700" cap="flat" cmpd="sng" algn="ctr">
+                      <a:solidFill>
+                        <a:schemeClr val="tx1"/>
+                      </a:solidFill>
+                      <a:prstDash val="solid"/>
+                      <a:round/>
+                      <a:headEnd type="none" w="med" len="med"/>
+                      <a:tailEnd type="none" w="med" len="med"/>
+                    </a:lnR>
+                    <a:lnT w="12700" cap="flat" cmpd="sng" algn="ctr">
+                      <a:solidFill>
+                        <a:schemeClr val="tx1"/>
+                      </a:solidFill>
+                      <a:prstDash val="solid"/>
+                      <a:round/>
+                      <a:headEnd type="none" w="med" len="med"/>
+                      <a:tailEnd type="none" w="med" len="med"/>
+                    </a:lnT>
+                    <a:lnB w="12700" cap="flat" cmpd="sng" algn="ctr">
+                      <a:solidFill>
+                        <a:schemeClr val="tx1"/>
+                      </a:solidFill>
+                      <a:prstDash val="solid"/>
+                      <a:round/>
+                      <a:headEnd type="none" w="med" len="med"/>
+                      <a:tailEnd type="none" w="med" len="med"/>
+                    </a:lnB>
+                    <a:lnTlToBr w="12700" cmpd="sng">
+                      <a:noFill/>
+                      <a:prstDash val="solid"/>
+                    </a:lnTlToBr>
+                    <a:lnBlToTr w="12700" cmpd="sng">
+                      <a:noFill/>
+                      <a:prstDash val="solid"/>
+                    </a:lnBlToTr>
+                    <a:solidFill>
+                      <a:schemeClr val="bg1"/>
+                    </a:solidFill>
+                  </a:tcPr>
+                </a:tc>
+                <a:tc>
+                  <a:txBody>
+                    <a:bodyPr/>
+                    <a:lstStyle/>
+                    <a:p>
+                      <a:pPr algn="ctr" latinLnBrk="1"/>
+                      <a:r>
+                        <a:rPr lang="en-US" altLang="ko-KR" dirty="0"/>
+                        <a:t>Negative(0)</a:t>
+                      </a:r>
+                      <a:endParaRPr lang="ko-KR" altLang="en-US" dirty="0"/>
+                    </a:p>
+                  </a:txBody>
+                  <a:tcPr>
+                    <a:lnL w="12700" cap="flat" cmpd="sng" algn="ctr">
+                      <a:noFill/>
+                      <a:prstDash val="solid"/>
+                      <a:round/>
+                      <a:headEnd type="none" w="med" len="med"/>
+                      <a:tailEnd type="none" w="med" len="med"/>
+                    </a:lnL>
+                    <a:lnR w="12700" cap="flat" cmpd="sng" algn="ctr">
+                      <a:noFill/>
+                      <a:prstDash val="solid"/>
+                      <a:round/>
+                      <a:headEnd type="none" w="med" len="med"/>
+                      <a:tailEnd type="none" w="med" len="med"/>
+                    </a:lnR>
+                    <a:lnT w="12700" cap="flat" cmpd="sng" algn="ctr">
+                      <a:noFill/>
+                      <a:prstDash val="solid"/>
+                      <a:round/>
+                      <a:headEnd type="none" w="med" len="med"/>
+                      <a:tailEnd type="none" w="med" len="med"/>
+                    </a:lnT>
+                    <a:lnB w="12700" cap="flat" cmpd="sng" algn="ctr">
+                      <a:noFill/>
+                      <a:prstDash val="solid"/>
+                      <a:round/>
+                      <a:headEnd type="none" w="med" len="med"/>
+                      <a:tailEnd type="none" w="med" len="med"/>
+                    </a:lnB>
+                    <a:lnTlToBr w="12700" cmpd="sng">
+                      <a:noFill/>
+                      <a:prstDash val="solid"/>
+                    </a:lnTlToBr>
+                    <a:lnBlToTr w="12700" cmpd="sng">
+                      <a:noFill/>
+                      <a:prstDash val="solid"/>
+                    </a:lnBlToTr>
+                    <a:solidFill>
+                      <a:schemeClr val="bg1"/>
+                    </a:solidFill>
+                  </a:tcPr>
+                </a:tc>
+                <a:tc>
+                  <a:txBody>
+                    <a:bodyPr/>
+                    <a:lstStyle/>
+                    <a:p>
+                      <a:pPr algn="ctr" latinLnBrk="1"/>
+                      <a:r>
+                        <a:rPr lang="en-US" altLang="ko-KR" b="1" dirty="0"/>
+                        <a:t>FP</a:t>
+                      </a:r>
+                      <a:endParaRPr lang="ko-KR" altLang="en-US" dirty="0"/>
+                    </a:p>
+                  </a:txBody>
+                  <a:tcPr>
+                    <a:lnL w="12700" cap="flat" cmpd="sng" algn="ctr">
+                      <a:noFill/>
+                      <a:prstDash val="solid"/>
+                      <a:round/>
+                      <a:headEnd type="none" w="med" len="med"/>
+                      <a:tailEnd type="none" w="med" len="med"/>
+                    </a:lnL>
+                    <a:lnR w="12700" cap="flat" cmpd="sng" algn="ctr">
+                      <a:solidFill>
+                        <a:schemeClr val="tx1"/>
+                      </a:solidFill>
+                      <a:prstDash val="solid"/>
+                      <a:round/>
+                      <a:headEnd type="none" w="med" len="med"/>
+                      <a:tailEnd type="none" w="med" len="med"/>
+                    </a:lnR>
+                    <a:lnT w="12700" cap="flat" cmpd="sng" algn="ctr">
+                      <a:solidFill>
+                        <a:schemeClr val="tx1"/>
+                      </a:solidFill>
+                      <a:prstDash val="solid"/>
+                      <a:round/>
+                      <a:headEnd type="none" w="med" len="med"/>
+                      <a:tailEnd type="none" w="med" len="med"/>
+                    </a:lnT>
+                    <a:lnB w="12700" cap="flat" cmpd="sng" algn="ctr">
+                      <a:noFill/>
+                      <a:prstDash val="solid"/>
+                      <a:round/>
+                      <a:headEnd type="none" w="med" len="med"/>
+                      <a:tailEnd type="none" w="med" len="med"/>
+                    </a:lnB>
+                    <a:lnTlToBr w="12700" cmpd="sng">
+                      <a:noFill/>
+                      <a:prstDash val="solid"/>
+                    </a:lnTlToBr>
+                    <a:lnBlToTr w="12700" cmpd="sng">
+                      <a:noFill/>
+                      <a:prstDash val="solid"/>
+                    </a:lnBlToTr>
+                    <a:solidFill>
+                      <a:schemeClr val="bg1"/>
+                    </a:solidFill>
+                  </a:tcPr>
+                </a:tc>
+                <a:tc>
+                  <a:txBody>
+                    <a:bodyPr/>
+                    <a:lstStyle/>
+                    <a:p>
+                      <a:pPr algn="ctr" latinLnBrk="1"/>
+                      <a:r>
+                        <a:rPr lang="en-US" altLang="ko-KR" b="1" dirty="0"/>
+                        <a:t>TN</a:t>
+                      </a:r>
+                      <a:endParaRPr lang="ko-KR" altLang="en-US" b="1" dirty="0"/>
+                    </a:p>
+                  </a:txBody>
+                  <a:tcPr>
+                    <a:lnL w="12700" cap="flat" cmpd="sng" algn="ctr">
+                      <a:solidFill>
+                        <a:schemeClr val="tx1"/>
+                      </a:solidFill>
+                      <a:prstDash val="solid"/>
+                      <a:round/>
+                      <a:headEnd type="none" w="med" len="med"/>
+                      <a:tailEnd type="none" w="med" len="med"/>
+                    </a:lnL>
+                    <a:lnR w="12700" cap="flat" cmpd="sng" algn="ctr">
+                      <a:noFill/>
+                      <a:prstDash val="solid"/>
+                      <a:round/>
+                      <a:headEnd type="none" w="med" len="med"/>
+                      <a:tailEnd type="none" w="med" len="med"/>
+                    </a:lnR>
+                    <a:lnT w="12700" cap="flat" cmpd="sng" algn="ctr">
+                      <a:solidFill>
+                        <a:schemeClr val="tx1"/>
+                      </a:solidFill>
+                      <a:prstDash val="solid"/>
+                      <a:round/>
+                      <a:headEnd type="none" w="med" len="med"/>
+                      <a:tailEnd type="none" w="med" len="med"/>
+                    </a:lnT>
+                    <a:lnB w="12700" cap="flat" cmpd="sng" algn="ctr">
+                      <a:noFill/>
+                      <a:prstDash val="solid"/>
+                      <a:round/>
+                      <a:headEnd type="none" w="med" len="med"/>
+                      <a:tailEnd type="none" w="med" len="med"/>
+                    </a:lnB>
+                    <a:lnTlToBr w="12700" cmpd="sng">
+                      <a:noFill/>
+                      <a:prstDash val="solid"/>
+                    </a:lnTlToBr>
+                    <a:lnBlToTr w="12700" cmpd="sng">
+                      <a:noFill/>
+                      <a:prstDash val="solid"/>
+                    </a:lnBlToTr>
+                    <a:solidFill>
+                      <a:schemeClr val="bg1"/>
+                    </a:solidFill>
+                  </a:tcPr>
+                </a:tc>
+                <a:extLst>
+                  <a:ext uri="{0D108BD9-81ED-4DB2-BD59-A6C34878D82A}">
+                    <a16:rowId xmlns:a16="http://schemas.microsoft.com/office/drawing/2014/main" val="4001814122"/>
+                  </a:ext>
+                </a:extLst>
+              </a:tr>
+            </a:tbl>
+          </a:graphicData>
+        </a:graphic>
+      </p:graphicFrame>
     </p:spTree>
     <p:extLst>
       <p:ext uri="{BB962C8B-B14F-4D97-AF65-F5344CB8AC3E}">
